--- a/doc/JSindo/install_JSindo.pptx
+++ b/doc/JSindo/install_JSindo.pptx
@@ -14,7 +14,7 @@
     <p:sldId id="312" r:id="rId5"/>
     <p:sldId id="319" r:id="rId6"/>
     <p:sldId id="314" r:id="rId7"/>
-    <p:sldId id="323" r:id="rId8"/>
+    <p:sldId id="324" r:id="rId8"/>
     <p:sldId id="302" r:id="rId9"/>
     <p:sldId id="303" r:id="rId10"/>
     <p:sldId id="317" r:id="rId11"/>
@@ -1254,109 +1254,6 @@
     </pc:docChg>
   </pc:docChgLst>
   <pc:docChgLst>
-    <pc:chgData userId="f6b1657d85e9396d" providerId="LiveId" clId="{BC0C3171-02B9-4E86-99D0-56B4C54970F3}"/>
-    <pc:docChg chg="undo modSld">
-      <pc:chgData name="" userId="f6b1657d85e9396d" providerId="LiveId" clId="{BC0C3171-02B9-4E86-99D0-56B4C54970F3}" dt="2022-03-11T15:06:08.873" v="14" actId="20577"/>
-      <pc:docMkLst>
-        <pc:docMk/>
-      </pc:docMkLst>
-      <pc:sldChg chg="modSp">
-        <pc:chgData name="" userId="f6b1657d85e9396d" providerId="LiveId" clId="{BC0C3171-02B9-4E86-99D0-56B4C54970F3}" dt="2022-03-11T15:06:08.873" v="14" actId="20577"/>
-        <pc:sldMkLst>
-          <pc:docMk/>
-          <pc:sldMk cId="499703293" sldId="319"/>
-        </pc:sldMkLst>
-        <pc:spChg chg="mod">
-          <ac:chgData name="" userId="f6b1657d85e9396d" providerId="LiveId" clId="{BC0C3171-02B9-4E86-99D0-56B4C54970F3}" dt="2022-03-11T15:02:17.607" v="10" actId="1076"/>
-          <ac:spMkLst>
-            <pc:docMk/>
-            <pc:sldMk cId="499703293" sldId="319"/>
-            <ac:spMk id="5" creationId="{FDEFFCB6-BD2C-3F4D-BB79-BF35AE71C958}"/>
-          </ac:spMkLst>
-        </pc:spChg>
-        <pc:spChg chg="mod">
-          <ac:chgData name="" userId="f6b1657d85e9396d" providerId="LiveId" clId="{BC0C3171-02B9-4E86-99D0-56B4C54970F3}" dt="2022-03-11T15:02:17.607" v="10" actId="1076"/>
-          <ac:spMkLst>
-            <pc:docMk/>
-            <pc:sldMk cId="499703293" sldId="319"/>
-            <ac:spMk id="7" creationId="{26573351-E85E-CE46-B1D4-3D63BDA679EA}"/>
-          </ac:spMkLst>
-        </pc:spChg>
-        <pc:spChg chg="mod">
-          <ac:chgData name="" userId="f6b1657d85e9396d" providerId="LiveId" clId="{BC0C3171-02B9-4E86-99D0-56B4C54970F3}" dt="2022-03-11T15:06:05.466" v="13" actId="20577"/>
-          <ac:spMkLst>
-            <pc:docMk/>
-            <pc:sldMk cId="499703293" sldId="319"/>
-            <ac:spMk id="9" creationId="{41519BDB-1AD6-2543-8594-C1065220915C}"/>
-          </ac:spMkLst>
-        </pc:spChg>
-        <pc:spChg chg="mod">
-          <ac:chgData name="" userId="f6b1657d85e9396d" providerId="LiveId" clId="{BC0C3171-02B9-4E86-99D0-56B4C54970F3}" dt="2022-03-11T15:06:08.873" v="14" actId="20577"/>
-          <ac:spMkLst>
-            <pc:docMk/>
-            <pc:sldMk cId="499703293" sldId="319"/>
-            <ac:spMk id="10" creationId="{34131D0B-4C8D-CF42-A2E3-EA31628A06AC}"/>
-          </ac:spMkLst>
-        </pc:spChg>
-        <pc:spChg chg="mod">
-          <ac:chgData name="" userId="f6b1657d85e9396d" providerId="LiveId" clId="{BC0C3171-02B9-4E86-99D0-56B4C54970F3}" dt="2022-03-11T15:02:17.607" v="10" actId="1076"/>
-          <ac:spMkLst>
-            <pc:docMk/>
-            <pc:sldMk cId="499703293" sldId="319"/>
-            <ac:spMk id="11" creationId="{82B5C5C7-71E3-BA4F-B78F-63C1483D8571}"/>
-          </ac:spMkLst>
-        </pc:spChg>
-        <pc:picChg chg="mod">
-          <ac:chgData name="" userId="f6b1657d85e9396d" providerId="LiveId" clId="{BC0C3171-02B9-4E86-99D0-56B4C54970F3}" dt="2022-03-11T15:02:17.607" v="10" actId="1076"/>
-          <ac:picMkLst>
-            <pc:docMk/>
-            <pc:sldMk cId="499703293" sldId="319"/>
-            <ac:picMk id="8" creationId="{33D402FA-06A9-C044-89D2-75FADA337EC6}"/>
-          </ac:picMkLst>
-        </pc:picChg>
-      </pc:sldChg>
-      <pc:sldChg chg="addSp modSp">
-        <pc:chgData name="" userId="f6b1657d85e9396d" providerId="LiveId" clId="{BC0C3171-02B9-4E86-99D0-56B4C54970F3}" dt="2022-03-11T15:02:27.002" v="11" actId="1076"/>
-        <pc:sldMkLst>
-          <pc:docMk/>
-          <pc:sldMk cId="691672662" sldId="320"/>
-        </pc:sldMkLst>
-        <pc:spChg chg="mod">
-          <ac:chgData name="" userId="f6b1657d85e9396d" providerId="LiveId" clId="{BC0C3171-02B9-4E86-99D0-56B4C54970F3}" dt="2022-03-11T15:02:27.002" v="11" actId="1076"/>
-          <ac:spMkLst>
-            <pc:docMk/>
-            <pc:sldMk cId="691672662" sldId="320"/>
-            <ac:spMk id="5" creationId="{67117ED8-0DC7-D044-8106-9C703F55E7CC}"/>
-          </ac:spMkLst>
-        </pc:spChg>
-        <pc:spChg chg="mod">
-          <ac:chgData name="" userId="f6b1657d85e9396d" providerId="LiveId" clId="{BC0C3171-02B9-4E86-99D0-56B4C54970F3}" dt="2022-03-11T15:02:27.002" v="11" actId="1076"/>
-          <ac:spMkLst>
-            <pc:docMk/>
-            <pc:sldMk cId="691672662" sldId="320"/>
-            <ac:spMk id="6" creationId="{4A47C6A8-61BF-9544-8DFB-327053B7D75B}"/>
-          </ac:spMkLst>
-        </pc:spChg>
-        <pc:spChg chg="mod">
-          <ac:chgData name="" userId="f6b1657d85e9396d" providerId="LiveId" clId="{BC0C3171-02B9-4E86-99D0-56B4C54970F3}" dt="2022-03-11T15:00:13.975" v="6" actId="688"/>
-          <ac:spMkLst>
-            <pc:docMk/>
-            <pc:sldMk cId="691672662" sldId="320"/>
-            <ac:spMk id="7" creationId="{15B2E20A-080B-0848-84D4-1146D4A69AF3}"/>
-          </ac:spMkLst>
-        </pc:spChg>
-        <pc:picChg chg="add mod">
-          <ac:chgData name="" userId="f6b1657d85e9396d" providerId="LiveId" clId="{BC0C3171-02B9-4E86-99D0-56B4C54970F3}" dt="2022-03-11T15:02:27.002" v="11" actId="1076"/>
-          <ac:picMkLst>
-            <pc:docMk/>
-            <pc:sldMk cId="691672662" sldId="320"/>
-            <ac:picMk id="2" creationId="{841ADE8A-6941-45A4-966F-665ABD003C48}"/>
-          </ac:picMkLst>
-        </pc:picChg>
-      </pc:sldChg>
-    </pc:docChg>
-  </pc:docChgLst>
-  <pc:docChgLst>
     <pc:chgData name="Yagi Kiyoshi" userId="f6b1657d85e9396d" providerId="LiveId" clId="{22876F05-C2EC-43C9-914C-F8CAAC606E56}"/>
     <pc:docChg chg="custSel modSld">
       <pc:chgData name="Yagi Kiyoshi" userId="f6b1657d85e9396d" providerId="LiveId" clId="{22876F05-C2EC-43C9-914C-F8CAAC606E56}" dt="2022-03-11T05:40:37.102" v="12" actId="1076"/>
@@ -1383,6 +1280,109 @@
             <pc:docMk/>
             <pc:sldMk cId="3398820967" sldId="310"/>
             <ac:picMk id="7" creationId="{1DF4DCAA-D4D6-4A19-A6ED-810C8483C6EF}"/>
+          </ac:picMkLst>
+        </pc:picChg>
+      </pc:sldChg>
+    </pc:docChg>
+  </pc:docChgLst>
+  <pc:docChgLst>
+    <pc:chgData userId="f6b1657d85e9396d" providerId="LiveId" clId="{BC0C3171-02B9-4E86-99D0-56B4C54970F3}"/>
+    <pc:docChg chg="undo modSld">
+      <pc:chgData name="" userId="f6b1657d85e9396d" providerId="LiveId" clId="{BC0C3171-02B9-4E86-99D0-56B4C54970F3}" dt="2022-03-11T15:06:08.873" v="14" actId="20577"/>
+      <pc:docMkLst>
+        <pc:docMk/>
+      </pc:docMkLst>
+      <pc:sldChg chg="modSp">
+        <pc:chgData name="" userId="f6b1657d85e9396d" providerId="LiveId" clId="{BC0C3171-02B9-4E86-99D0-56B4C54970F3}" dt="2022-03-11T15:06:08.873" v="14" actId="20577"/>
+        <pc:sldMkLst>
+          <pc:docMk/>
+          <pc:sldMk cId="499703293" sldId="319"/>
+        </pc:sldMkLst>
+        <pc:spChg chg="mod">
+          <ac:chgData name="" userId="f6b1657d85e9396d" providerId="LiveId" clId="{BC0C3171-02B9-4E86-99D0-56B4C54970F3}" dt="2022-03-11T15:02:17.607" v="10" actId="1076"/>
+          <ac:spMkLst>
+            <pc:docMk/>
+            <pc:sldMk cId="499703293" sldId="319"/>
+            <ac:spMk id="5" creationId="{FDEFFCB6-BD2C-3F4D-BB79-BF35AE71C958}"/>
+          </ac:spMkLst>
+        </pc:spChg>
+        <pc:spChg chg="mod">
+          <ac:chgData name="" userId="f6b1657d85e9396d" providerId="LiveId" clId="{BC0C3171-02B9-4E86-99D0-56B4C54970F3}" dt="2022-03-11T15:02:17.607" v="10" actId="1076"/>
+          <ac:spMkLst>
+            <pc:docMk/>
+            <pc:sldMk cId="499703293" sldId="319"/>
+            <ac:spMk id="7" creationId="{26573351-E85E-CE46-B1D4-3D63BDA679EA}"/>
+          </ac:spMkLst>
+        </pc:spChg>
+        <pc:spChg chg="mod">
+          <ac:chgData name="" userId="f6b1657d85e9396d" providerId="LiveId" clId="{BC0C3171-02B9-4E86-99D0-56B4C54970F3}" dt="2022-03-11T15:06:05.466" v="13" actId="20577"/>
+          <ac:spMkLst>
+            <pc:docMk/>
+            <pc:sldMk cId="499703293" sldId="319"/>
+            <ac:spMk id="9" creationId="{41519BDB-1AD6-2543-8594-C1065220915C}"/>
+          </ac:spMkLst>
+        </pc:spChg>
+        <pc:spChg chg="mod">
+          <ac:chgData name="" userId="f6b1657d85e9396d" providerId="LiveId" clId="{BC0C3171-02B9-4E86-99D0-56B4C54970F3}" dt="2022-03-11T15:06:08.873" v="14" actId="20577"/>
+          <ac:spMkLst>
+            <pc:docMk/>
+            <pc:sldMk cId="499703293" sldId="319"/>
+            <ac:spMk id="10" creationId="{34131D0B-4C8D-CF42-A2E3-EA31628A06AC}"/>
+          </ac:spMkLst>
+        </pc:spChg>
+        <pc:spChg chg="mod">
+          <ac:chgData name="" userId="f6b1657d85e9396d" providerId="LiveId" clId="{BC0C3171-02B9-4E86-99D0-56B4C54970F3}" dt="2022-03-11T15:02:17.607" v="10" actId="1076"/>
+          <ac:spMkLst>
+            <pc:docMk/>
+            <pc:sldMk cId="499703293" sldId="319"/>
+            <ac:spMk id="11" creationId="{82B5C5C7-71E3-BA4F-B78F-63C1483D8571}"/>
+          </ac:spMkLst>
+        </pc:spChg>
+        <pc:picChg chg="mod">
+          <ac:chgData name="" userId="f6b1657d85e9396d" providerId="LiveId" clId="{BC0C3171-02B9-4E86-99D0-56B4C54970F3}" dt="2022-03-11T15:02:17.607" v="10" actId="1076"/>
+          <ac:picMkLst>
+            <pc:docMk/>
+            <pc:sldMk cId="499703293" sldId="319"/>
+            <ac:picMk id="8" creationId="{33D402FA-06A9-C044-89D2-75FADA337EC6}"/>
+          </ac:picMkLst>
+        </pc:picChg>
+      </pc:sldChg>
+      <pc:sldChg chg="addSp modSp">
+        <pc:chgData name="" userId="f6b1657d85e9396d" providerId="LiveId" clId="{BC0C3171-02B9-4E86-99D0-56B4C54970F3}" dt="2022-03-11T15:02:27.002" v="11" actId="1076"/>
+        <pc:sldMkLst>
+          <pc:docMk/>
+          <pc:sldMk cId="691672662" sldId="320"/>
+        </pc:sldMkLst>
+        <pc:spChg chg="mod">
+          <ac:chgData name="" userId="f6b1657d85e9396d" providerId="LiveId" clId="{BC0C3171-02B9-4E86-99D0-56B4C54970F3}" dt="2022-03-11T15:02:27.002" v="11" actId="1076"/>
+          <ac:spMkLst>
+            <pc:docMk/>
+            <pc:sldMk cId="691672662" sldId="320"/>
+            <ac:spMk id="5" creationId="{67117ED8-0DC7-D044-8106-9C703F55E7CC}"/>
+          </ac:spMkLst>
+        </pc:spChg>
+        <pc:spChg chg="mod">
+          <ac:chgData name="" userId="f6b1657d85e9396d" providerId="LiveId" clId="{BC0C3171-02B9-4E86-99D0-56B4C54970F3}" dt="2022-03-11T15:02:27.002" v="11" actId="1076"/>
+          <ac:spMkLst>
+            <pc:docMk/>
+            <pc:sldMk cId="691672662" sldId="320"/>
+            <ac:spMk id="6" creationId="{4A47C6A8-61BF-9544-8DFB-327053B7D75B}"/>
+          </ac:spMkLst>
+        </pc:spChg>
+        <pc:spChg chg="mod">
+          <ac:chgData name="" userId="f6b1657d85e9396d" providerId="LiveId" clId="{BC0C3171-02B9-4E86-99D0-56B4C54970F3}" dt="2022-03-11T15:00:13.975" v="6" actId="688"/>
+          <ac:spMkLst>
+            <pc:docMk/>
+            <pc:sldMk cId="691672662" sldId="320"/>
+            <ac:spMk id="7" creationId="{15B2E20A-080B-0848-84D4-1146D4A69AF3}"/>
+          </ac:spMkLst>
+        </pc:spChg>
+        <pc:picChg chg="add mod">
+          <ac:chgData name="" userId="f6b1657d85e9396d" providerId="LiveId" clId="{BC0C3171-02B9-4E86-99D0-56B4C54970F3}" dt="2022-03-11T15:02:27.002" v="11" actId="1076"/>
+          <ac:picMkLst>
+            <pc:docMk/>
+            <pc:sldMk cId="691672662" sldId="320"/>
+            <ac:picMk id="2" creationId="{841ADE8A-6941-45A4-966F-665ABD003C48}"/>
           </ac:picMkLst>
         </pc:picChg>
       </pc:sldChg>
@@ -1473,7 +1473,7 @@
           <a:p>
             <a:fld id="{BB0F0136-69B4-D44B-9FED-4928016A3512}" type="datetimeFigureOut">
               <a:rPr kumimoji="1" lang="ja-JP" altLang="en-US" smtClean="0"/>
-              <a:t>2022/3/12</a:t>
+              <a:t>2022/3/17</a:t>
             </a:fld>
             <a:endParaRPr kumimoji="1" lang="ja-JP" altLang="en-US"/>
           </a:p>
@@ -2071,7 +2071,7 @@
           <a:p>
             <a:fld id="{8F1A2EAE-8A19-6140-AB90-FBA793328AFC}" type="datetime1">
               <a:rPr kumimoji="1" lang="ja-JP" altLang="en-US" smtClean="0"/>
-              <a:t>2022/3/12</a:t>
+              <a:t>2022/3/17</a:t>
             </a:fld>
             <a:endParaRPr kumimoji="1" lang="ja-JP" altLang="en-US"/>
           </a:p>
@@ -2268,7 +2268,7 @@
           <a:p>
             <a:fld id="{5032F6CD-D8C5-EA47-935C-33C61990A9AF}" type="datetime1">
               <a:rPr kumimoji="1" lang="ja-JP" altLang="en-US" smtClean="0"/>
-              <a:t>2022/3/12</a:t>
+              <a:t>2022/3/17</a:t>
             </a:fld>
             <a:endParaRPr kumimoji="1" lang="ja-JP" altLang="en-US"/>
           </a:p>
@@ -2475,7 +2475,7 @@
           <a:p>
             <a:fld id="{7432CAB7-B1D1-C842-BB27-1789136EF085}" type="datetime1">
               <a:rPr kumimoji="1" lang="ja-JP" altLang="en-US" smtClean="0"/>
-              <a:t>2022/3/12</a:t>
+              <a:t>2022/3/17</a:t>
             </a:fld>
             <a:endParaRPr kumimoji="1" lang="ja-JP" altLang="en-US"/>
           </a:p>
@@ -2672,7 +2672,7 @@
           <a:p>
             <a:fld id="{59F606A1-BF80-4F40-AD73-3A1303D72015}" type="datetime1">
               <a:rPr kumimoji="1" lang="ja-JP" altLang="en-US" smtClean="0"/>
-              <a:t>2022/3/12</a:t>
+              <a:t>2022/3/17</a:t>
             </a:fld>
             <a:endParaRPr kumimoji="1" lang="ja-JP" altLang="en-US"/>
           </a:p>
@@ -2911,7 +2911,7 @@
           <a:p>
             <a:fld id="{201370A8-86D7-DE4D-BAB6-D17D5C3BEC5A}" type="datetime1">
               <a:rPr kumimoji="1" lang="ja-JP" altLang="en-US" smtClean="0"/>
-              <a:t>2022/3/12</a:t>
+              <a:t>2022/3/17</a:t>
             </a:fld>
             <a:endParaRPr kumimoji="1" lang="ja-JP" altLang="en-US"/>
           </a:p>
@@ -3202,7 +3202,7 @@
           <a:p>
             <a:fld id="{2F8DFF1A-26F6-734D-81A6-596D27E77CDE}" type="datetime1">
               <a:rPr kumimoji="1" lang="ja-JP" altLang="en-US" smtClean="0"/>
-              <a:t>2022/3/12</a:t>
+              <a:t>2022/3/17</a:t>
             </a:fld>
             <a:endParaRPr kumimoji="1" lang="ja-JP" altLang="en-US"/>
           </a:p>
@@ -3628,7 +3628,7 @@
           <a:p>
             <a:fld id="{DA4D6ED2-2E77-3346-9932-196F8E0DDE9D}" type="datetime1">
               <a:rPr kumimoji="1" lang="ja-JP" altLang="en-US" smtClean="0"/>
-              <a:t>2022/3/12</a:t>
+              <a:t>2022/3/17</a:t>
             </a:fld>
             <a:endParaRPr kumimoji="1" lang="ja-JP" altLang="en-US"/>
           </a:p>
@@ -3741,7 +3741,7 @@
           <a:p>
             <a:fld id="{E0D62E53-0DE6-954C-A642-97CC889F03F2}" type="datetime1">
               <a:rPr kumimoji="1" lang="ja-JP" altLang="en-US" smtClean="0"/>
-              <a:t>2022/3/12</a:t>
+              <a:t>2022/3/17</a:t>
             </a:fld>
             <a:endParaRPr kumimoji="1" lang="ja-JP" altLang="en-US"/>
           </a:p>
@@ -3831,7 +3831,7 @@
           <a:p>
             <a:fld id="{4C76B436-8A19-1A40-8CF4-6DE75F461D19}" type="datetime1">
               <a:rPr kumimoji="1" lang="ja-JP" altLang="en-US" smtClean="0"/>
-              <a:t>2022/3/12</a:t>
+              <a:t>2022/3/17</a:t>
             </a:fld>
             <a:endParaRPr kumimoji="1" lang="ja-JP" altLang="en-US"/>
           </a:p>
@@ -4135,7 +4135,7 @@
           <a:p>
             <a:fld id="{50F977A8-A6EB-6544-A402-5123A38A5E0F}" type="datetime1">
               <a:rPr kumimoji="1" lang="ja-JP" altLang="en-US" smtClean="0"/>
-              <a:t>2022/3/12</a:t>
+              <a:t>2022/3/17</a:t>
             </a:fld>
             <a:endParaRPr kumimoji="1" lang="ja-JP" altLang="en-US"/>
           </a:p>
@@ -4387,7 +4387,7 @@
           <a:p>
             <a:fld id="{AC63A33F-D5AB-5D4B-9CED-7FFE32473911}" type="datetime1">
               <a:rPr kumimoji="1" lang="ja-JP" altLang="en-US" smtClean="0"/>
-              <a:t>2022/3/12</a:t>
+              <a:t>2022/3/17</a:t>
             </a:fld>
             <a:endParaRPr kumimoji="1" lang="ja-JP" altLang="en-US"/>
           </a:p>
@@ -4627,7 +4627,7 @@
           <a:p>
             <a:fld id="{533D1301-D078-CF4D-9B69-E985276E2D1F}" type="datetime1">
               <a:rPr kumimoji="1" lang="ja-JP" altLang="en-US" smtClean="0"/>
-              <a:t>2022/3/12</a:t>
+              <a:t>2022/3/17</a:t>
             </a:fld>
             <a:endParaRPr kumimoji="1" lang="ja-JP" altLang="en-US"/>
           </a:p>
@@ -8273,10 +8273,10 @@
       </p:sp>
       <p:sp>
         <p:nvSpPr>
-          <p:cNvPr id="12" name="テキスト ボックス 11">
+          <p:cNvPr id="13" name="テキスト ボックス 12">
             <a:extLst>
               <a:ext uri="{FF2B5EF4-FFF2-40B4-BE49-F238E27FC236}">
-                <a16:creationId xmlns:a16="http://schemas.microsoft.com/office/drawing/2014/main" id="{D9034322-FB52-1C43-B6BE-F5DA21886CB1}"/>
+                <a16:creationId xmlns:a16="http://schemas.microsoft.com/office/drawing/2014/main" id="{0311892E-5F54-4248-A3E8-00F2BF214A0F}"/>
               </a:ext>
             </a:extLst>
           </p:cNvPr>
@@ -8285,8 +8285,8 @@
         </p:nvSpPr>
         <p:spPr>
           <a:xfrm>
-            <a:off x="1209863" y="5135583"/>
-            <a:ext cx="7374739" cy="276999"/>
+            <a:off x="1209863" y="6040681"/>
+            <a:ext cx="1393330" cy="461665"/>
           </a:xfrm>
           <a:prstGeom prst="rect">
             <a:avLst/>
@@ -8299,7 +8299,7 @@
           </a:ln>
         </p:spPr>
         <p:txBody>
-          <a:bodyPr wrap="square" rtlCol="0">
+          <a:bodyPr wrap="none" rtlCol="0">
             <a:spAutoFit/>
           </a:bodyPr>
           <a:lstStyle/>
@@ -8310,7 +8310,30 @@
                 <a:ea typeface="Courier" charset="0"/>
                 <a:cs typeface="Courier" charset="0"/>
               </a:rPr>
-              <a:t>alias </a:t>
+              <a:t>&gt; . ~/.</a:t>
+            </a:r>
+            <a:r>
+              <a:rPr lang="en-US" altLang="ja-JP" sz="1200" dirty="0" err="1">
+                <a:latin typeface="Courier" charset="0"/>
+                <a:ea typeface="Courier" charset="0"/>
+                <a:cs typeface="Courier" charset="0"/>
+              </a:rPr>
+              <a:t>bashrc</a:t>
+            </a:r>
+            <a:endParaRPr lang="en-US" altLang="ja-JP" sz="1200" dirty="0">
+              <a:latin typeface="Courier" charset="0"/>
+              <a:ea typeface="Courier" charset="0"/>
+              <a:cs typeface="Courier" charset="0"/>
+            </a:endParaRPr>
+          </a:p>
+          <a:p>
+            <a:r>
+              <a:rPr lang="en-US" altLang="ja-JP" sz="1200" dirty="0">
+                <a:latin typeface="Courier" charset="0"/>
+                <a:ea typeface="Courier" charset="0"/>
+                <a:cs typeface="Courier" charset="0"/>
+              </a:rPr>
+              <a:t>&gt; </a:t>
             </a:r>
             <a:r>
               <a:rPr lang="en-US" altLang="ja-JP" sz="1200" dirty="0" err="1">
@@ -8320,23 +8343,20 @@
               </a:rPr>
               <a:t>jsindo</a:t>
             </a:r>
-            <a:r>
-              <a:rPr lang="en-US" altLang="ja-JP" sz="1200" dirty="0">
-                <a:latin typeface="Courier" charset="0"/>
-                <a:ea typeface="Courier" charset="0"/>
-                <a:cs typeface="Courier" charset="0"/>
-              </a:rPr>
-              <a:t>=‘java -jar /path/to/sindo-4.0_xxxx/JSindo/jar/JSindo-4.0_fat.jar’</a:t>
-            </a:r>
-          </a:p>
-        </p:txBody>
-      </p:sp>
-      <p:sp>
-        <p:nvSpPr>
-          <p:cNvPr id="13" name="テキスト ボックス 12">
+            <a:endParaRPr lang="en-US" altLang="ja-JP" sz="1200" dirty="0">
+              <a:latin typeface="Courier" charset="0"/>
+              <a:ea typeface="Courier" charset="0"/>
+              <a:cs typeface="Courier" charset="0"/>
+            </a:endParaRPr>
+          </a:p>
+        </p:txBody>
+      </p:sp>
+      <p:sp>
+        <p:nvSpPr>
+          <p:cNvPr id="14" name="テキスト ボックス 13">
             <a:extLst>
               <a:ext uri="{FF2B5EF4-FFF2-40B4-BE49-F238E27FC236}">
-                <a16:creationId xmlns:a16="http://schemas.microsoft.com/office/drawing/2014/main" id="{0311892E-5F54-4248-A3E8-00F2BF214A0F}"/>
+                <a16:creationId xmlns:a16="http://schemas.microsoft.com/office/drawing/2014/main" id="{7F615F5B-83BC-854B-B71E-71AC2D8326AF}"/>
               </a:ext>
             </a:extLst>
           </p:cNvPr>
@@ -8345,8 +8365,104 @@
         </p:nvSpPr>
         <p:spPr>
           <a:xfrm>
-            <a:off x="1209863" y="6040681"/>
-            <a:ext cx="1393330" cy="461665"/>
+            <a:off x="930048" y="5564345"/>
+            <a:ext cx="7486322" cy="369332"/>
+          </a:xfrm>
+          <a:prstGeom prst="rect">
+            <a:avLst/>
+          </a:prstGeom>
+          <a:noFill/>
+        </p:spPr>
+        <p:txBody>
+          <a:bodyPr wrap="square" rtlCol="0">
+            <a:spAutoFit/>
+          </a:bodyPr>
+          <a:lstStyle/>
+          <a:p>
+            <a:r>
+              <a:rPr lang="en-US" altLang="ja-JP" dirty="0"/>
+              <a:t>After source, you can invoke the program by typing “</a:t>
+            </a:r>
+            <a:r>
+              <a:rPr lang="en-US" altLang="ja-JP" dirty="0" err="1"/>
+              <a:t>jsindo</a:t>
+            </a:r>
+            <a:r>
+              <a:rPr lang="en-US" altLang="ja-JP" dirty="0"/>
+              <a:t>” in the command.</a:t>
+            </a:r>
+            <a:endParaRPr kumimoji="1" lang="ja-JP" altLang="en-US" dirty="0"/>
+          </a:p>
+        </p:txBody>
+      </p:sp>
+      <p:sp>
+        <p:nvSpPr>
+          <p:cNvPr id="15" name="テキスト ボックス 14">
+            <a:extLst>
+              <a:ext uri="{FF2B5EF4-FFF2-40B4-BE49-F238E27FC236}">
+                <a16:creationId xmlns:a16="http://schemas.microsoft.com/office/drawing/2014/main" id="{4155B7D0-476C-3A47-B4E6-F2E327DD496C}"/>
+              </a:ext>
+            </a:extLst>
+          </p:cNvPr>
+          <p:cNvSpPr txBox="1"/>
+          <p:nvPr/>
+        </p:nvSpPr>
+        <p:spPr>
+          <a:xfrm>
+            <a:off x="931904" y="4614549"/>
+            <a:ext cx="4756174" cy="369332"/>
+          </a:xfrm>
+          <a:prstGeom prst="rect">
+            <a:avLst/>
+          </a:prstGeom>
+          <a:noFill/>
+        </p:spPr>
+        <p:txBody>
+          <a:bodyPr wrap="none" rtlCol="0">
+            <a:spAutoFit/>
+          </a:bodyPr>
+          <a:lstStyle/>
+          <a:p>
+            <a:r>
+              <a:rPr kumimoji="1" lang="en-US" altLang="ja-JP" dirty="0"/>
+              <a:t>You may add </a:t>
+            </a:r>
+            <a:r>
+              <a:rPr kumimoji="1" lang="en-US" altLang="ja-JP"/>
+              <a:t>the following line </a:t>
+            </a:r>
+            <a:r>
+              <a:rPr kumimoji="1" lang="en-US" altLang="ja-JP" dirty="0"/>
+              <a:t>in your ~/.</a:t>
+            </a:r>
+            <a:r>
+              <a:rPr kumimoji="1" lang="en-US" altLang="ja-JP" dirty="0" err="1"/>
+              <a:t>bashrc</a:t>
+            </a:r>
+            <a:r>
+              <a:rPr kumimoji="1" lang="en-US" altLang="ja-JP" dirty="0"/>
+              <a:t>,</a:t>
+            </a:r>
+            <a:endParaRPr kumimoji="1" lang="ja-JP" altLang="en-US" dirty="0"/>
+          </a:p>
+        </p:txBody>
+      </p:sp>
+      <p:sp>
+        <p:nvSpPr>
+          <p:cNvPr id="16" name="テキスト ボックス 13">
+            <a:extLst>
+              <a:ext uri="{FF2B5EF4-FFF2-40B4-BE49-F238E27FC236}">
+                <a16:creationId xmlns:a16="http://schemas.microsoft.com/office/drawing/2014/main" id="{4791D2C6-9A15-504B-8B58-3DC86AC8D0AF}"/>
+              </a:ext>
+            </a:extLst>
+          </p:cNvPr>
+          <p:cNvSpPr txBox="1"/>
+          <p:nvPr/>
+        </p:nvSpPr>
+        <p:spPr>
+          <a:xfrm>
+            <a:off x="1204223" y="5085184"/>
+            <a:ext cx="7622600" cy="276999"/>
           </a:xfrm>
           <a:prstGeom prst="rect">
             <a:avLst/>
@@ -8370,30 +8486,7 @@
                 <a:ea typeface="Courier" charset="0"/>
                 <a:cs typeface="Courier" charset="0"/>
               </a:rPr>
-              <a:t>&gt; . ~/.</a:t>
-            </a:r>
-            <a:r>
-              <a:rPr lang="en-US" altLang="ja-JP" sz="1200" dirty="0" err="1">
-                <a:latin typeface="Courier" charset="0"/>
-                <a:ea typeface="Courier" charset="0"/>
-                <a:cs typeface="Courier" charset="0"/>
-              </a:rPr>
-              <a:t>bashrc</a:t>
-            </a:r>
-            <a:endParaRPr lang="en-US" altLang="ja-JP" sz="1200" dirty="0">
-              <a:latin typeface="Courier" charset="0"/>
-              <a:ea typeface="Courier" charset="0"/>
-              <a:cs typeface="Courier" charset="0"/>
-            </a:endParaRPr>
-          </a:p>
-          <a:p>
-            <a:r>
-              <a:rPr lang="en-US" altLang="ja-JP" sz="1200" dirty="0">
-                <a:latin typeface="Courier" charset="0"/>
-                <a:ea typeface="Courier" charset="0"/>
-                <a:cs typeface="Courier" charset="0"/>
-              </a:rPr>
-              <a:t>&gt; </a:t>
+              <a:t>alias </a:t>
             </a:r>
             <a:r>
               <a:rPr lang="en-US" altLang="ja-JP" sz="1200" dirty="0" err="1">
@@ -8403,107 +8496,19 @@
               </a:rPr>
               <a:t>jsindo</a:t>
             </a:r>
-            <a:endParaRPr lang="en-US" altLang="ja-JP" sz="1200" dirty="0">
+            <a:r>
+              <a:rPr lang="en-US" altLang="ja-JP" sz="1200" dirty="0">
+                <a:latin typeface="Courier" charset="0"/>
+                <a:ea typeface="Courier" charset="0"/>
+                <a:cs typeface="Courier" charset="0"/>
+              </a:rPr>
+              <a:t>=‘java -jar /path/to/sindo-4.0_xxxx/JSindo/jar/JSindo-4.0_fat.jar’  </a:t>
+            </a:r>
+            <a:endParaRPr kumimoji="1" lang="ja-JP" altLang="en-US" sz="1200" dirty="0">
               <a:latin typeface="Courier" charset="0"/>
               <a:ea typeface="Courier" charset="0"/>
               <a:cs typeface="Courier" charset="0"/>
             </a:endParaRPr>
-          </a:p>
-        </p:txBody>
-      </p:sp>
-      <p:sp>
-        <p:nvSpPr>
-          <p:cNvPr id="14" name="テキスト ボックス 13">
-            <a:extLst>
-              <a:ext uri="{FF2B5EF4-FFF2-40B4-BE49-F238E27FC236}">
-                <a16:creationId xmlns:a16="http://schemas.microsoft.com/office/drawing/2014/main" id="{7F615F5B-83BC-854B-B71E-71AC2D8326AF}"/>
-              </a:ext>
-            </a:extLst>
-          </p:cNvPr>
-          <p:cNvSpPr txBox="1"/>
-          <p:nvPr/>
-        </p:nvSpPr>
-        <p:spPr>
-          <a:xfrm>
-            <a:off x="930048" y="5564345"/>
-            <a:ext cx="7486322" cy="369332"/>
-          </a:xfrm>
-          <a:prstGeom prst="rect">
-            <a:avLst/>
-          </a:prstGeom>
-          <a:noFill/>
-        </p:spPr>
-        <p:txBody>
-          <a:bodyPr wrap="square" rtlCol="0">
-            <a:spAutoFit/>
-          </a:bodyPr>
-          <a:lstStyle/>
-          <a:p>
-            <a:r>
-              <a:rPr lang="en-US" altLang="ja-JP" dirty="0"/>
-              <a:t>After source, you can invoke the program by typing “</a:t>
-            </a:r>
-            <a:r>
-              <a:rPr lang="en-US" altLang="ja-JP" dirty="0" err="1"/>
-              <a:t>jsindo</a:t>
-            </a:r>
-            <a:r>
-              <a:rPr lang="en-US" altLang="ja-JP" dirty="0"/>
-              <a:t>” in the command.</a:t>
-            </a:r>
-            <a:endParaRPr kumimoji="1" lang="ja-JP" altLang="en-US" dirty="0"/>
-          </a:p>
-        </p:txBody>
-      </p:sp>
-      <p:sp>
-        <p:nvSpPr>
-          <p:cNvPr id="15" name="テキスト ボックス 14">
-            <a:extLst>
-              <a:ext uri="{FF2B5EF4-FFF2-40B4-BE49-F238E27FC236}">
-                <a16:creationId xmlns:a16="http://schemas.microsoft.com/office/drawing/2014/main" id="{4155B7D0-476C-3A47-B4E6-F2E327DD496C}"/>
-              </a:ext>
-            </a:extLst>
-          </p:cNvPr>
-          <p:cNvSpPr txBox="1"/>
-          <p:nvPr/>
-        </p:nvSpPr>
-        <p:spPr>
-          <a:xfrm>
-            <a:off x="931904" y="4614549"/>
-            <a:ext cx="4756174" cy="369332"/>
-          </a:xfrm>
-          <a:prstGeom prst="rect">
-            <a:avLst/>
-          </a:prstGeom>
-          <a:noFill/>
-        </p:spPr>
-        <p:txBody>
-          <a:bodyPr wrap="none" rtlCol="0">
-            <a:spAutoFit/>
-          </a:bodyPr>
-          <a:lstStyle/>
-          <a:p>
-            <a:r>
-              <a:rPr kumimoji="1" lang="en-US" altLang="ja-JP" dirty="0"/>
-              <a:t>You may add </a:t>
-            </a:r>
-            <a:r>
-              <a:rPr kumimoji="1" lang="en-US" altLang="ja-JP"/>
-              <a:t>the following line </a:t>
-            </a:r>
-            <a:r>
-              <a:rPr kumimoji="1" lang="en-US" altLang="ja-JP" dirty="0"/>
-              <a:t>in your ~/.</a:t>
-            </a:r>
-            <a:r>
-              <a:rPr kumimoji="1" lang="en-US" altLang="ja-JP" dirty="0" err="1"/>
-              <a:t>bashrc</a:t>
-            </a:r>
-            <a:r>
-              <a:rPr kumimoji="1" lang="en-US" altLang="ja-JP" dirty="0"/>
-              <a:t>,</a:t>
-            </a:r>
-            <a:endParaRPr kumimoji="1" lang="ja-JP" altLang="en-US" dirty="0"/>
           </a:p>
         </p:txBody>
       </p:sp>
@@ -9464,10 +9469,10 @@
       </p:sp>
       <p:sp>
         <p:nvSpPr>
-          <p:cNvPr id="12" name="テキスト ボックス 11">
+          <p:cNvPr id="13" name="テキスト ボックス 12">
             <a:extLst>
               <a:ext uri="{FF2B5EF4-FFF2-40B4-BE49-F238E27FC236}">
-                <a16:creationId xmlns:a16="http://schemas.microsoft.com/office/drawing/2014/main" id="{D9034322-FB52-1C43-B6BE-F5DA21886CB1}"/>
+                <a16:creationId xmlns:a16="http://schemas.microsoft.com/office/drawing/2014/main" id="{0311892E-5F54-4248-A3E8-00F2BF214A0F}"/>
               </a:ext>
             </a:extLst>
           </p:cNvPr>
@@ -9476,8 +9481,8 @@
         </p:nvSpPr>
         <p:spPr>
           <a:xfrm>
-            <a:off x="1209863" y="5135583"/>
-            <a:ext cx="7374739" cy="276999"/>
+            <a:off x="1209863" y="6040681"/>
+            <a:ext cx="1393330" cy="461665"/>
           </a:xfrm>
           <a:prstGeom prst="rect">
             <a:avLst/>
@@ -9490,7 +9495,7 @@
           </a:ln>
         </p:spPr>
         <p:txBody>
-          <a:bodyPr wrap="square" rtlCol="0">
+          <a:bodyPr wrap="none" rtlCol="0">
             <a:spAutoFit/>
           </a:bodyPr>
           <a:lstStyle/>
@@ -9501,7 +9506,30 @@
                 <a:ea typeface="Courier" charset="0"/>
                 <a:cs typeface="Courier" charset="0"/>
               </a:rPr>
-              <a:t>alias </a:t>
+              <a:t>&gt; . ~/.</a:t>
+            </a:r>
+            <a:r>
+              <a:rPr lang="en-US" altLang="ja-JP" sz="1200" dirty="0" err="1">
+                <a:latin typeface="Courier" charset="0"/>
+                <a:ea typeface="Courier" charset="0"/>
+                <a:cs typeface="Courier" charset="0"/>
+              </a:rPr>
+              <a:t>bashrc</a:t>
+            </a:r>
+            <a:endParaRPr lang="en-US" altLang="ja-JP" sz="1200" dirty="0">
+              <a:latin typeface="Courier" charset="0"/>
+              <a:ea typeface="Courier" charset="0"/>
+              <a:cs typeface="Courier" charset="0"/>
+            </a:endParaRPr>
+          </a:p>
+          <a:p>
+            <a:r>
+              <a:rPr lang="en-US" altLang="ja-JP" sz="1200" dirty="0">
+                <a:latin typeface="Courier" charset="0"/>
+                <a:ea typeface="Courier" charset="0"/>
+                <a:cs typeface="Courier" charset="0"/>
+              </a:rPr>
+              <a:t>&gt; </a:t>
             </a:r>
             <a:r>
               <a:rPr lang="en-US" altLang="ja-JP" sz="1200" dirty="0" err="1">
@@ -9511,23 +9539,20 @@
               </a:rPr>
               <a:t>jsindo</a:t>
             </a:r>
-            <a:r>
-              <a:rPr lang="en-US" altLang="ja-JP" sz="1200" dirty="0">
-                <a:latin typeface="Courier" charset="0"/>
-                <a:ea typeface="Courier" charset="0"/>
-                <a:cs typeface="Courier" charset="0"/>
-              </a:rPr>
-              <a:t>=‘java -jar /path/to/sindo-4.0_xxxx/JSindo/jar/JSindo-4.0_fat.jar’</a:t>
-            </a:r>
-          </a:p>
-        </p:txBody>
-      </p:sp>
-      <p:sp>
-        <p:nvSpPr>
-          <p:cNvPr id="13" name="テキスト ボックス 12">
+            <a:endParaRPr lang="en-US" altLang="ja-JP" sz="1200" dirty="0">
+              <a:latin typeface="Courier" charset="0"/>
+              <a:ea typeface="Courier" charset="0"/>
+              <a:cs typeface="Courier" charset="0"/>
+            </a:endParaRPr>
+          </a:p>
+        </p:txBody>
+      </p:sp>
+      <p:sp>
+        <p:nvSpPr>
+          <p:cNvPr id="14" name="テキスト ボックス 13">
             <a:extLst>
               <a:ext uri="{FF2B5EF4-FFF2-40B4-BE49-F238E27FC236}">
-                <a16:creationId xmlns:a16="http://schemas.microsoft.com/office/drawing/2014/main" id="{0311892E-5F54-4248-A3E8-00F2BF214A0F}"/>
+                <a16:creationId xmlns:a16="http://schemas.microsoft.com/office/drawing/2014/main" id="{7F615F5B-83BC-854B-B71E-71AC2D8326AF}"/>
               </a:ext>
             </a:extLst>
           </p:cNvPr>
@@ -9536,8 +9561,104 @@
         </p:nvSpPr>
         <p:spPr>
           <a:xfrm>
-            <a:off x="1209863" y="6040681"/>
-            <a:ext cx="1393330" cy="461665"/>
+            <a:off x="930048" y="5564345"/>
+            <a:ext cx="7486322" cy="369332"/>
+          </a:xfrm>
+          <a:prstGeom prst="rect">
+            <a:avLst/>
+          </a:prstGeom>
+          <a:noFill/>
+        </p:spPr>
+        <p:txBody>
+          <a:bodyPr wrap="square" rtlCol="0">
+            <a:spAutoFit/>
+          </a:bodyPr>
+          <a:lstStyle/>
+          <a:p>
+            <a:r>
+              <a:rPr lang="en-US" altLang="ja-JP" dirty="0"/>
+              <a:t>After source, you can invoke the program by typing “</a:t>
+            </a:r>
+            <a:r>
+              <a:rPr lang="en-US" altLang="ja-JP" dirty="0" err="1"/>
+              <a:t>jsindo</a:t>
+            </a:r>
+            <a:r>
+              <a:rPr lang="en-US" altLang="ja-JP" dirty="0"/>
+              <a:t>” in the command.</a:t>
+            </a:r>
+            <a:endParaRPr kumimoji="1" lang="ja-JP" altLang="en-US" dirty="0"/>
+          </a:p>
+        </p:txBody>
+      </p:sp>
+      <p:sp>
+        <p:nvSpPr>
+          <p:cNvPr id="15" name="テキスト ボックス 14">
+            <a:extLst>
+              <a:ext uri="{FF2B5EF4-FFF2-40B4-BE49-F238E27FC236}">
+                <a16:creationId xmlns:a16="http://schemas.microsoft.com/office/drawing/2014/main" id="{4155B7D0-476C-3A47-B4E6-F2E327DD496C}"/>
+              </a:ext>
+            </a:extLst>
+          </p:cNvPr>
+          <p:cNvSpPr txBox="1"/>
+          <p:nvPr/>
+        </p:nvSpPr>
+        <p:spPr>
+          <a:xfrm>
+            <a:off x="931904" y="4614549"/>
+            <a:ext cx="4756174" cy="369332"/>
+          </a:xfrm>
+          <a:prstGeom prst="rect">
+            <a:avLst/>
+          </a:prstGeom>
+          <a:noFill/>
+        </p:spPr>
+        <p:txBody>
+          <a:bodyPr wrap="none" rtlCol="0">
+            <a:spAutoFit/>
+          </a:bodyPr>
+          <a:lstStyle/>
+          <a:p>
+            <a:r>
+              <a:rPr kumimoji="1" lang="en-US" altLang="ja-JP" dirty="0"/>
+              <a:t>You may add </a:t>
+            </a:r>
+            <a:r>
+              <a:rPr kumimoji="1" lang="en-US" altLang="ja-JP"/>
+              <a:t>the following line </a:t>
+            </a:r>
+            <a:r>
+              <a:rPr kumimoji="1" lang="en-US" altLang="ja-JP" dirty="0"/>
+              <a:t>in your ~/.</a:t>
+            </a:r>
+            <a:r>
+              <a:rPr kumimoji="1" lang="en-US" altLang="ja-JP" dirty="0" err="1"/>
+              <a:t>bashrc</a:t>
+            </a:r>
+            <a:r>
+              <a:rPr kumimoji="1" lang="en-US" altLang="ja-JP" dirty="0"/>
+              <a:t>,</a:t>
+            </a:r>
+            <a:endParaRPr kumimoji="1" lang="ja-JP" altLang="en-US" dirty="0"/>
+          </a:p>
+        </p:txBody>
+      </p:sp>
+      <p:sp>
+        <p:nvSpPr>
+          <p:cNvPr id="16" name="テキスト ボックス 13">
+            <a:extLst>
+              <a:ext uri="{FF2B5EF4-FFF2-40B4-BE49-F238E27FC236}">
+                <a16:creationId xmlns:a16="http://schemas.microsoft.com/office/drawing/2014/main" id="{4791D2C6-9A15-504B-8B58-3DC86AC8D0AF}"/>
+              </a:ext>
+            </a:extLst>
+          </p:cNvPr>
+          <p:cNvSpPr txBox="1"/>
+          <p:nvPr/>
+        </p:nvSpPr>
+        <p:spPr>
+          <a:xfrm>
+            <a:off x="1204223" y="5085184"/>
+            <a:ext cx="7622600" cy="276999"/>
           </a:xfrm>
           <a:prstGeom prst="rect">
             <a:avLst/>
@@ -9561,30 +9682,7 @@
                 <a:ea typeface="Courier" charset="0"/>
                 <a:cs typeface="Courier" charset="0"/>
               </a:rPr>
-              <a:t>&gt; . ~/.</a:t>
-            </a:r>
-            <a:r>
-              <a:rPr lang="en-US" altLang="ja-JP" sz="1200" dirty="0" err="1">
-                <a:latin typeface="Courier" charset="0"/>
-                <a:ea typeface="Courier" charset="0"/>
-                <a:cs typeface="Courier" charset="0"/>
-              </a:rPr>
-              <a:t>bashrc</a:t>
-            </a:r>
-            <a:endParaRPr lang="en-US" altLang="ja-JP" sz="1200" dirty="0">
-              <a:latin typeface="Courier" charset="0"/>
-              <a:ea typeface="Courier" charset="0"/>
-              <a:cs typeface="Courier" charset="0"/>
-            </a:endParaRPr>
-          </a:p>
-          <a:p>
-            <a:r>
-              <a:rPr lang="en-US" altLang="ja-JP" sz="1200" dirty="0">
-                <a:latin typeface="Courier" charset="0"/>
-                <a:ea typeface="Courier" charset="0"/>
-                <a:cs typeface="Courier" charset="0"/>
-              </a:rPr>
-              <a:t>&gt; </a:t>
+              <a:t>alias </a:t>
             </a:r>
             <a:r>
               <a:rPr lang="en-US" altLang="ja-JP" sz="1200" dirty="0" err="1">
@@ -9594,7 +9692,15 @@
               </a:rPr>
               <a:t>jsindo</a:t>
             </a:r>
-            <a:endParaRPr lang="en-US" altLang="ja-JP" sz="1200" dirty="0">
+            <a:r>
+              <a:rPr lang="en-US" altLang="ja-JP" sz="1200" dirty="0">
+                <a:latin typeface="Courier" charset="0"/>
+                <a:ea typeface="Courier" charset="0"/>
+                <a:cs typeface="Courier" charset="0"/>
+              </a:rPr>
+              <a:t>=‘java -jar /path/to/sindo-4.0_xxxx/JSindo/jar/JSindo-4.0_fat.jar’  </a:t>
+            </a:r>
+            <a:endParaRPr kumimoji="1" lang="ja-JP" altLang="en-US" sz="1200" dirty="0">
               <a:latin typeface="Courier" charset="0"/>
               <a:ea typeface="Courier" charset="0"/>
               <a:cs typeface="Courier" charset="0"/>
@@ -9602,106 +9708,10 @@
           </a:p>
         </p:txBody>
       </p:sp>
-      <p:sp>
-        <p:nvSpPr>
-          <p:cNvPr id="14" name="テキスト ボックス 13">
-            <a:extLst>
-              <a:ext uri="{FF2B5EF4-FFF2-40B4-BE49-F238E27FC236}">
-                <a16:creationId xmlns:a16="http://schemas.microsoft.com/office/drawing/2014/main" id="{7F615F5B-83BC-854B-B71E-71AC2D8326AF}"/>
-              </a:ext>
-            </a:extLst>
-          </p:cNvPr>
-          <p:cNvSpPr txBox="1"/>
-          <p:nvPr/>
-        </p:nvSpPr>
-        <p:spPr>
-          <a:xfrm>
-            <a:off x="930048" y="5564345"/>
-            <a:ext cx="7486322" cy="369332"/>
-          </a:xfrm>
-          <a:prstGeom prst="rect">
-            <a:avLst/>
-          </a:prstGeom>
-          <a:noFill/>
-        </p:spPr>
-        <p:txBody>
-          <a:bodyPr wrap="square" rtlCol="0">
-            <a:spAutoFit/>
-          </a:bodyPr>
-          <a:lstStyle/>
-          <a:p>
-            <a:r>
-              <a:rPr lang="en-US" altLang="ja-JP" dirty="0"/>
-              <a:t>After source, you can invoke the program by typing “</a:t>
-            </a:r>
-            <a:r>
-              <a:rPr lang="en-US" altLang="ja-JP" dirty="0" err="1"/>
-              <a:t>jsindo</a:t>
-            </a:r>
-            <a:r>
-              <a:rPr lang="en-US" altLang="ja-JP" dirty="0"/>
-              <a:t>” in the command.</a:t>
-            </a:r>
-            <a:endParaRPr kumimoji="1" lang="ja-JP" altLang="en-US" dirty="0"/>
-          </a:p>
-        </p:txBody>
-      </p:sp>
-      <p:sp>
-        <p:nvSpPr>
-          <p:cNvPr id="15" name="テキスト ボックス 14">
-            <a:extLst>
-              <a:ext uri="{FF2B5EF4-FFF2-40B4-BE49-F238E27FC236}">
-                <a16:creationId xmlns:a16="http://schemas.microsoft.com/office/drawing/2014/main" id="{4155B7D0-476C-3A47-B4E6-F2E327DD496C}"/>
-              </a:ext>
-            </a:extLst>
-          </p:cNvPr>
-          <p:cNvSpPr txBox="1"/>
-          <p:nvPr/>
-        </p:nvSpPr>
-        <p:spPr>
-          <a:xfrm>
-            <a:off x="931904" y="4614549"/>
-            <a:ext cx="4756174" cy="369332"/>
-          </a:xfrm>
-          <a:prstGeom prst="rect">
-            <a:avLst/>
-          </a:prstGeom>
-          <a:noFill/>
-        </p:spPr>
-        <p:txBody>
-          <a:bodyPr wrap="none" rtlCol="0">
-            <a:spAutoFit/>
-          </a:bodyPr>
-          <a:lstStyle/>
-          <a:p>
-            <a:r>
-              <a:rPr kumimoji="1" lang="en-US" altLang="ja-JP" dirty="0"/>
-              <a:t>You may add </a:t>
-            </a:r>
-            <a:r>
-              <a:rPr kumimoji="1" lang="en-US" altLang="ja-JP"/>
-              <a:t>the following line </a:t>
-            </a:r>
-            <a:r>
-              <a:rPr kumimoji="1" lang="en-US" altLang="ja-JP" dirty="0"/>
-              <a:t>in your ~/.</a:t>
-            </a:r>
-            <a:r>
-              <a:rPr kumimoji="1" lang="en-US" altLang="ja-JP" dirty="0" err="1"/>
-              <a:t>bashrc</a:t>
-            </a:r>
-            <a:r>
-              <a:rPr kumimoji="1" lang="en-US" altLang="ja-JP" dirty="0"/>
-              <a:t>,</a:t>
-            </a:r>
-            <a:endParaRPr kumimoji="1" lang="ja-JP" altLang="en-US" dirty="0"/>
-          </a:p>
-        </p:txBody>
-      </p:sp>
     </p:spTree>
     <p:extLst>
       <p:ext uri="{BB962C8B-B14F-4D97-AF65-F5344CB8AC3E}">
-        <p14:creationId xmlns:p14="http://schemas.microsoft.com/office/powerpoint/2010/main" val="2254011167"/>
+        <p14:creationId xmlns:p14="http://schemas.microsoft.com/office/powerpoint/2010/main" val="3102782054"/>
       </p:ext>
     </p:extLst>
   </p:cSld>

--- a/doc/JSindo/install_JSindo.pptx
+++ b/doc/JSindo/install_JSindo.pptx
@@ -5,21 +5,22 @@
     <p:sldMasterId id="2147483660" r:id="rId1"/>
   </p:sldMasterIdLst>
   <p:notesMasterIdLst>
-    <p:notesMasterId r:id="rId14"/>
+    <p:notesMasterId r:id="rId15"/>
   </p:notesMasterIdLst>
   <p:sldIdLst>
     <p:sldId id="256" r:id="rId2"/>
-    <p:sldId id="310" r:id="rId3"/>
-    <p:sldId id="320" r:id="rId4"/>
-    <p:sldId id="312" r:id="rId5"/>
-    <p:sldId id="319" r:id="rId6"/>
-    <p:sldId id="314" r:id="rId7"/>
-    <p:sldId id="324" r:id="rId8"/>
-    <p:sldId id="302" r:id="rId9"/>
-    <p:sldId id="303" r:id="rId10"/>
-    <p:sldId id="317" r:id="rId11"/>
-    <p:sldId id="322" r:id="rId12"/>
-    <p:sldId id="318" r:id="rId13"/>
+    <p:sldId id="325" r:id="rId3"/>
+    <p:sldId id="313" r:id="rId4"/>
+    <p:sldId id="320" r:id="rId5"/>
+    <p:sldId id="326" r:id="rId6"/>
+    <p:sldId id="319" r:id="rId7"/>
+    <p:sldId id="314" r:id="rId8"/>
+    <p:sldId id="324" r:id="rId9"/>
+    <p:sldId id="302" r:id="rId10"/>
+    <p:sldId id="303" r:id="rId11"/>
+    <p:sldId id="317" r:id="rId12"/>
+    <p:sldId id="322" r:id="rId13"/>
+    <p:sldId id="318" r:id="rId14"/>
   </p:sldIdLst>
   <p:sldSz cx="9144000" cy="6858000" type="screen4x3"/>
   <p:notesSz cx="6858000" cy="9144000"/>
@@ -1473,7 +1474,7 @@
           <a:p>
             <a:fld id="{BB0F0136-69B4-D44B-9FED-4928016A3512}" type="datetimeFigureOut">
               <a:rPr kumimoji="1" lang="ja-JP" altLang="en-US" smtClean="0"/>
-              <a:t>2022/3/17</a:t>
+              <a:t>2022/8/28</a:t>
             </a:fld>
             <a:endParaRPr kumimoji="1" lang="ja-JP" altLang="en-US"/>
           </a:p>
@@ -1921,7 +1922,7 @@
           <a:p>
             <a:fld id="{3F9D3D55-BD5C-034D-AC25-55F6153EBC0E}" type="slidenum">
               <a:rPr kumimoji="1" lang="ja-JP" altLang="en-US" smtClean="0"/>
-              <a:t>7</a:t>
+              <a:t>8</a:t>
             </a:fld>
             <a:endParaRPr kumimoji="1" lang="ja-JP" altLang="en-US"/>
           </a:p>
@@ -2071,7 +2072,7 @@
           <a:p>
             <a:fld id="{8F1A2EAE-8A19-6140-AB90-FBA793328AFC}" type="datetime1">
               <a:rPr kumimoji="1" lang="ja-JP" altLang="en-US" smtClean="0"/>
-              <a:t>2022/3/17</a:t>
+              <a:t>2022/8/28</a:t>
             </a:fld>
             <a:endParaRPr kumimoji="1" lang="ja-JP" altLang="en-US"/>
           </a:p>
@@ -2268,7 +2269,7 @@
           <a:p>
             <a:fld id="{5032F6CD-D8C5-EA47-935C-33C61990A9AF}" type="datetime1">
               <a:rPr kumimoji="1" lang="ja-JP" altLang="en-US" smtClean="0"/>
-              <a:t>2022/3/17</a:t>
+              <a:t>2022/8/28</a:t>
             </a:fld>
             <a:endParaRPr kumimoji="1" lang="ja-JP" altLang="en-US"/>
           </a:p>
@@ -2475,7 +2476,7 @@
           <a:p>
             <a:fld id="{7432CAB7-B1D1-C842-BB27-1789136EF085}" type="datetime1">
               <a:rPr kumimoji="1" lang="ja-JP" altLang="en-US" smtClean="0"/>
-              <a:t>2022/3/17</a:t>
+              <a:t>2022/8/28</a:t>
             </a:fld>
             <a:endParaRPr kumimoji="1" lang="ja-JP" altLang="en-US"/>
           </a:p>
@@ -2672,7 +2673,7 @@
           <a:p>
             <a:fld id="{59F606A1-BF80-4F40-AD73-3A1303D72015}" type="datetime1">
               <a:rPr kumimoji="1" lang="ja-JP" altLang="en-US" smtClean="0"/>
-              <a:t>2022/3/17</a:t>
+              <a:t>2022/8/28</a:t>
             </a:fld>
             <a:endParaRPr kumimoji="1" lang="ja-JP" altLang="en-US"/>
           </a:p>
@@ -2911,7 +2912,7 @@
           <a:p>
             <a:fld id="{201370A8-86D7-DE4D-BAB6-D17D5C3BEC5A}" type="datetime1">
               <a:rPr kumimoji="1" lang="ja-JP" altLang="en-US" smtClean="0"/>
-              <a:t>2022/3/17</a:t>
+              <a:t>2022/8/28</a:t>
             </a:fld>
             <a:endParaRPr kumimoji="1" lang="ja-JP" altLang="en-US"/>
           </a:p>
@@ -3202,7 +3203,7 @@
           <a:p>
             <a:fld id="{2F8DFF1A-26F6-734D-81A6-596D27E77CDE}" type="datetime1">
               <a:rPr kumimoji="1" lang="ja-JP" altLang="en-US" smtClean="0"/>
-              <a:t>2022/3/17</a:t>
+              <a:t>2022/8/28</a:t>
             </a:fld>
             <a:endParaRPr kumimoji="1" lang="ja-JP" altLang="en-US"/>
           </a:p>
@@ -3628,7 +3629,7 @@
           <a:p>
             <a:fld id="{DA4D6ED2-2E77-3346-9932-196F8E0DDE9D}" type="datetime1">
               <a:rPr kumimoji="1" lang="ja-JP" altLang="en-US" smtClean="0"/>
-              <a:t>2022/3/17</a:t>
+              <a:t>2022/8/28</a:t>
             </a:fld>
             <a:endParaRPr kumimoji="1" lang="ja-JP" altLang="en-US"/>
           </a:p>
@@ -3741,7 +3742,7 @@
           <a:p>
             <a:fld id="{E0D62E53-0DE6-954C-A642-97CC889F03F2}" type="datetime1">
               <a:rPr kumimoji="1" lang="ja-JP" altLang="en-US" smtClean="0"/>
-              <a:t>2022/3/17</a:t>
+              <a:t>2022/8/28</a:t>
             </a:fld>
             <a:endParaRPr kumimoji="1" lang="ja-JP" altLang="en-US"/>
           </a:p>
@@ -3831,7 +3832,7 @@
           <a:p>
             <a:fld id="{4C76B436-8A19-1A40-8CF4-6DE75F461D19}" type="datetime1">
               <a:rPr kumimoji="1" lang="ja-JP" altLang="en-US" smtClean="0"/>
-              <a:t>2022/3/17</a:t>
+              <a:t>2022/8/28</a:t>
             </a:fld>
             <a:endParaRPr kumimoji="1" lang="ja-JP" altLang="en-US"/>
           </a:p>
@@ -4135,7 +4136,7 @@
           <a:p>
             <a:fld id="{50F977A8-A6EB-6544-A402-5123A38A5E0F}" type="datetime1">
               <a:rPr kumimoji="1" lang="ja-JP" altLang="en-US" smtClean="0"/>
-              <a:t>2022/3/17</a:t>
+              <a:t>2022/8/28</a:t>
             </a:fld>
             <a:endParaRPr kumimoji="1" lang="ja-JP" altLang="en-US"/>
           </a:p>
@@ -4387,7 +4388,7 @@
           <a:p>
             <a:fld id="{AC63A33F-D5AB-5D4B-9CED-7FFE32473911}" type="datetime1">
               <a:rPr kumimoji="1" lang="ja-JP" altLang="en-US" smtClean="0"/>
-              <a:t>2022/3/17</a:t>
+              <a:t>2022/8/28</a:t>
             </a:fld>
             <a:endParaRPr kumimoji="1" lang="ja-JP" altLang="en-US"/>
           </a:p>
@@ -4627,7 +4628,7 @@
           <a:p>
             <a:fld id="{533D1301-D078-CF4D-9B69-E985276E2D1F}" type="datetime1">
               <a:rPr kumimoji="1" lang="ja-JP" altLang="en-US" smtClean="0"/>
-              <a:t>2022/3/17</a:t>
+              <a:t>2022/8/28</a:t>
             </a:fld>
             <a:endParaRPr kumimoji="1" lang="ja-JP" altLang="en-US"/>
           </a:p>
@@ -5111,7 +5112,7 @@
             <a:pPr algn="ctr"/>
             <a:r>
               <a:rPr kumimoji="1" lang="en-US" altLang="ja-JP" dirty="0"/>
-              <a:t>2022/03/11</a:t>
+              <a:t>2022/08/28</a:t>
             </a:r>
             <a:endParaRPr kumimoji="1" lang="ja-JP" altLang="en-US" dirty="0"/>
           </a:p>
@@ -5185,6 +5186,326 @@
           <a:chExt cx="0" cy="0"/>
         </a:xfrm>
       </p:grpSpPr>
+      <p:pic>
+        <p:nvPicPr>
+          <p:cNvPr id="13" name="図 9"/>
+          <p:cNvPicPr>
+            <a:picLocks noChangeAspect="1"/>
+          </p:cNvPicPr>
+          <p:nvPr/>
+        </p:nvPicPr>
+        <p:blipFill>
+          <a:blip r:embed="rId2">
+            <a:extLst>
+              <a:ext uri="{28A0092B-C50C-407E-A947-70E740481C1C}">
+                <a14:useLocalDpi xmlns:a14="http://schemas.microsoft.com/office/drawing/2010/main"/>
+              </a:ext>
+            </a:extLst>
+          </a:blip>
+          <a:srcRect/>
+          <a:stretch>
+            <a:fillRect/>
+          </a:stretch>
+        </p:blipFill>
+        <p:spPr bwMode="auto">
+          <a:xfrm>
+            <a:off x="5393913" y="418769"/>
+            <a:ext cx="3404900" cy="1283254"/>
+          </a:xfrm>
+          <a:prstGeom prst="rect">
+            <a:avLst/>
+          </a:prstGeom>
+          <a:noFill/>
+          <a:ln w="9525">
+            <a:solidFill>
+              <a:srgbClr val="000000"/>
+            </a:solidFill>
+            <a:miter lim="800000"/>
+            <a:headEnd/>
+            <a:tailEnd/>
+          </a:ln>
+          <a:extLst>
+            <a:ext uri="{909E8E84-426E-40DD-AFC4-6F175D3DCCD1}">
+              <a14:hiddenFill xmlns:a14="http://schemas.microsoft.com/office/drawing/2010/main">
+                <a:solidFill>
+                  <a:srgbClr val="FFFFFF"/>
+                </a:solidFill>
+              </a14:hiddenFill>
+            </a:ext>
+          </a:extLst>
+        </p:spPr>
+      </p:pic>
+      <p:cxnSp>
+        <p:nvCxnSpPr>
+          <p:cNvPr id="14" name="直線矢印コネクタ 13"/>
+          <p:cNvCxnSpPr/>
+          <p:nvPr/>
+        </p:nvCxnSpPr>
+        <p:spPr>
+          <a:xfrm>
+            <a:off x="6456635" y="781347"/>
+            <a:ext cx="0" cy="1278485"/>
+          </a:xfrm>
+          <a:prstGeom prst="straightConnector1">
+            <a:avLst/>
+          </a:prstGeom>
+          <a:ln w="28575">
+            <a:solidFill>
+              <a:srgbClr val="00B050"/>
+            </a:solidFill>
+            <a:tailEnd type="triangle"/>
+          </a:ln>
+        </p:spPr>
+        <p:style>
+          <a:lnRef idx="1">
+            <a:schemeClr val="accent1"/>
+          </a:lnRef>
+          <a:fillRef idx="0">
+            <a:schemeClr val="accent1"/>
+          </a:fillRef>
+          <a:effectRef idx="0">
+            <a:schemeClr val="accent1"/>
+          </a:effectRef>
+          <a:fontRef idx="minor">
+            <a:schemeClr val="tx1"/>
+          </a:fontRef>
+        </p:style>
+      </p:cxnSp>
+      <p:sp>
+        <p:nvSpPr>
+          <p:cNvPr id="15" name="テキスト ボックス 14"/>
+          <p:cNvSpPr txBox="1"/>
+          <p:nvPr/>
+        </p:nvSpPr>
+        <p:spPr>
+          <a:xfrm>
+            <a:off x="6454749" y="878288"/>
+            <a:ext cx="1904239" cy="369332"/>
+          </a:xfrm>
+          <a:prstGeom prst="rect">
+            <a:avLst/>
+          </a:prstGeom>
+          <a:noFill/>
+        </p:spPr>
+        <p:txBody>
+          <a:bodyPr wrap="none" rtlCol="0">
+            <a:spAutoFit/>
+          </a:bodyPr>
+          <a:lstStyle/>
+          <a:p>
+            <a:r>
+              <a:rPr lang="en-US" altLang="ja-JP" dirty="0"/>
+              <a:t>Harmonic Analysis</a:t>
+            </a:r>
+            <a:endParaRPr kumimoji="1" lang="ja-JP" altLang="en-US" dirty="0"/>
+          </a:p>
+        </p:txBody>
+      </p:sp>
+      <p:sp>
+        <p:nvSpPr>
+          <p:cNvPr id="16" name="テキスト ボックス 15"/>
+          <p:cNvSpPr txBox="1"/>
+          <p:nvPr/>
+        </p:nvSpPr>
+        <p:spPr>
+          <a:xfrm>
+            <a:off x="225833" y="841421"/>
+            <a:ext cx="5077859" cy="4247317"/>
+          </a:xfrm>
+          <a:prstGeom prst="rect">
+            <a:avLst/>
+          </a:prstGeom>
+          <a:noFill/>
+        </p:spPr>
+        <p:txBody>
+          <a:bodyPr wrap="square" rtlCol="0">
+            <a:spAutoFit/>
+          </a:bodyPr>
+          <a:lstStyle/>
+          <a:p>
+            <a:r>
+              <a:rPr lang="en-US" altLang="ja-JP" dirty="0"/>
+              <a:t>Then, </a:t>
+            </a:r>
+            <a:r>
+              <a:rPr lang="en-US" altLang="ja-JP" dirty="0" err="1"/>
+              <a:t>goto</a:t>
+            </a:r>
+            <a:r>
+              <a:rPr lang="en-US" altLang="ja-JP" dirty="0"/>
+              <a:t> Tools -&gt; Harmonic Analysis. This should create a panel of “Normal modes”. </a:t>
+            </a:r>
+          </a:p>
+          <a:p>
+            <a:endParaRPr lang="en-US" altLang="ja-JP" dirty="0"/>
+          </a:p>
+          <a:p>
+            <a:r>
+              <a:rPr lang="en-US" altLang="ja-JP" dirty="0"/>
+              <a:t>If the panel appears, you’re all set! Congratulations!</a:t>
+            </a:r>
+          </a:p>
+          <a:p>
+            <a:endParaRPr lang="en-US" altLang="ja-JP" dirty="0"/>
+          </a:p>
+          <a:p>
+            <a:r>
+              <a:rPr lang="en-US" altLang="ja-JP" dirty="0"/>
+              <a:t>Check on ”show vibrational coordinates”, and choose a mode you want to see. Vibrational motion will be indicated by arrows. You can “Invert the arrows” by a check box, and change the magnitude using a slider. </a:t>
+            </a:r>
+          </a:p>
+          <a:p>
+            <a:endParaRPr lang="en-US" altLang="ja-JP" dirty="0"/>
+          </a:p>
+          <a:p>
+            <a:endParaRPr lang="en-US" altLang="ja-JP" dirty="0"/>
+          </a:p>
+          <a:p>
+            <a:r>
+              <a:rPr lang="en-US" altLang="ja-JP" dirty="0"/>
+              <a:t>Thanks for using </a:t>
+            </a:r>
+            <a:r>
+              <a:rPr lang="en-US" altLang="ja-JP" dirty="0" err="1"/>
+              <a:t>JSindo</a:t>
+            </a:r>
+            <a:r>
+              <a:rPr lang="en-US" altLang="ja-JP" dirty="0"/>
+              <a:t>!</a:t>
+            </a:r>
+          </a:p>
+          <a:p>
+            <a:r>
+              <a:rPr lang="en-US" altLang="ja-JP" dirty="0"/>
+              <a:t>Enjoy! </a:t>
+            </a:r>
+          </a:p>
+          <a:p>
+            <a:endParaRPr lang="en-US" altLang="ja-JP" dirty="0"/>
+          </a:p>
+        </p:txBody>
+      </p:sp>
+      <p:pic>
+        <p:nvPicPr>
+          <p:cNvPr id="2" name="図 1"/>
+          <p:cNvPicPr>
+            <a:picLocks noChangeAspect="1"/>
+          </p:cNvPicPr>
+          <p:nvPr/>
+        </p:nvPicPr>
+        <p:blipFill rotWithShape="1">
+          <a:blip r:embed="rId3" cstate="print">
+            <a:extLst>
+              <a:ext uri="{28A0092B-C50C-407E-A947-70E740481C1C}">
+                <a14:useLocalDpi xmlns:a14="http://schemas.microsoft.com/office/drawing/2010/main"/>
+              </a:ext>
+            </a:extLst>
+          </a:blip>
+          <a:srcRect/>
+          <a:stretch/>
+        </p:blipFill>
+        <p:spPr>
+          <a:xfrm>
+            <a:off x="5657464" y="2078183"/>
+            <a:ext cx="2304788" cy="1371600"/>
+          </a:xfrm>
+          <a:prstGeom prst="rect">
+            <a:avLst/>
+          </a:prstGeom>
+          <a:ln>
+            <a:solidFill>
+              <a:schemeClr val="accent1"/>
+            </a:solidFill>
+          </a:ln>
+        </p:spPr>
+      </p:pic>
+      <p:pic>
+        <p:nvPicPr>
+          <p:cNvPr id="3" name="図 2"/>
+          <p:cNvPicPr>
+            <a:picLocks noChangeAspect="1"/>
+          </p:cNvPicPr>
+          <p:nvPr/>
+        </p:nvPicPr>
+        <p:blipFill rotWithShape="1">
+          <a:blip r:embed="rId4" cstate="print">
+            <a:extLst>
+              <a:ext uri="{28A0092B-C50C-407E-A947-70E740481C1C}">
+                <a14:useLocalDpi xmlns:a14="http://schemas.microsoft.com/office/drawing/2010/main"/>
+              </a:ext>
+            </a:extLst>
+          </a:blip>
+          <a:srcRect/>
+          <a:stretch/>
+        </p:blipFill>
+        <p:spPr>
+          <a:xfrm>
+            <a:off x="5479679" y="3713019"/>
+            <a:ext cx="2708357" cy="2701636"/>
+          </a:xfrm>
+          <a:prstGeom prst="rect">
+            <a:avLst/>
+          </a:prstGeom>
+          <a:ln>
+            <a:solidFill>
+              <a:schemeClr val="accent1"/>
+            </a:solidFill>
+          </a:ln>
+        </p:spPr>
+      </p:pic>
+      <p:sp>
+        <p:nvSpPr>
+          <p:cNvPr id="4" name="スライド番号プレースホルダー 3"/>
+          <p:cNvSpPr>
+            <a:spLocks noGrp="1"/>
+          </p:cNvSpPr>
+          <p:nvPr>
+            <p:ph type="sldNum" sz="quarter" idx="12"/>
+          </p:nvPr>
+        </p:nvSpPr>
+        <p:spPr/>
+        <p:txBody>
+          <a:bodyPr/>
+          <a:lstStyle/>
+          <a:p>
+            <a:fld id="{7D34BB6B-1E1A-9541-9560-488905BF54FF}" type="slidenum">
+              <a:rPr kumimoji="1" lang="ja-JP" altLang="en-US" smtClean="0"/>
+              <a:t>9</a:t>
+            </a:fld>
+            <a:endParaRPr kumimoji="1" lang="ja-JP" altLang="en-US"/>
+          </a:p>
+        </p:txBody>
+      </p:sp>
+    </p:spTree>
+    <p:extLst>
+      <p:ext uri="{BB962C8B-B14F-4D97-AF65-F5344CB8AC3E}">
+        <p14:creationId xmlns:p14="http://schemas.microsoft.com/office/powerpoint/2010/main" val="1416719639"/>
+      </p:ext>
+    </p:extLst>
+  </p:cSld>
+  <p:clrMapOvr>
+    <a:masterClrMapping/>
+  </p:clrMapOvr>
+</p:sld>
+</file>
+
+<file path=ppt/slides/slide11.xml><?xml version="1.0" encoding="utf-8"?>
+<p:sld xmlns:a="http://schemas.openxmlformats.org/drawingml/2006/main" xmlns:r="http://schemas.openxmlformats.org/officeDocument/2006/relationships" xmlns:p="http://schemas.openxmlformats.org/presentationml/2006/main">
+  <p:cSld>
+    <p:spTree>
+      <p:nvGrpSpPr>
+        <p:cNvPr id="1" name=""/>
+        <p:cNvGrpSpPr/>
+        <p:nvPr/>
+      </p:nvGrpSpPr>
+      <p:grpSpPr>
+        <a:xfrm>
+          <a:off x="0" y="0"/>
+          <a:ext cx="0" cy="0"/>
+          <a:chOff x="0" y="0"/>
+          <a:chExt cx="0" cy="0"/>
+        </a:xfrm>
+      </p:grpSpPr>
       <p:sp>
         <p:nvSpPr>
           <p:cNvPr id="2" name="タイトル 1">
@@ -5237,7 +5558,7 @@
           <a:p>
             <a:fld id="{7D34BB6B-1E1A-9541-9560-488905BF54FF}" type="slidenum">
               <a:rPr kumimoji="1" lang="ja-JP" altLang="en-US" smtClean="0"/>
-              <a:t>9</a:t>
+              <a:t>10</a:t>
             </a:fld>
             <a:endParaRPr kumimoji="1" lang="ja-JP" altLang="en-US"/>
           </a:p>
@@ -5733,603 +6054,6 @@
 </p:sld>
 </file>
 
-<file path=ppt/slides/slide11.xml><?xml version="1.0" encoding="utf-8"?>
-<p:sld xmlns:a="http://schemas.openxmlformats.org/drawingml/2006/main" xmlns:r="http://schemas.openxmlformats.org/officeDocument/2006/relationships" xmlns:p="http://schemas.openxmlformats.org/presentationml/2006/main">
-  <p:cSld>
-    <p:spTree>
-      <p:nvGrpSpPr>
-        <p:cNvPr id="1" name=""/>
-        <p:cNvGrpSpPr/>
-        <p:nvPr/>
-      </p:nvGrpSpPr>
-      <p:grpSpPr>
-        <a:xfrm>
-          <a:off x="0" y="0"/>
-          <a:ext cx="0" cy="0"/>
-          <a:chOff x="0" y="0"/>
-          <a:chExt cx="0" cy="0"/>
-        </a:xfrm>
-      </p:grpSpPr>
-      <p:sp>
-        <p:nvSpPr>
-          <p:cNvPr id="2" name="タイトル 1">
-            <a:extLst>
-              <a:ext uri="{FF2B5EF4-FFF2-40B4-BE49-F238E27FC236}">
-                <a16:creationId xmlns:a16="http://schemas.microsoft.com/office/drawing/2014/main" id="{18575471-CCED-A340-B5B7-AA844529E2E6}"/>
-              </a:ext>
-            </a:extLst>
-          </p:cNvPr>
-          <p:cNvSpPr>
-            <a:spLocks noGrp="1"/>
-          </p:cNvSpPr>
-          <p:nvPr>
-            <p:ph type="title"/>
-          </p:nvPr>
-        </p:nvSpPr>
-        <p:spPr/>
-        <p:txBody>
-          <a:bodyPr/>
-          <a:lstStyle/>
-          <a:p>
-            <a:endParaRPr kumimoji="1" lang="ja-JP" altLang="en-US"/>
-          </a:p>
-        </p:txBody>
-      </p:sp>
-      <p:sp>
-        <p:nvSpPr>
-          <p:cNvPr id="3" name="スライド番号プレースホルダー 2">
-            <a:extLst>
-              <a:ext uri="{FF2B5EF4-FFF2-40B4-BE49-F238E27FC236}">
-                <a16:creationId xmlns:a16="http://schemas.microsoft.com/office/drawing/2014/main" id="{F314E15F-3DDE-AC49-A569-C239768EA951}"/>
-              </a:ext>
-            </a:extLst>
-          </p:cNvPr>
-          <p:cNvSpPr>
-            <a:spLocks noGrp="1"/>
-          </p:cNvSpPr>
-          <p:nvPr>
-            <p:ph type="sldNum" sz="quarter" idx="12"/>
-          </p:nvPr>
-        </p:nvSpPr>
-        <p:spPr/>
-        <p:txBody>
-          <a:bodyPr/>
-          <a:lstStyle/>
-          <a:p>
-            <a:fld id="{7D34BB6B-1E1A-9541-9560-488905BF54FF}" type="slidenum">
-              <a:rPr kumimoji="1" lang="ja-JP" altLang="en-US" smtClean="0"/>
-              <a:t>10</a:t>
-            </a:fld>
-            <a:endParaRPr kumimoji="1" lang="ja-JP" altLang="en-US"/>
-          </a:p>
-        </p:txBody>
-      </p:sp>
-      <p:sp>
-        <p:nvSpPr>
-          <p:cNvPr id="4" name="テキスト ボックス 3">
-            <a:extLst>
-              <a:ext uri="{FF2B5EF4-FFF2-40B4-BE49-F238E27FC236}">
-                <a16:creationId xmlns:a16="http://schemas.microsoft.com/office/drawing/2014/main" id="{9E0C1C9C-C337-0045-9774-A1388C179E80}"/>
-              </a:ext>
-            </a:extLst>
-          </p:cNvPr>
-          <p:cNvSpPr txBox="1"/>
-          <p:nvPr/>
-        </p:nvSpPr>
-        <p:spPr>
-          <a:xfrm>
-            <a:off x="458600" y="4617882"/>
-            <a:ext cx="7522805" cy="369332"/>
-          </a:xfrm>
-          <a:prstGeom prst="rect">
-            <a:avLst/>
-          </a:prstGeom>
-          <a:noFill/>
-          <a:ln>
-            <a:solidFill>
-              <a:schemeClr val="accent2">
-                <a:lumMod val="60000"/>
-                <a:lumOff val="40000"/>
-              </a:schemeClr>
-            </a:solidFill>
-          </a:ln>
-        </p:spPr>
-        <p:txBody>
-          <a:bodyPr wrap="square" rtlCol="0">
-            <a:spAutoFit/>
-          </a:bodyPr>
-          <a:lstStyle/>
-          <a:p>
-            <a:r>
-              <a:rPr lang="en-US" altLang="ja-JP" dirty="0"/>
-              <a:t>I get </a:t>
-            </a:r>
-            <a:r>
-              <a:rPr lang="en-US" altLang="ja-JP" dirty="0" err="1"/>
-              <a:t>JSindo</a:t>
-            </a:r>
-            <a:r>
-              <a:rPr lang="en-US" altLang="ja-JP" dirty="0"/>
-              <a:t> start up, but </a:t>
-            </a:r>
-            <a:r>
-              <a:rPr kumimoji="1" lang="en-US" altLang="ja-JP" dirty="0"/>
-              <a:t>fonts and icons are too tiny.</a:t>
-            </a:r>
-            <a:endParaRPr lang="en-US" altLang="ja-JP" dirty="0"/>
-          </a:p>
-        </p:txBody>
-      </p:sp>
-      <p:sp>
-        <p:nvSpPr>
-          <p:cNvPr id="5" name="テキスト ボックス 4">
-            <a:extLst>
-              <a:ext uri="{FF2B5EF4-FFF2-40B4-BE49-F238E27FC236}">
-                <a16:creationId xmlns:a16="http://schemas.microsoft.com/office/drawing/2014/main" id="{4ACE9138-BA90-CD44-9034-98EF8CDAA25C}"/>
-              </a:ext>
-            </a:extLst>
-          </p:cNvPr>
-          <p:cNvSpPr txBox="1"/>
-          <p:nvPr/>
-        </p:nvSpPr>
-        <p:spPr>
-          <a:xfrm>
-            <a:off x="861693" y="5052926"/>
-            <a:ext cx="7615237" cy="646331"/>
-          </a:xfrm>
-          <a:prstGeom prst="rect">
-            <a:avLst/>
-          </a:prstGeom>
-          <a:noFill/>
-        </p:spPr>
-        <p:txBody>
-          <a:bodyPr wrap="square" rtlCol="0">
-            <a:spAutoFit/>
-          </a:bodyPr>
-          <a:lstStyle/>
-          <a:p>
-            <a:pPr marL="11113" lvl="1"/>
-            <a:r>
-              <a:rPr lang="en-US" altLang="ja-JP" dirty="0"/>
-              <a:t>This is a general issue of Java/Swing applications when using Java 8 or older with a high DPI </a:t>
-            </a:r>
-            <a:r>
-              <a:rPr lang="en-US" altLang="ja-JP" dirty="0" err="1"/>
-              <a:t>diplay</a:t>
-            </a:r>
-            <a:r>
-              <a:rPr lang="en-US" altLang="ja-JP" dirty="0"/>
-              <a:t>. It is fixed after Java 9, so try with a newer version.</a:t>
-            </a:r>
-          </a:p>
-        </p:txBody>
-      </p:sp>
-      <p:sp>
-        <p:nvSpPr>
-          <p:cNvPr id="6" name="テキスト ボックス 5">
-            <a:extLst>
-              <a:ext uri="{FF2B5EF4-FFF2-40B4-BE49-F238E27FC236}">
-                <a16:creationId xmlns:a16="http://schemas.microsoft.com/office/drawing/2014/main" id="{16933E36-54A6-AC46-B9E2-62F9DCA3C377}"/>
-              </a:ext>
-            </a:extLst>
-          </p:cNvPr>
-          <p:cNvSpPr txBox="1"/>
-          <p:nvPr/>
-        </p:nvSpPr>
-        <p:spPr>
-          <a:xfrm>
-            <a:off x="467096" y="1421597"/>
-            <a:ext cx="8081058" cy="923330"/>
-          </a:xfrm>
-          <a:prstGeom prst="rect">
-            <a:avLst/>
-          </a:prstGeom>
-          <a:noFill/>
-          <a:ln>
-            <a:solidFill>
-              <a:schemeClr val="accent2">
-                <a:lumMod val="60000"/>
-                <a:lumOff val="40000"/>
-              </a:schemeClr>
-            </a:solidFill>
-          </a:ln>
-        </p:spPr>
-        <p:txBody>
-          <a:bodyPr wrap="none" rtlCol="0">
-            <a:spAutoFit/>
-          </a:bodyPr>
-          <a:lstStyle/>
-          <a:p>
-            <a:r>
-              <a:rPr lang="en-US" altLang="ja-JP" dirty="0" err="1"/>
-              <a:t>JSindo</a:t>
-            </a:r>
-            <a:r>
-              <a:rPr lang="en-US" altLang="ja-JP" dirty="0"/>
-              <a:t> stops with the following error:</a:t>
-            </a:r>
-          </a:p>
-          <a:p>
-            <a:pPr lvl="1"/>
-            <a:r>
-              <a:rPr lang="en-US" altLang="ja-JP" sz="1200" dirty="0">
-                <a:latin typeface="Courier" charset="0"/>
-                <a:ea typeface="Courier" charset="0"/>
-                <a:cs typeface="Courier" charset="0"/>
-              </a:rPr>
-              <a:t>Exception in thread "main" </a:t>
-            </a:r>
-            <a:r>
-              <a:rPr lang="en-US" altLang="ja-JP" sz="1200" dirty="0" err="1">
-                <a:latin typeface="Courier" charset="0"/>
-                <a:ea typeface="Courier" charset="0"/>
-                <a:cs typeface="Courier" charset="0"/>
-              </a:rPr>
-              <a:t>java.awt.HeadlessException</a:t>
-            </a:r>
-            <a:endParaRPr lang="en-US" altLang="ja-JP" sz="1200" dirty="0">
-              <a:latin typeface="Courier" charset="0"/>
-              <a:ea typeface="Courier" charset="0"/>
-              <a:cs typeface="Courier" charset="0"/>
-            </a:endParaRPr>
-          </a:p>
-          <a:p>
-            <a:pPr lvl="2"/>
-            <a:r>
-              <a:rPr lang="en-US" altLang="ja-JP" sz="1200" dirty="0">
-                <a:latin typeface="Courier" charset="0"/>
-                <a:ea typeface="Courier" charset="0"/>
-                <a:cs typeface="Courier" charset="0"/>
-              </a:rPr>
-              <a:t>at </a:t>
-            </a:r>
-            <a:r>
-              <a:rPr lang="en-US" altLang="ja-JP" sz="1200" dirty="0" err="1">
-                <a:latin typeface="Courier" charset="0"/>
-                <a:ea typeface="Courier" charset="0"/>
-                <a:cs typeface="Courier" charset="0"/>
-              </a:rPr>
-              <a:t>java.awt.GraphicsEnvironment.checkHeadless</a:t>
-            </a:r>
-            <a:r>
-              <a:rPr lang="en-US" altLang="ja-JP" sz="1200" dirty="0">
-                <a:latin typeface="Courier" charset="0"/>
-                <a:ea typeface="Courier" charset="0"/>
-                <a:cs typeface="Courier" charset="0"/>
-              </a:rPr>
-              <a:t>(GraphicsEnvironment.java:204)</a:t>
-            </a:r>
-          </a:p>
-          <a:p>
-            <a:pPr lvl="2"/>
-            <a:r>
-              <a:rPr lang="en-US" altLang="ja-JP" sz="1200" dirty="0">
-                <a:latin typeface="Courier" charset="0"/>
-                <a:ea typeface="Courier" charset="0"/>
-                <a:cs typeface="Courier" charset="0"/>
-              </a:rPr>
-              <a:t>…</a:t>
-            </a:r>
-          </a:p>
-        </p:txBody>
-      </p:sp>
-      <p:sp>
-        <p:nvSpPr>
-          <p:cNvPr id="7" name="テキスト ボックス 6">
-            <a:extLst>
-              <a:ext uri="{FF2B5EF4-FFF2-40B4-BE49-F238E27FC236}">
-                <a16:creationId xmlns:a16="http://schemas.microsoft.com/office/drawing/2014/main" id="{A0532CA8-B510-D84E-8A61-B62FED76378E}"/>
-              </a:ext>
-            </a:extLst>
-          </p:cNvPr>
-          <p:cNvSpPr txBox="1"/>
-          <p:nvPr/>
-        </p:nvSpPr>
-        <p:spPr>
-          <a:xfrm>
-            <a:off x="971550" y="2460688"/>
-            <a:ext cx="7726879" cy="646331"/>
-          </a:xfrm>
-          <a:prstGeom prst="rect">
-            <a:avLst/>
-          </a:prstGeom>
-          <a:noFill/>
-        </p:spPr>
-        <p:txBody>
-          <a:bodyPr wrap="square" rtlCol="0">
-            <a:spAutoFit/>
-          </a:bodyPr>
-          <a:lstStyle/>
-          <a:p>
-            <a:r>
-              <a:rPr lang="en-US" altLang="ja-JP" dirty="0"/>
-              <a:t>Some </a:t>
-            </a:r>
-            <a:r>
-              <a:rPr lang="en-US" altLang="ja-JP" dirty="0" err="1"/>
-              <a:t>distrubutions</a:t>
-            </a:r>
-            <a:r>
-              <a:rPr lang="en-US" altLang="ja-JP" dirty="0"/>
-              <a:t> have a headless version of Java by default. Try the following command to install OpenJDK</a:t>
-            </a:r>
-            <a:endParaRPr kumimoji="1" lang="ja-JP" altLang="en-US" dirty="0"/>
-          </a:p>
-        </p:txBody>
-      </p:sp>
-      <p:sp>
-        <p:nvSpPr>
-          <p:cNvPr id="8" name="テキスト ボックス 7">
-            <a:extLst>
-              <a:ext uri="{FF2B5EF4-FFF2-40B4-BE49-F238E27FC236}">
-                <a16:creationId xmlns:a16="http://schemas.microsoft.com/office/drawing/2014/main" id="{9DFBF8B0-BBC7-B745-9F8D-80244551A3F0}"/>
-              </a:ext>
-            </a:extLst>
-          </p:cNvPr>
-          <p:cNvSpPr txBox="1"/>
-          <p:nvPr/>
-        </p:nvSpPr>
-        <p:spPr>
-          <a:xfrm>
-            <a:off x="1265387" y="3568708"/>
-            <a:ext cx="2509020" cy="276999"/>
-          </a:xfrm>
-          <a:prstGeom prst="rect">
-            <a:avLst/>
-          </a:prstGeom>
-          <a:noFill/>
-          <a:ln>
-            <a:solidFill>
-              <a:srgbClr val="00B050"/>
-            </a:solidFill>
-          </a:ln>
-        </p:spPr>
-        <p:txBody>
-          <a:bodyPr wrap="none" rtlCol="0">
-            <a:spAutoFit/>
-          </a:bodyPr>
-          <a:lstStyle/>
-          <a:p>
-            <a:r>
-              <a:rPr lang="en-US" altLang="ja-JP" sz="1200" dirty="0">
-                <a:latin typeface="Courier" charset="0"/>
-                <a:ea typeface="Courier" charset="0"/>
-                <a:cs typeface="Courier" charset="0"/>
-              </a:rPr>
-              <a:t>apt install openjdk-8-jdk</a:t>
-            </a:r>
-          </a:p>
-        </p:txBody>
-      </p:sp>
-      <p:sp>
-        <p:nvSpPr>
-          <p:cNvPr id="9" name="テキスト ボックス 8">
-            <a:extLst>
-              <a:ext uri="{FF2B5EF4-FFF2-40B4-BE49-F238E27FC236}">
-                <a16:creationId xmlns:a16="http://schemas.microsoft.com/office/drawing/2014/main" id="{E495235D-FC6D-404F-B614-8E7E7713F37F}"/>
-              </a:ext>
-            </a:extLst>
-          </p:cNvPr>
-          <p:cNvSpPr txBox="1"/>
-          <p:nvPr/>
-        </p:nvSpPr>
-        <p:spPr>
-          <a:xfrm>
-            <a:off x="4824926" y="3513220"/>
-            <a:ext cx="1811265" cy="369332"/>
-          </a:xfrm>
-          <a:prstGeom prst="rect">
-            <a:avLst/>
-          </a:prstGeom>
-          <a:noFill/>
-        </p:spPr>
-        <p:txBody>
-          <a:bodyPr wrap="none" rtlCol="0">
-            <a:spAutoFit/>
-          </a:bodyPr>
-          <a:lstStyle/>
-          <a:p>
-            <a:r>
-              <a:rPr kumimoji="1" lang="en-US" altLang="ja-JP" dirty="0"/>
-              <a:t>(</a:t>
-            </a:r>
-            <a:r>
-              <a:rPr kumimoji="1" lang="en-US" altLang="ja-JP" dirty="0" err="1"/>
-              <a:t>Debian</a:t>
-            </a:r>
-            <a:r>
-              <a:rPr lang="en-US" altLang="ja-JP" dirty="0"/>
-              <a:t>, Ubuntu)</a:t>
-            </a:r>
-            <a:endParaRPr kumimoji="1" lang="ja-JP" altLang="en-US" dirty="0"/>
-          </a:p>
-        </p:txBody>
-      </p:sp>
-      <p:sp>
-        <p:nvSpPr>
-          <p:cNvPr id="10" name="テキスト ボックス 9">
-            <a:extLst>
-              <a:ext uri="{FF2B5EF4-FFF2-40B4-BE49-F238E27FC236}">
-                <a16:creationId xmlns:a16="http://schemas.microsoft.com/office/drawing/2014/main" id="{9FF96431-BAF7-BA4F-ADE5-D354FB312AED}"/>
-              </a:ext>
-            </a:extLst>
-          </p:cNvPr>
-          <p:cNvSpPr txBox="1"/>
-          <p:nvPr/>
-        </p:nvSpPr>
-        <p:spPr>
-          <a:xfrm>
-            <a:off x="1265387" y="3200218"/>
-            <a:ext cx="2973891" cy="276999"/>
-          </a:xfrm>
-          <a:prstGeom prst="rect">
-            <a:avLst/>
-          </a:prstGeom>
-          <a:noFill/>
-          <a:ln>
-            <a:solidFill>
-              <a:srgbClr val="00B050"/>
-            </a:solidFill>
-          </a:ln>
-        </p:spPr>
-        <p:txBody>
-          <a:bodyPr wrap="none" rtlCol="0">
-            <a:spAutoFit/>
-          </a:bodyPr>
-          <a:lstStyle/>
-          <a:p>
-            <a:r>
-              <a:rPr lang="en-US" altLang="ja-JP" sz="1200" dirty="0">
-                <a:latin typeface="Courier" charset="0"/>
-                <a:ea typeface="Courier" charset="0"/>
-                <a:cs typeface="Courier" charset="0"/>
-              </a:rPr>
-              <a:t>yum install java-1.8.0-openjdk</a:t>
-            </a:r>
-          </a:p>
-        </p:txBody>
-      </p:sp>
-      <p:sp>
-        <p:nvSpPr>
-          <p:cNvPr id="11" name="テキスト ボックス 10">
-            <a:extLst>
-              <a:ext uri="{FF2B5EF4-FFF2-40B4-BE49-F238E27FC236}">
-                <a16:creationId xmlns:a16="http://schemas.microsoft.com/office/drawing/2014/main" id="{CC646717-1A3B-804F-AF32-D7A0266F0E71}"/>
-              </a:ext>
-            </a:extLst>
-          </p:cNvPr>
-          <p:cNvSpPr txBox="1"/>
-          <p:nvPr/>
-        </p:nvSpPr>
-        <p:spPr>
-          <a:xfrm>
-            <a:off x="4824926" y="3144731"/>
-            <a:ext cx="1019318" cy="369332"/>
-          </a:xfrm>
-          <a:prstGeom prst="rect">
-            <a:avLst/>
-          </a:prstGeom>
-          <a:noFill/>
-        </p:spPr>
-        <p:txBody>
-          <a:bodyPr wrap="none" rtlCol="0">
-            <a:spAutoFit/>
-          </a:bodyPr>
-          <a:lstStyle/>
-          <a:p>
-            <a:r>
-              <a:rPr kumimoji="1" lang="en-US" altLang="ja-JP" dirty="0"/>
-              <a:t>(CentOS</a:t>
-            </a:r>
-            <a:r>
-              <a:rPr lang="en-US" altLang="ja-JP" dirty="0"/>
-              <a:t>)</a:t>
-            </a:r>
-            <a:endParaRPr kumimoji="1" lang="ja-JP" altLang="en-US" dirty="0"/>
-          </a:p>
-        </p:txBody>
-      </p:sp>
-      <p:sp>
-        <p:nvSpPr>
-          <p:cNvPr id="12" name="テキスト ボックス 11">
-            <a:extLst>
-              <a:ext uri="{FF2B5EF4-FFF2-40B4-BE49-F238E27FC236}">
-                <a16:creationId xmlns:a16="http://schemas.microsoft.com/office/drawing/2014/main" id="{9E61D813-BDF4-A548-A39E-62FEDC772DAD}"/>
-              </a:ext>
-            </a:extLst>
-          </p:cNvPr>
-          <p:cNvSpPr txBox="1"/>
-          <p:nvPr/>
-        </p:nvSpPr>
-        <p:spPr>
-          <a:xfrm>
-            <a:off x="442913" y="1128712"/>
-            <a:ext cx="579005" cy="307777"/>
-          </a:xfrm>
-          <a:prstGeom prst="rect">
-            <a:avLst/>
-          </a:prstGeom>
-          <a:noFill/>
-        </p:spPr>
-        <p:txBody>
-          <a:bodyPr wrap="none" rtlCol="0">
-            <a:spAutoFit/>
-          </a:bodyPr>
-          <a:lstStyle/>
-          <a:p>
-            <a:r>
-              <a:rPr kumimoji="1" lang="en-US" altLang="ja-JP" sz="1400" b="1">
-                <a:solidFill>
-                  <a:schemeClr val="accent1"/>
-                </a:solidFill>
-              </a:rPr>
-              <a:t>Linux</a:t>
-            </a:r>
-            <a:endParaRPr kumimoji="1" lang="ja-JP" altLang="en-US" sz="1400" b="1">
-              <a:solidFill>
-                <a:schemeClr val="accent1"/>
-              </a:solidFill>
-            </a:endParaRPr>
-          </a:p>
-        </p:txBody>
-      </p:sp>
-      <p:sp>
-        <p:nvSpPr>
-          <p:cNvPr id="13" name="テキスト ボックス 12">
-            <a:extLst>
-              <a:ext uri="{FF2B5EF4-FFF2-40B4-BE49-F238E27FC236}">
-                <a16:creationId xmlns:a16="http://schemas.microsoft.com/office/drawing/2014/main" id="{C4A58C93-35A4-C64D-A3BC-E784A714A123}"/>
-              </a:ext>
-            </a:extLst>
-          </p:cNvPr>
-          <p:cNvSpPr txBox="1"/>
-          <p:nvPr/>
-        </p:nvSpPr>
-        <p:spPr>
-          <a:xfrm>
-            <a:off x="442913" y="4302822"/>
-            <a:ext cx="489236" cy="307777"/>
-          </a:xfrm>
-          <a:prstGeom prst="rect">
-            <a:avLst/>
-          </a:prstGeom>
-          <a:noFill/>
-        </p:spPr>
-        <p:txBody>
-          <a:bodyPr wrap="none" rtlCol="0">
-            <a:spAutoFit/>
-          </a:bodyPr>
-          <a:lstStyle/>
-          <a:p>
-            <a:r>
-              <a:rPr kumimoji="1" lang="en-US" altLang="ja-JP" sz="1400" b="1">
-                <a:solidFill>
-                  <a:schemeClr val="accent1"/>
-                </a:solidFill>
-              </a:rPr>
-              <a:t>Win</a:t>
-            </a:r>
-            <a:endParaRPr kumimoji="1" lang="ja-JP" altLang="en-US" sz="1400" b="1">
-              <a:solidFill>
-                <a:schemeClr val="accent1"/>
-              </a:solidFill>
-            </a:endParaRPr>
-          </a:p>
-        </p:txBody>
-      </p:sp>
-    </p:spTree>
-    <p:extLst>
-      <p:ext uri="{BB962C8B-B14F-4D97-AF65-F5344CB8AC3E}">
-        <p14:creationId xmlns:p14="http://schemas.microsoft.com/office/powerpoint/2010/main" val="1697905547"/>
-      </p:ext>
-    </p:extLst>
-  </p:cSld>
-  <p:clrMapOvr>
-    <a:masterClrMapping/>
-  </p:clrMapOvr>
-</p:sld>
-</file>
-
 <file path=ppt/slides/slide12.xml><?xml version="1.0" encoding="utf-8"?>
 <p:sld xmlns:a="http://schemas.openxmlformats.org/drawingml/2006/main" xmlns:r="http://schemas.openxmlformats.org/officeDocument/2006/relationships" xmlns:p="http://schemas.openxmlformats.org/presentationml/2006/main">
   <p:cSld>
@@ -6349,6 +6073,603 @@
       </p:grpSpPr>
       <p:sp>
         <p:nvSpPr>
+          <p:cNvPr id="2" name="タイトル 1">
+            <a:extLst>
+              <a:ext uri="{FF2B5EF4-FFF2-40B4-BE49-F238E27FC236}">
+                <a16:creationId xmlns:a16="http://schemas.microsoft.com/office/drawing/2014/main" id="{18575471-CCED-A340-B5B7-AA844529E2E6}"/>
+              </a:ext>
+            </a:extLst>
+          </p:cNvPr>
+          <p:cNvSpPr>
+            <a:spLocks noGrp="1"/>
+          </p:cNvSpPr>
+          <p:nvPr>
+            <p:ph type="title"/>
+          </p:nvPr>
+        </p:nvSpPr>
+        <p:spPr/>
+        <p:txBody>
+          <a:bodyPr/>
+          <a:lstStyle/>
+          <a:p>
+            <a:endParaRPr kumimoji="1" lang="ja-JP" altLang="en-US"/>
+          </a:p>
+        </p:txBody>
+      </p:sp>
+      <p:sp>
+        <p:nvSpPr>
+          <p:cNvPr id="3" name="スライド番号プレースホルダー 2">
+            <a:extLst>
+              <a:ext uri="{FF2B5EF4-FFF2-40B4-BE49-F238E27FC236}">
+                <a16:creationId xmlns:a16="http://schemas.microsoft.com/office/drawing/2014/main" id="{F314E15F-3DDE-AC49-A569-C239768EA951}"/>
+              </a:ext>
+            </a:extLst>
+          </p:cNvPr>
+          <p:cNvSpPr>
+            <a:spLocks noGrp="1"/>
+          </p:cNvSpPr>
+          <p:nvPr>
+            <p:ph type="sldNum" sz="quarter" idx="12"/>
+          </p:nvPr>
+        </p:nvSpPr>
+        <p:spPr/>
+        <p:txBody>
+          <a:bodyPr/>
+          <a:lstStyle/>
+          <a:p>
+            <a:fld id="{7D34BB6B-1E1A-9541-9560-488905BF54FF}" type="slidenum">
+              <a:rPr kumimoji="1" lang="ja-JP" altLang="en-US" smtClean="0"/>
+              <a:t>11</a:t>
+            </a:fld>
+            <a:endParaRPr kumimoji="1" lang="ja-JP" altLang="en-US"/>
+          </a:p>
+        </p:txBody>
+      </p:sp>
+      <p:sp>
+        <p:nvSpPr>
+          <p:cNvPr id="4" name="テキスト ボックス 3">
+            <a:extLst>
+              <a:ext uri="{FF2B5EF4-FFF2-40B4-BE49-F238E27FC236}">
+                <a16:creationId xmlns:a16="http://schemas.microsoft.com/office/drawing/2014/main" id="{9E0C1C9C-C337-0045-9774-A1388C179E80}"/>
+              </a:ext>
+            </a:extLst>
+          </p:cNvPr>
+          <p:cNvSpPr txBox="1"/>
+          <p:nvPr/>
+        </p:nvSpPr>
+        <p:spPr>
+          <a:xfrm>
+            <a:off x="458600" y="4617882"/>
+            <a:ext cx="7522805" cy="369332"/>
+          </a:xfrm>
+          <a:prstGeom prst="rect">
+            <a:avLst/>
+          </a:prstGeom>
+          <a:noFill/>
+          <a:ln>
+            <a:solidFill>
+              <a:schemeClr val="accent2">
+                <a:lumMod val="60000"/>
+                <a:lumOff val="40000"/>
+              </a:schemeClr>
+            </a:solidFill>
+          </a:ln>
+        </p:spPr>
+        <p:txBody>
+          <a:bodyPr wrap="square" rtlCol="0">
+            <a:spAutoFit/>
+          </a:bodyPr>
+          <a:lstStyle/>
+          <a:p>
+            <a:r>
+              <a:rPr lang="en-US" altLang="ja-JP" dirty="0"/>
+              <a:t>I get </a:t>
+            </a:r>
+            <a:r>
+              <a:rPr lang="en-US" altLang="ja-JP" dirty="0" err="1"/>
+              <a:t>JSindo</a:t>
+            </a:r>
+            <a:r>
+              <a:rPr lang="en-US" altLang="ja-JP" dirty="0"/>
+              <a:t> start up, but </a:t>
+            </a:r>
+            <a:r>
+              <a:rPr kumimoji="1" lang="en-US" altLang="ja-JP" dirty="0"/>
+              <a:t>fonts and icons are too tiny.</a:t>
+            </a:r>
+            <a:endParaRPr lang="en-US" altLang="ja-JP" dirty="0"/>
+          </a:p>
+        </p:txBody>
+      </p:sp>
+      <p:sp>
+        <p:nvSpPr>
+          <p:cNvPr id="5" name="テキスト ボックス 4">
+            <a:extLst>
+              <a:ext uri="{FF2B5EF4-FFF2-40B4-BE49-F238E27FC236}">
+                <a16:creationId xmlns:a16="http://schemas.microsoft.com/office/drawing/2014/main" id="{4ACE9138-BA90-CD44-9034-98EF8CDAA25C}"/>
+              </a:ext>
+            </a:extLst>
+          </p:cNvPr>
+          <p:cNvSpPr txBox="1"/>
+          <p:nvPr/>
+        </p:nvSpPr>
+        <p:spPr>
+          <a:xfrm>
+            <a:off x="861693" y="5052926"/>
+            <a:ext cx="7615237" cy="646331"/>
+          </a:xfrm>
+          <a:prstGeom prst="rect">
+            <a:avLst/>
+          </a:prstGeom>
+          <a:noFill/>
+        </p:spPr>
+        <p:txBody>
+          <a:bodyPr wrap="square" rtlCol="0">
+            <a:spAutoFit/>
+          </a:bodyPr>
+          <a:lstStyle/>
+          <a:p>
+            <a:pPr marL="11113" lvl="1"/>
+            <a:r>
+              <a:rPr lang="en-US" altLang="ja-JP" dirty="0"/>
+              <a:t>This is a general issue of Java/Swing applications when using Java 8 or older with a high DPI </a:t>
+            </a:r>
+            <a:r>
+              <a:rPr lang="en-US" altLang="ja-JP" dirty="0" err="1"/>
+              <a:t>diplay</a:t>
+            </a:r>
+            <a:r>
+              <a:rPr lang="en-US" altLang="ja-JP" dirty="0"/>
+              <a:t>. It is fixed after Java 9, so try with a newer version.</a:t>
+            </a:r>
+          </a:p>
+        </p:txBody>
+      </p:sp>
+      <p:sp>
+        <p:nvSpPr>
+          <p:cNvPr id="6" name="テキスト ボックス 5">
+            <a:extLst>
+              <a:ext uri="{FF2B5EF4-FFF2-40B4-BE49-F238E27FC236}">
+                <a16:creationId xmlns:a16="http://schemas.microsoft.com/office/drawing/2014/main" id="{16933E36-54A6-AC46-B9E2-62F9DCA3C377}"/>
+              </a:ext>
+            </a:extLst>
+          </p:cNvPr>
+          <p:cNvSpPr txBox="1"/>
+          <p:nvPr/>
+        </p:nvSpPr>
+        <p:spPr>
+          <a:xfrm>
+            <a:off x="467096" y="1421597"/>
+            <a:ext cx="8081058" cy="923330"/>
+          </a:xfrm>
+          <a:prstGeom prst="rect">
+            <a:avLst/>
+          </a:prstGeom>
+          <a:noFill/>
+          <a:ln>
+            <a:solidFill>
+              <a:schemeClr val="accent2">
+                <a:lumMod val="60000"/>
+                <a:lumOff val="40000"/>
+              </a:schemeClr>
+            </a:solidFill>
+          </a:ln>
+        </p:spPr>
+        <p:txBody>
+          <a:bodyPr wrap="none" rtlCol="0">
+            <a:spAutoFit/>
+          </a:bodyPr>
+          <a:lstStyle/>
+          <a:p>
+            <a:r>
+              <a:rPr lang="en-US" altLang="ja-JP" dirty="0" err="1"/>
+              <a:t>JSindo</a:t>
+            </a:r>
+            <a:r>
+              <a:rPr lang="en-US" altLang="ja-JP" dirty="0"/>
+              <a:t> stops with the following error:</a:t>
+            </a:r>
+          </a:p>
+          <a:p>
+            <a:pPr lvl="1"/>
+            <a:r>
+              <a:rPr lang="en-US" altLang="ja-JP" sz="1200" dirty="0">
+                <a:latin typeface="Courier" charset="0"/>
+                <a:ea typeface="Courier" charset="0"/>
+                <a:cs typeface="Courier" charset="0"/>
+              </a:rPr>
+              <a:t>Exception in thread "main" </a:t>
+            </a:r>
+            <a:r>
+              <a:rPr lang="en-US" altLang="ja-JP" sz="1200" dirty="0" err="1">
+                <a:latin typeface="Courier" charset="0"/>
+                <a:ea typeface="Courier" charset="0"/>
+                <a:cs typeface="Courier" charset="0"/>
+              </a:rPr>
+              <a:t>java.awt.HeadlessException</a:t>
+            </a:r>
+            <a:endParaRPr lang="en-US" altLang="ja-JP" sz="1200" dirty="0">
+              <a:latin typeface="Courier" charset="0"/>
+              <a:ea typeface="Courier" charset="0"/>
+              <a:cs typeface="Courier" charset="0"/>
+            </a:endParaRPr>
+          </a:p>
+          <a:p>
+            <a:pPr lvl="2"/>
+            <a:r>
+              <a:rPr lang="en-US" altLang="ja-JP" sz="1200" dirty="0">
+                <a:latin typeface="Courier" charset="0"/>
+                <a:ea typeface="Courier" charset="0"/>
+                <a:cs typeface="Courier" charset="0"/>
+              </a:rPr>
+              <a:t>at </a:t>
+            </a:r>
+            <a:r>
+              <a:rPr lang="en-US" altLang="ja-JP" sz="1200" dirty="0" err="1">
+                <a:latin typeface="Courier" charset="0"/>
+                <a:ea typeface="Courier" charset="0"/>
+                <a:cs typeface="Courier" charset="0"/>
+              </a:rPr>
+              <a:t>java.awt.GraphicsEnvironment.checkHeadless</a:t>
+            </a:r>
+            <a:r>
+              <a:rPr lang="en-US" altLang="ja-JP" sz="1200" dirty="0">
+                <a:latin typeface="Courier" charset="0"/>
+                <a:ea typeface="Courier" charset="0"/>
+                <a:cs typeface="Courier" charset="0"/>
+              </a:rPr>
+              <a:t>(GraphicsEnvironment.java:204)</a:t>
+            </a:r>
+          </a:p>
+          <a:p>
+            <a:pPr lvl="2"/>
+            <a:r>
+              <a:rPr lang="en-US" altLang="ja-JP" sz="1200" dirty="0">
+                <a:latin typeface="Courier" charset="0"/>
+                <a:ea typeface="Courier" charset="0"/>
+                <a:cs typeface="Courier" charset="0"/>
+              </a:rPr>
+              <a:t>…</a:t>
+            </a:r>
+          </a:p>
+        </p:txBody>
+      </p:sp>
+      <p:sp>
+        <p:nvSpPr>
+          <p:cNvPr id="7" name="テキスト ボックス 6">
+            <a:extLst>
+              <a:ext uri="{FF2B5EF4-FFF2-40B4-BE49-F238E27FC236}">
+                <a16:creationId xmlns:a16="http://schemas.microsoft.com/office/drawing/2014/main" id="{A0532CA8-B510-D84E-8A61-B62FED76378E}"/>
+              </a:ext>
+            </a:extLst>
+          </p:cNvPr>
+          <p:cNvSpPr txBox="1"/>
+          <p:nvPr/>
+        </p:nvSpPr>
+        <p:spPr>
+          <a:xfrm>
+            <a:off x="971550" y="2460688"/>
+            <a:ext cx="7726879" cy="646331"/>
+          </a:xfrm>
+          <a:prstGeom prst="rect">
+            <a:avLst/>
+          </a:prstGeom>
+          <a:noFill/>
+        </p:spPr>
+        <p:txBody>
+          <a:bodyPr wrap="square" rtlCol="0">
+            <a:spAutoFit/>
+          </a:bodyPr>
+          <a:lstStyle/>
+          <a:p>
+            <a:r>
+              <a:rPr lang="en-US" altLang="ja-JP" dirty="0"/>
+              <a:t>Some </a:t>
+            </a:r>
+            <a:r>
+              <a:rPr lang="en-US" altLang="ja-JP" dirty="0" err="1"/>
+              <a:t>distrubutions</a:t>
+            </a:r>
+            <a:r>
+              <a:rPr lang="en-US" altLang="ja-JP" dirty="0"/>
+              <a:t> have a headless version of Java by default. Try the following command to install OpenJDK</a:t>
+            </a:r>
+            <a:endParaRPr kumimoji="1" lang="ja-JP" altLang="en-US" dirty="0"/>
+          </a:p>
+        </p:txBody>
+      </p:sp>
+      <p:sp>
+        <p:nvSpPr>
+          <p:cNvPr id="8" name="テキスト ボックス 7">
+            <a:extLst>
+              <a:ext uri="{FF2B5EF4-FFF2-40B4-BE49-F238E27FC236}">
+                <a16:creationId xmlns:a16="http://schemas.microsoft.com/office/drawing/2014/main" id="{9DFBF8B0-BBC7-B745-9F8D-80244551A3F0}"/>
+              </a:ext>
+            </a:extLst>
+          </p:cNvPr>
+          <p:cNvSpPr txBox="1"/>
+          <p:nvPr/>
+        </p:nvSpPr>
+        <p:spPr>
+          <a:xfrm>
+            <a:off x="1265387" y="3568708"/>
+            <a:ext cx="2509020" cy="276999"/>
+          </a:xfrm>
+          <a:prstGeom prst="rect">
+            <a:avLst/>
+          </a:prstGeom>
+          <a:noFill/>
+          <a:ln>
+            <a:solidFill>
+              <a:srgbClr val="00B050"/>
+            </a:solidFill>
+          </a:ln>
+        </p:spPr>
+        <p:txBody>
+          <a:bodyPr wrap="none" rtlCol="0">
+            <a:spAutoFit/>
+          </a:bodyPr>
+          <a:lstStyle/>
+          <a:p>
+            <a:r>
+              <a:rPr lang="en-US" altLang="ja-JP" sz="1200" dirty="0">
+                <a:latin typeface="Courier" charset="0"/>
+                <a:ea typeface="Courier" charset="0"/>
+                <a:cs typeface="Courier" charset="0"/>
+              </a:rPr>
+              <a:t>apt install openjdk-8-jdk</a:t>
+            </a:r>
+          </a:p>
+        </p:txBody>
+      </p:sp>
+      <p:sp>
+        <p:nvSpPr>
+          <p:cNvPr id="9" name="テキスト ボックス 8">
+            <a:extLst>
+              <a:ext uri="{FF2B5EF4-FFF2-40B4-BE49-F238E27FC236}">
+                <a16:creationId xmlns:a16="http://schemas.microsoft.com/office/drawing/2014/main" id="{E495235D-FC6D-404F-B614-8E7E7713F37F}"/>
+              </a:ext>
+            </a:extLst>
+          </p:cNvPr>
+          <p:cNvSpPr txBox="1"/>
+          <p:nvPr/>
+        </p:nvSpPr>
+        <p:spPr>
+          <a:xfrm>
+            <a:off x="4824926" y="3513220"/>
+            <a:ext cx="1811265" cy="369332"/>
+          </a:xfrm>
+          <a:prstGeom prst="rect">
+            <a:avLst/>
+          </a:prstGeom>
+          <a:noFill/>
+        </p:spPr>
+        <p:txBody>
+          <a:bodyPr wrap="none" rtlCol="0">
+            <a:spAutoFit/>
+          </a:bodyPr>
+          <a:lstStyle/>
+          <a:p>
+            <a:r>
+              <a:rPr kumimoji="1" lang="en-US" altLang="ja-JP" dirty="0"/>
+              <a:t>(</a:t>
+            </a:r>
+            <a:r>
+              <a:rPr kumimoji="1" lang="en-US" altLang="ja-JP" dirty="0" err="1"/>
+              <a:t>Debian</a:t>
+            </a:r>
+            <a:r>
+              <a:rPr lang="en-US" altLang="ja-JP" dirty="0"/>
+              <a:t>, Ubuntu)</a:t>
+            </a:r>
+            <a:endParaRPr kumimoji="1" lang="ja-JP" altLang="en-US" dirty="0"/>
+          </a:p>
+        </p:txBody>
+      </p:sp>
+      <p:sp>
+        <p:nvSpPr>
+          <p:cNvPr id="10" name="テキスト ボックス 9">
+            <a:extLst>
+              <a:ext uri="{FF2B5EF4-FFF2-40B4-BE49-F238E27FC236}">
+                <a16:creationId xmlns:a16="http://schemas.microsoft.com/office/drawing/2014/main" id="{9FF96431-BAF7-BA4F-ADE5-D354FB312AED}"/>
+              </a:ext>
+            </a:extLst>
+          </p:cNvPr>
+          <p:cNvSpPr txBox="1"/>
+          <p:nvPr/>
+        </p:nvSpPr>
+        <p:spPr>
+          <a:xfrm>
+            <a:off x="1265387" y="3200218"/>
+            <a:ext cx="2973891" cy="276999"/>
+          </a:xfrm>
+          <a:prstGeom prst="rect">
+            <a:avLst/>
+          </a:prstGeom>
+          <a:noFill/>
+          <a:ln>
+            <a:solidFill>
+              <a:srgbClr val="00B050"/>
+            </a:solidFill>
+          </a:ln>
+        </p:spPr>
+        <p:txBody>
+          <a:bodyPr wrap="none" rtlCol="0">
+            <a:spAutoFit/>
+          </a:bodyPr>
+          <a:lstStyle/>
+          <a:p>
+            <a:r>
+              <a:rPr lang="en-US" altLang="ja-JP" sz="1200" dirty="0">
+                <a:latin typeface="Courier" charset="0"/>
+                <a:ea typeface="Courier" charset="0"/>
+                <a:cs typeface="Courier" charset="0"/>
+              </a:rPr>
+              <a:t>yum install java-1.8.0-openjdk</a:t>
+            </a:r>
+          </a:p>
+        </p:txBody>
+      </p:sp>
+      <p:sp>
+        <p:nvSpPr>
+          <p:cNvPr id="11" name="テキスト ボックス 10">
+            <a:extLst>
+              <a:ext uri="{FF2B5EF4-FFF2-40B4-BE49-F238E27FC236}">
+                <a16:creationId xmlns:a16="http://schemas.microsoft.com/office/drawing/2014/main" id="{CC646717-1A3B-804F-AF32-D7A0266F0E71}"/>
+              </a:ext>
+            </a:extLst>
+          </p:cNvPr>
+          <p:cNvSpPr txBox="1"/>
+          <p:nvPr/>
+        </p:nvSpPr>
+        <p:spPr>
+          <a:xfrm>
+            <a:off x="4824926" y="3144731"/>
+            <a:ext cx="1019318" cy="369332"/>
+          </a:xfrm>
+          <a:prstGeom prst="rect">
+            <a:avLst/>
+          </a:prstGeom>
+          <a:noFill/>
+        </p:spPr>
+        <p:txBody>
+          <a:bodyPr wrap="none" rtlCol="0">
+            <a:spAutoFit/>
+          </a:bodyPr>
+          <a:lstStyle/>
+          <a:p>
+            <a:r>
+              <a:rPr kumimoji="1" lang="en-US" altLang="ja-JP" dirty="0"/>
+              <a:t>(CentOS</a:t>
+            </a:r>
+            <a:r>
+              <a:rPr lang="en-US" altLang="ja-JP" dirty="0"/>
+              <a:t>)</a:t>
+            </a:r>
+            <a:endParaRPr kumimoji="1" lang="ja-JP" altLang="en-US" dirty="0"/>
+          </a:p>
+        </p:txBody>
+      </p:sp>
+      <p:sp>
+        <p:nvSpPr>
+          <p:cNvPr id="12" name="テキスト ボックス 11">
+            <a:extLst>
+              <a:ext uri="{FF2B5EF4-FFF2-40B4-BE49-F238E27FC236}">
+                <a16:creationId xmlns:a16="http://schemas.microsoft.com/office/drawing/2014/main" id="{9E61D813-BDF4-A548-A39E-62FEDC772DAD}"/>
+              </a:ext>
+            </a:extLst>
+          </p:cNvPr>
+          <p:cNvSpPr txBox="1"/>
+          <p:nvPr/>
+        </p:nvSpPr>
+        <p:spPr>
+          <a:xfrm>
+            <a:off x="442913" y="1128712"/>
+            <a:ext cx="579005" cy="307777"/>
+          </a:xfrm>
+          <a:prstGeom prst="rect">
+            <a:avLst/>
+          </a:prstGeom>
+          <a:noFill/>
+        </p:spPr>
+        <p:txBody>
+          <a:bodyPr wrap="none" rtlCol="0">
+            <a:spAutoFit/>
+          </a:bodyPr>
+          <a:lstStyle/>
+          <a:p>
+            <a:r>
+              <a:rPr kumimoji="1" lang="en-US" altLang="ja-JP" sz="1400" b="1">
+                <a:solidFill>
+                  <a:schemeClr val="accent1"/>
+                </a:solidFill>
+              </a:rPr>
+              <a:t>Linux</a:t>
+            </a:r>
+            <a:endParaRPr kumimoji="1" lang="ja-JP" altLang="en-US" sz="1400" b="1">
+              <a:solidFill>
+                <a:schemeClr val="accent1"/>
+              </a:solidFill>
+            </a:endParaRPr>
+          </a:p>
+        </p:txBody>
+      </p:sp>
+      <p:sp>
+        <p:nvSpPr>
+          <p:cNvPr id="13" name="テキスト ボックス 12">
+            <a:extLst>
+              <a:ext uri="{FF2B5EF4-FFF2-40B4-BE49-F238E27FC236}">
+                <a16:creationId xmlns:a16="http://schemas.microsoft.com/office/drawing/2014/main" id="{C4A58C93-35A4-C64D-A3BC-E784A714A123}"/>
+              </a:ext>
+            </a:extLst>
+          </p:cNvPr>
+          <p:cNvSpPr txBox="1"/>
+          <p:nvPr/>
+        </p:nvSpPr>
+        <p:spPr>
+          <a:xfrm>
+            <a:off x="442913" y="4302822"/>
+            <a:ext cx="489236" cy="307777"/>
+          </a:xfrm>
+          <a:prstGeom prst="rect">
+            <a:avLst/>
+          </a:prstGeom>
+          <a:noFill/>
+        </p:spPr>
+        <p:txBody>
+          <a:bodyPr wrap="none" rtlCol="0">
+            <a:spAutoFit/>
+          </a:bodyPr>
+          <a:lstStyle/>
+          <a:p>
+            <a:r>
+              <a:rPr kumimoji="1" lang="en-US" altLang="ja-JP" sz="1400" b="1">
+                <a:solidFill>
+                  <a:schemeClr val="accent1"/>
+                </a:solidFill>
+              </a:rPr>
+              <a:t>Win</a:t>
+            </a:r>
+            <a:endParaRPr kumimoji="1" lang="ja-JP" altLang="en-US" sz="1400" b="1">
+              <a:solidFill>
+                <a:schemeClr val="accent1"/>
+              </a:solidFill>
+            </a:endParaRPr>
+          </a:p>
+        </p:txBody>
+      </p:sp>
+    </p:spTree>
+    <p:extLst>
+      <p:ext uri="{BB962C8B-B14F-4D97-AF65-F5344CB8AC3E}">
+        <p14:creationId xmlns:p14="http://schemas.microsoft.com/office/powerpoint/2010/main" val="1697905547"/>
+      </p:ext>
+    </p:extLst>
+  </p:cSld>
+  <p:clrMapOvr>
+    <a:masterClrMapping/>
+  </p:clrMapOvr>
+</p:sld>
+</file>
+
+<file path=ppt/slides/slide13.xml><?xml version="1.0" encoding="utf-8"?>
+<p:sld xmlns:a="http://schemas.openxmlformats.org/drawingml/2006/main" xmlns:r="http://schemas.openxmlformats.org/officeDocument/2006/relationships" xmlns:p="http://schemas.openxmlformats.org/presentationml/2006/main">
+  <p:cSld>
+    <p:spTree>
+      <p:nvGrpSpPr>
+        <p:cNvPr id="1" name=""/>
+        <p:cNvGrpSpPr/>
+        <p:nvPr/>
+      </p:nvGrpSpPr>
+      <p:grpSpPr>
+        <a:xfrm>
+          <a:off x="0" y="0"/>
+          <a:ext cx="0" cy="0"/>
+          <a:chOff x="0" y="0"/>
+          <a:chExt cx="0" cy="0"/>
+        </a:xfrm>
+      </p:grpSpPr>
+      <p:sp>
+        <p:nvSpPr>
           <p:cNvPr id="3" name="スライド番号プレースホルダー 2">
             <a:extLst>
               <a:ext uri="{FF2B5EF4-FFF2-40B4-BE49-F238E27FC236}">
@@ -6370,7 +6691,7 @@
           <a:p>
             <a:fld id="{7D34BB6B-1E1A-9541-9560-488905BF54FF}" type="slidenum">
               <a:rPr kumimoji="1" lang="ja-JP" altLang="en-US" smtClean="0"/>
-              <a:t>11</a:t>
+              <a:t>12</a:t>
             </a:fld>
             <a:endParaRPr kumimoji="1" lang="ja-JP" altLang="en-US"/>
           </a:p>
@@ -6942,10 +7263,10 @@
       </p:grpSpPr>
       <p:pic>
         <p:nvPicPr>
-          <p:cNvPr id="7" name="図 6" descr="グラフィカル ユーザー インターフェイス, テキスト, アプリケーション&#10;&#10;自動的に生成された説明">
+          <p:cNvPr id="5" name="図 4">
             <a:extLst>
               <a:ext uri="{FF2B5EF4-FFF2-40B4-BE49-F238E27FC236}">
-                <a16:creationId xmlns:a16="http://schemas.microsoft.com/office/drawing/2014/main" id="{1DF4DCAA-D4D6-4A19-A6ED-810C8483C6EF}"/>
+                <a16:creationId xmlns:a16="http://schemas.microsoft.com/office/drawing/2014/main" id="{B6C07D3C-4DB0-9C47-A105-4571D5EA4841}"/>
               </a:ext>
             </a:extLst>
           </p:cNvPr>
@@ -6962,8 +7283,8 @@
         </p:blipFill>
         <p:spPr>
           <a:xfrm>
-            <a:off x="2634188" y="1831837"/>
-            <a:ext cx="4037918" cy="3141016"/>
+            <a:off x="1360713" y="1845535"/>
+            <a:ext cx="6509657" cy="3710603"/>
           </a:xfrm>
           <a:prstGeom prst="rect">
             <a:avLst/>
@@ -6993,7 +7314,7 @@
           <a:p>
             <a:r>
               <a:rPr lang="en-US" altLang="ja-JP"/>
-              <a:t>Windows</a:t>
+              <a:t>Windows/MacOS</a:t>
             </a:r>
             <a:endParaRPr lang="ja-JP" altLang="en-US"/>
           </a:p>
@@ -7020,47 +7341,75 @@
           <a:bodyPr/>
           <a:lstStyle/>
           <a:p>
+            <a:pPr marL="0" marR="0" lvl="0" indent="0" algn="r" defTabSz="914400" rtl="0" eaLnBrk="1" fontAlgn="auto" latinLnBrk="0" hangingPunct="1">
+              <a:lnSpc>
+                <a:spcPct val="100000"/>
+              </a:lnSpc>
+              <a:spcBef>
+                <a:spcPts val="0"/>
+              </a:spcBef>
+              <a:spcAft>
+                <a:spcPts val="0"/>
+              </a:spcAft>
+              <a:buClrTx/>
+              <a:buSzTx/>
+              <a:buFontTx/>
+              <a:buNone/>
+              <a:tabLst/>
+              <a:defRPr/>
+            </a:pPr>
             <a:fld id="{7D34BB6B-1E1A-9541-9560-488905BF54FF}" type="slidenum">
-              <a:rPr kumimoji="1" lang="ja-JP" altLang="en-US" smtClean="0"/>
+              <a:rPr kumimoji="1" lang="ja-JP" altLang="en-US" sz="1200" b="0" i="0" u="none" strike="noStrike" kern="1200" cap="none" spc="0" normalizeH="0" baseline="0" noProof="0" smtClean="0">
+                <a:ln>
+                  <a:noFill/>
+                </a:ln>
+                <a:solidFill>
+                  <a:prstClr val="black">
+                    <a:tint val="75000"/>
+                  </a:prstClr>
+                </a:solidFill>
+                <a:effectLst/>
+                <a:uLnTx/>
+                <a:uFillTx/>
+                <a:latin typeface="Calibri" panose="020F0502020204030204"/>
+                <a:ea typeface="メイリオ" panose="020B0604030504040204" pitchFamily="34" charset="-128"/>
+                <a:cs typeface="+mn-cs"/>
+              </a:rPr>
+              <a:pPr marL="0" marR="0" lvl="0" indent="0" algn="r" defTabSz="914400" rtl="0" eaLnBrk="1" fontAlgn="auto" latinLnBrk="0" hangingPunct="1">
+                <a:lnSpc>
+                  <a:spcPct val="100000"/>
+                </a:lnSpc>
+                <a:spcBef>
+                  <a:spcPts val="0"/>
+                </a:spcBef>
+                <a:spcAft>
+                  <a:spcPts val="0"/>
+                </a:spcAft>
+                <a:buClrTx/>
+                <a:buSzTx/>
+                <a:buFontTx/>
+                <a:buNone/>
+                <a:tabLst/>
+                <a:defRPr/>
+              </a:pPr>
               <a:t>1</a:t>
             </a:fld>
-            <a:endParaRPr kumimoji="1" lang="ja-JP" altLang="en-US"/>
-          </a:p>
-        </p:txBody>
-      </p:sp>
-      <p:sp>
-        <p:nvSpPr>
-          <p:cNvPr id="12" name="テキスト ボックス 11">
-            <a:extLst>
-              <a:ext uri="{FF2B5EF4-FFF2-40B4-BE49-F238E27FC236}">
-                <a16:creationId xmlns:a16="http://schemas.microsoft.com/office/drawing/2014/main" id="{57B494F0-65F8-0D4F-AC09-0CFFE453650C}"/>
-              </a:ext>
-            </a:extLst>
-          </p:cNvPr>
-          <p:cNvSpPr txBox="1"/>
-          <p:nvPr/>
-        </p:nvSpPr>
-        <p:spPr>
-          <a:xfrm>
-            <a:off x="2123551" y="3815024"/>
-            <a:ext cx="2044470" cy="369332"/>
-          </a:xfrm>
-          <a:prstGeom prst="rect">
-            <a:avLst/>
-          </a:prstGeom>
-          <a:noFill/>
-        </p:spPr>
-        <p:txBody>
-          <a:bodyPr wrap="none" rtlCol="0">
-            <a:spAutoFit/>
-          </a:bodyPr>
-          <a:lstStyle/>
-          <a:p>
-            <a:r>
-              <a:rPr lang="en-US" altLang="ja-JP"/>
-              <a:t>Choose Temurin 11.</a:t>
-            </a:r>
-            <a:endParaRPr kumimoji="1" lang="ja-JP" altLang="en-US"/>
+            <a:endParaRPr kumimoji="1" lang="ja-JP" altLang="en-US" sz="1200" b="0" i="0" u="none" strike="noStrike" kern="1200" cap="none" spc="0" normalizeH="0" baseline="0" noProof="0">
+              <a:ln>
+                <a:noFill/>
+              </a:ln>
+              <a:solidFill>
+                <a:prstClr val="black">
+                  <a:tint val="75000"/>
+                </a:prstClr>
+              </a:solidFill>
+              <a:effectLst/>
+              <a:uLnTx/>
+              <a:uFillTx/>
+              <a:latin typeface="Calibri" panose="020F0502020204030204"/>
+              <a:ea typeface="メイリオ" panose="020B0604030504040204" pitchFamily="34" charset="-128"/>
+              <a:cs typeface="+mn-cs"/>
+            </a:endParaRPr>
           </a:p>
         </p:txBody>
       </p:sp>
@@ -7079,7 +7428,7 @@
         <p:spPr>
           <a:xfrm>
             <a:off x="854110" y="964642"/>
-            <a:ext cx="2113784" cy="369332"/>
+            <a:ext cx="3062954" cy="369332"/>
           </a:xfrm>
           <a:prstGeom prst="rect">
             <a:avLst/>
@@ -7092,11 +7441,54 @@
           </a:bodyPr>
           <a:lstStyle/>
           <a:p>
-            <a:r>
-              <a:rPr kumimoji="1" lang="en-US" altLang="ja-JP"/>
-              <a:t>Download OpenJDK</a:t>
-            </a:r>
-            <a:endParaRPr kumimoji="1" lang="ja-JP" altLang="en-US"/>
+            <a:pPr marL="0" marR="0" lvl="0" indent="0" algn="l" defTabSz="914400" rtl="0" eaLnBrk="1" fontAlgn="auto" latinLnBrk="0" hangingPunct="1">
+              <a:lnSpc>
+                <a:spcPct val="100000"/>
+              </a:lnSpc>
+              <a:spcBef>
+                <a:spcPts val="0"/>
+              </a:spcBef>
+              <a:spcAft>
+                <a:spcPts val="0"/>
+              </a:spcAft>
+              <a:buClrTx/>
+              <a:buSzTx/>
+              <a:buFontTx/>
+              <a:buNone/>
+              <a:tabLst/>
+              <a:defRPr/>
+            </a:pPr>
+            <a:r>
+              <a:rPr kumimoji="1" lang="en-US" altLang="ja-JP" sz="1800" b="0" i="0" u="none" strike="noStrike" kern="1200" cap="none" spc="0" normalizeH="0" baseline="0" noProof="0">
+                <a:ln>
+                  <a:noFill/>
+                </a:ln>
+                <a:solidFill>
+                  <a:prstClr val="black"/>
+                </a:solidFill>
+                <a:effectLst/>
+                <a:uLnTx/>
+                <a:uFillTx/>
+                <a:latin typeface="Calibri" panose="020F0502020204030204"/>
+                <a:ea typeface="メイリオ" panose="020B0604030504040204" pitchFamily="34" charset="-128"/>
+                <a:cs typeface="+mn-cs"/>
+              </a:rPr>
+              <a:t>Download OpenJDK version 11</a:t>
+            </a:r>
+            <a:endParaRPr kumimoji="1" lang="ja-JP" altLang="en-US" sz="1800" b="0" i="0" u="none" strike="noStrike" kern="1200" cap="none" spc="0" normalizeH="0" baseline="0" noProof="0">
+              <a:ln>
+                <a:noFill/>
+              </a:ln>
+              <a:solidFill>
+                <a:prstClr val="black"/>
+              </a:solidFill>
+              <a:effectLst/>
+              <a:uLnTx/>
+              <a:uFillTx/>
+              <a:latin typeface="Calibri" panose="020F0502020204030204"/>
+              <a:ea typeface="メイリオ" panose="020B0604030504040204" pitchFamily="34" charset="-128"/>
+              <a:cs typeface="+mn-cs"/>
+            </a:endParaRPr>
           </a:p>
         </p:txBody>
       </p:sp>
@@ -7128,11 +7520,54 @@
           </a:bodyPr>
           <a:lstStyle/>
           <a:p>
-            <a:r>
-              <a:rPr lang="en-US" altLang="ja-JP"/>
+            <a:pPr marL="0" marR="0" lvl="0" indent="0" algn="l" defTabSz="914400" rtl="0" eaLnBrk="1" fontAlgn="auto" latinLnBrk="0" hangingPunct="1">
+              <a:lnSpc>
+                <a:spcPct val="100000"/>
+              </a:lnSpc>
+              <a:spcBef>
+                <a:spcPts val="0"/>
+              </a:spcBef>
+              <a:spcAft>
+                <a:spcPts val="0"/>
+              </a:spcAft>
+              <a:buClrTx/>
+              <a:buSzTx/>
+              <a:buFontTx/>
+              <a:buNone/>
+              <a:tabLst/>
+              <a:defRPr/>
+            </a:pPr>
+            <a:r>
+              <a:rPr kumimoji="1" lang="en-US" altLang="ja-JP" sz="1800" b="0" i="0" u="none" strike="noStrike" kern="1200" cap="none" spc="0" normalizeH="0" baseline="0" noProof="0">
+                <a:ln>
+                  <a:noFill/>
+                </a:ln>
+                <a:solidFill>
+                  <a:prstClr val="black"/>
+                </a:solidFill>
+                <a:effectLst/>
+                <a:uLnTx/>
+                <a:uFillTx/>
+                <a:latin typeface="Calibri" panose="020F0502020204030204"/>
+                <a:ea typeface="メイリオ" panose="020B0604030504040204" pitchFamily="34" charset="-128"/>
+                <a:cs typeface="+mn-cs"/>
+              </a:rPr>
               <a:t>https://adoptium.net/index.html</a:t>
             </a:r>
-            <a:endParaRPr kumimoji="1" lang="ja-JP" altLang="en-US"/>
+            <a:endParaRPr kumimoji="1" lang="ja-JP" altLang="en-US" sz="1800" b="0" i="0" u="none" strike="noStrike" kern="1200" cap="none" spc="0" normalizeH="0" baseline="0" noProof="0">
+              <a:ln>
+                <a:noFill/>
+              </a:ln>
+              <a:solidFill>
+                <a:prstClr val="black"/>
+              </a:solidFill>
+              <a:effectLst/>
+              <a:uLnTx/>
+              <a:uFillTx/>
+              <a:latin typeface="Calibri" panose="020F0502020204030204"/>
+              <a:ea typeface="メイリオ" panose="020B0604030504040204" pitchFamily="34" charset="-128"/>
+              <a:cs typeface="+mn-cs"/>
+            </a:endParaRPr>
           </a:p>
         </p:txBody>
       </p:sp>
@@ -7150,8 +7585,8 @@
         </p:nvSpPr>
         <p:spPr>
           <a:xfrm>
-            <a:off x="3985191" y="4329225"/>
-            <a:ext cx="1270098" cy="373403"/>
+            <a:off x="1797161" y="5072743"/>
+            <a:ext cx="2208781" cy="261257"/>
           </a:xfrm>
           <a:prstGeom prst="rect">
             <a:avLst/>
@@ -7184,8 +7619,37 @@
           <a:bodyPr rtlCol="0" anchor="ctr"/>
           <a:lstStyle/>
           <a:p>
-            <a:pPr algn="ctr"/>
-            <a:endParaRPr kumimoji="1" lang="ja-JP" altLang="en-US"/>
+            <a:pPr marL="0" marR="0" lvl="0" indent="0" algn="ctr" defTabSz="914400" rtl="0" eaLnBrk="1" fontAlgn="auto" latinLnBrk="0" hangingPunct="1">
+              <a:lnSpc>
+                <a:spcPct val="100000"/>
+              </a:lnSpc>
+              <a:spcBef>
+                <a:spcPts val="0"/>
+              </a:spcBef>
+              <a:spcAft>
+                <a:spcPts val="0"/>
+              </a:spcAft>
+              <a:buClrTx/>
+              <a:buSzTx/>
+              <a:buFontTx/>
+              <a:buNone/>
+              <a:tabLst/>
+              <a:defRPr/>
+            </a:pPr>
+            <a:endParaRPr kumimoji="1" lang="ja-JP" altLang="en-US" sz="1800" b="0" i="0" u="none" strike="noStrike" kern="1200" cap="none" spc="0" normalizeH="0" baseline="0" noProof="0">
+              <a:ln>
+                <a:noFill/>
+              </a:ln>
+              <a:solidFill>
+                <a:prstClr val="white"/>
+              </a:solidFill>
+              <a:effectLst/>
+              <a:uLnTx/>
+              <a:uFillTx/>
+              <a:latin typeface="Calibri" panose="020F0502020204030204"/>
+              <a:ea typeface="メイリオ" panose="020B0604030504040204" pitchFamily="34" charset="-128"/>
+              <a:cs typeface="+mn-cs"/>
+            </a:endParaRPr>
           </a:p>
         </p:txBody>
       </p:sp>
@@ -7203,8 +7667,8 @@
         </p:nvSpPr>
         <p:spPr>
           <a:xfrm>
-            <a:off x="2030020" y="4338537"/>
-            <a:ext cx="1855060" cy="369332"/>
+            <a:off x="614878" y="5002566"/>
+            <a:ext cx="1098570" cy="369332"/>
           </a:xfrm>
           <a:prstGeom prst="rect">
             <a:avLst/>
@@ -7217,53 +7681,61 @@
           </a:bodyPr>
           <a:lstStyle/>
           <a:p>
-            <a:r>
-              <a:rPr kumimoji="1" lang="en-US" altLang="ja-JP" dirty="0"/>
-              <a:t>Click to download</a:t>
-            </a:r>
-            <a:endParaRPr kumimoji="1" lang="ja-JP" altLang="en-US" dirty="0"/>
-          </a:p>
-        </p:txBody>
-      </p:sp>
-      <p:sp>
-        <p:nvSpPr>
-          <p:cNvPr id="10" name="テキスト ボックス 9">
-            <a:extLst>
-              <a:ext uri="{FF2B5EF4-FFF2-40B4-BE49-F238E27FC236}">
-                <a16:creationId xmlns:a16="http://schemas.microsoft.com/office/drawing/2014/main" id="{E27B7703-740C-5548-8B1D-4C35E202F294}"/>
-              </a:ext>
-            </a:extLst>
-          </p:cNvPr>
-          <p:cNvSpPr txBox="1"/>
-          <p:nvPr/>
-        </p:nvSpPr>
-        <p:spPr>
-          <a:xfrm>
-            <a:off x="1587639" y="5235191"/>
-            <a:ext cx="6691062" cy="369332"/>
-          </a:xfrm>
-          <a:prstGeom prst="rect">
-            <a:avLst/>
-          </a:prstGeom>
-          <a:noFill/>
-        </p:spPr>
-        <p:txBody>
-          <a:bodyPr wrap="none" rtlCol="0">
-            <a:spAutoFit/>
-          </a:bodyPr>
-          <a:lstStyle/>
-          <a:p>
-            <a:r>
-              <a:rPr lang="en-US" altLang="ja-JP"/>
-              <a:t>Execute (double click) the downloaded file, and follow the instruction.</a:t>
-            </a:r>
+            <a:pPr marL="0" marR="0" lvl="0" indent="0" algn="l" defTabSz="914400" rtl="0" eaLnBrk="1" fontAlgn="auto" latinLnBrk="0" hangingPunct="1">
+              <a:lnSpc>
+                <a:spcPct val="100000"/>
+              </a:lnSpc>
+              <a:spcBef>
+                <a:spcPts val="0"/>
+              </a:spcBef>
+              <a:spcAft>
+                <a:spcPts val="0"/>
+              </a:spcAft>
+              <a:buClrTx/>
+              <a:buSzTx/>
+              <a:buFontTx/>
+              <a:buNone/>
+              <a:tabLst/>
+              <a:defRPr/>
+            </a:pPr>
+            <a:r>
+              <a:rPr kumimoji="1" lang="en-US" altLang="ja-JP" sz="1800" b="0" i="0" u="none" strike="noStrike" kern="1200" cap="none" spc="0" normalizeH="0" baseline="0" noProof="0" dirty="0">
+                <a:ln>
+                  <a:noFill/>
+                </a:ln>
+                <a:solidFill>
+                  <a:prstClr val="black"/>
+                </a:solidFill>
+                <a:effectLst/>
+                <a:uLnTx/>
+                <a:uFillTx/>
+                <a:latin typeface="Calibri" panose="020F0502020204030204"/>
+                <a:ea typeface="メイリオ" panose="020B0604030504040204" pitchFamily="34" charset="-128"/>
+                <a:cs typeface="+mn-cs"/>
+              </a:rPr>
+              <a:t>Click here</a:t>
+            </a:r>
+            <a:endParaRPr kumimoji="1" lang="ja-JP" altLang="en-US" sz="1800" b="0" i="0" u="none" strike="noStrike" kern="1200" cap="none" spc="0" normalizeH="0" baseline="0" noProof="0" dirty="0">
+              <a:ln>
+                <a:noFill/>
+              </a:ln>
+              <a:solidFill>
+                <a:prstClr val="black"/>
+              </a:solidFill>
+              <a:effectLst/>
+              <a:uLnTx/>
+              <a:uFillTx/>
+              <a:latin typeface="Calibri" panose="020F0502020204030204"/>
+              <a:ea typeface="メイリオ" panose="020B0604030504040204" pitchFamily="34" charset="-128"/>
+              <a:cs typeface="+mn-cs"/>
+            </a:endParaRPr>
           </a:p>
         </p:txBody>
       </p:sp>
     </p:spTree>
     <p:extLst>
       <p:ext uri="{BB962C8B-B14F-4D97-AF65-F5344CB8AC3E}">
-        <p14:creationId xmlns:p14="http://schemas.microsoft.com/office/powerpoint/2010/main" val="3398820967"/>
+        <p14:creationId xmlns:p14="http://schemas.microsoft.com/office/powerpoint/2010/main" val="1289407814"/>
       </p:ext>
     </p:extLst>
   </p:cSld>
@@ -7292,10 +7764,39 @@
       </p:grpSpPr>
       <p:sp>
         <p:nvSpPr>
+          <p:cNvPr id="2" name="タイトル 1">
+            <a:extLst>
+              <a:ext uri="{FF2B5EF4-FFF2-40B4-BE49-F238E27FC236}">
+                <a16:creationId xmlns:a16="http://schemas.microsoft.com/office/drawing/2014/main" id="{963037DE-0037-0549-B66F-3B85645CF3A3}"/>
+              </a:ext>
+            </a:extLst>
+          </p:cNvPr>
+          <p:cNvSpPr>
+            <a:spLocks noGrp="1"/>
+          </p:cNvSpPr>
+          <p:nvPr>
+            <p:ph type="title"/>
+          </p:nvPr>
+        </p:nvSpPr>
+        <p:spPr/>
+        <p:txBody>
+          <a:bodyPr/>
+          <a:lstStyle/>
+          <a:p>
+            <a:r>
+              <a:rPr kumimoji="1" lang="en-US" altLang="ja-JP"/>
+              <a:t>Windows</a:t>
+            </a:r>
+            <a:endParaRPr kumimoji="1" lang="ja-JP" altLang="en-US"/>
+          </a:p>
+        </p:txBody>
+      </p:sp>
+      <p:sp>
+        <p:nvSpPr>
           <p:cNvPr id="3" name="スライド番号プレースホルダー 2">
             <a:extLst>
               <a:ext uri="{FF2B5EF4-FFF2-40B4-BE49-F238E27FC236}">
-                <a16:creationId xmlns:a16="http://schemas.microsoft.com/office/drawing/2014/main" id="{336671FF-F2F6-994F-843B-618CA361EB2E}"/>
+                <a16:creationId xmlns:a16="http://schemas.microsoft.com/office/drawing/2014/main" id="{2E647EC9-A670-1344-9509-E4197E0788C0}"/>
               </a:ext>
             </a:extLst>
           </p:cNvPr>
@@ -7321,10 +7822,10 @@
       </p:sp>
       <p:sp>
         <p:nvSpPr>
-          <p:cNvPr id="5" name="テキスト ボックス 4">
+          <p:cNvPr id="4" name="テキスト ボックス 3">
             <a:extLst>
               <a:ext uri="{FF2B5EF4-FFF2-40B4-BE49-F238E27FC236}">
-                <a16:creationId xmlns:a16="http://schemas.microsoft.com/office/drawing/2014/main" id="{67117ED8-0DC7-D044-8106-9C703F55E7CC}"/>
+                <a16:creationId xmlns:a16="http://schemas.microsoft.com/office/drawing/2014/main" id="{8F250140-C193-7F49-9B0C-127483F6BC0B}"/>
               </a:ext>
             </a:extLst>
           </p:cNvPr>
@@ -7333,8 +7834,8 @@
         </p:nvSpPr>
         <p:spPr>
           <a:xfrm>
-            <a:off x="905619" y="1239732"/>
-            <a:ext cx="7615383" cy="1200329"/>
+            <a:off x="1261068" y="6073392"/>
+            <a:ext cx="6691062" cy="369332"/>
           </a:xfrm>
           <a:prstGeom prst="rect">
             <a:avLst/>
@@ -7342,125 +7843,54 @@
           <a:noFill/>
         </p:spPr>
         <p:txBody>
-          <a:bodyPr wrap="square" rtlCol="0">
+          <a:bodyPr wrap="none" rtlCol="0">
             <a:spAutoFit/>
           </a:bodyPr>
           <a:lstStyle/>
           <a:p>
-            <a:r>
-              <a:rPr lang="en-US" altLang="ja-JP" dirty="0"/>
-              <a:t>Unzip (double click ) the file, and then double click a jar file,</a:t>
-            </a:r>
-          </a:p>
-          <a:p>
-            <a:pPr lvl="1"/>
-            <a:r>
-              <a:rPr lang="en-US" altLang="ja-JP" dirty="0"/>
-              <a:t>sindo-4.0_xxxx/JSindo/jar/JSindo-4.0_fat.jar </a:t>
-            </a:r>
-          </a:p>
-          <a:p>
-            <a:endParaRPr lang="en-US" altLang="ja-JP" dirty="0"/>
-          </a:p>
-          <a:p>
-            <a:r>
-              <a:rPr lang="en-US" altLang="ja-JP" dirty="0"/>
-              <a:t>You will see a control panel of </a:t>
-            </a:r>
-            <a:r>
-              <a:rPr lang="en-US" altLang="ja-JP" dirty="0" err="1"/>
-              <a:t>JSindo</a:t>
-            </a:r>
-            <a:r>
-              <a:rPr lang="en-US" altLang="ja-JP" dirty="0"/>
-              <a:t>. </a:t>
-            </a:r>
-          </a:p>
-        </p:txBody>
-      </p:sp>
-      <p:sp>
-        <p:nvSpPr>
-          <p:cNvPr id="6" name="テキスト ボックス 5">
+            <a:pPr marL="0" marR="0" lvl="0" indent="0" algn="l" defTabSz="914400" rtl="0" eaLnBrk="1" fontAlgn="auto" latinLnBrk="0" hangingPunct="1">
+              <a:lnSpc>
+                <a:spcPct val="100000"/>
+              </a:lnSpc>
+              <a:spcBef>
+                <a:spcPts val="0"/>
+              </a:spcBef>
+              <a:spcAft>
+                <a:spcPts val="0"/>
+              </a:spcAft>
+              <a:buClrTx/>
+              <a:buSzTx/>
+              <a:buFontTx/>
+              <a:buNone/>
+              <a:tabLst/>
+              <a:defRPr/>
+            </a:pPr>
+            <a:r>
+              <a:rPr kumimoji="1" lang="en-US" altLang="ja-JP" sz="1800" b="0" i="0" u="none" strike="noStrike" kern="1200" cap="none" spc="0" normalizeH="0" baseline="0" noProof="0">
+                <a:ln>
+                  <a:noFill/>
+                </a:ln>
+                <a:solidFill>
+                  <a:prstClr val="black"/>
+                </a:solidFill>
+                <a:effectLst/>
+                <a:uLnTx/>
+                <a:uFillTx/>
+                <a:latin typeface="Calibri" panose="020F0502020204030204"/>
+                <a:ea typeface="メイリオ" panose="020B0604030504040204" pitchFamily="34" charset="-128"/>
+                <a:cs typeface="+mn-cs"/>
+              </a:rPr>
+              <a:t>Execute (double click) the downloaded file, and follow the instruction.</a:t>
+            </a:r>
+          </a:p>
+        </p:txBody>
+      </p:sp>
+      <p:pic>
+        <p:nvPicPr>
+          <p:cNvPr id="6" name="図 5">
             <a:extLst>
               <a:ext uri="{FF2B5EF4-FFF2-40B4-BE49-F238E27FC236}">
-                <a16:creationId xmlns:a16="http://schemas.microsoft.com/office/drawing/2014/main" id="{4A47C6A8-61BF-9544-8DFB-327053B7D75B}"/>
-              </a:ext>
-            </a:extLst>
-          </p:cNvPr>
-          <p:cNvSpPr txBox="1"/>
-          <p:nvPr/>
-        </p:nvSpPr>
-        <p:spPr>
-          <a:xfrm>
-            <a:off x="901214" y="4155157"/>
-            <a:ext cx="7242661" cy="646331"/>
-          </a:xfrm>
-          <a:prstGeom prst="rect">
-            <a:avLst/>
-          </a:prstGeom>
-          <a:noFill/>
-        </p:spPr>
-        <p:txBody>
-          <a:bodyPr wrap="square" rtlCol="0">
-            <a:spAutoFit/>
-          </a:bodyPr>
-          <a:lstStyle/>
-          <a:p>
-            <a:r>
-              <a:rPr lang="en-US" altLang="ja-JP" dirty="0"/>
-              <a:t>You can copy this file to any place (e.g., Desktop), so that you can easily start up the program.</a:t>
-            </a:r>
-          </a:p>
-        </p:txBody>
-      </p:sp>
-      <p:sp>
-        <p:nvSpPr>
-          <p:cNvPr id="7" name="テキスト ボックス 6">
-            <a:extLst>
-              <a:ext uri="{FF2B5EF4-FFF2-40B4-BE49-F238E27FC236}">
-                <a16:creationId xmlns:a16="http://schemas.microsoft.com/office/drawing/2014/main" id="{15B2E20A-080B-0848-84D4-1146D4A69AF3}"/>
-              </a:ext>
-            </a:extLst>
-          </p:cNvPr>
-          <p:cNvSpPr txBox="1"/>
-          <p:nvPr/>
-        </p:nvSpPr>
-        <p:spPr>
-          <a:xfrm>
-            <a:off x="865100" y="308102"/>
-            <a:ext cx="8014724" cy="646331"/>
-          </a:xfrm>
-          <a:prstGeom prst="rect">
-            <a:avLst/>
-          </a:prstGeom>
-          <a:noFill/>
-        </p:spPr>
-        <p:txBody>
-          <a:bodyPr wrap="square" rtlCol="0">
-            <a:spAutoFit/>
-          </a:bodyPr>
-          <a:lstStyle/>
-          <a:p>
-            <a:r>
-              <a:rPr lang="en-US" altLang="ja-JP" dirty="0"/>
-              <a:t>Download sindo-4.0_xxxx.zip from our website:</a:t>
-            </a:r>
-          </a:p>
-          <a:p>
-            <a:pPr lvl="1"/>
-            <a:r>
-              <a:rPr lang="en-US" altLang="ja-JP" dirty="0"/>
-              <a:t>https://tms.riken.jp/en/research/software/sindo</a:t>
-            </a:r>
-          </a:p>
-        </p:txBody>
-      </p:sp>
-      <p:pic>
-        <p:nvPicPr>
-          <p:cNvPr id="2" name="図 1">
-            <a:extLst>
-              <a:ext uri="{FF2B5EF4-FFF2-40B4-BE49-F238E27FC236}">
-                <a16:creationId xmlns:a16="http://schemas.microsoft.com/office/drawing/2014/main" id="{841ADE8A-6941-45A4-966F-665ABD003C48}"/>
+                <a16:creationId xmlns:a16="http://schemas.microsoft.com/office/drawing/2014/main" id="{6BE074B7-778B-CB4F-A4D3-FEBFF31ABA9A}"/>
               </a:ext>
             </a:extLst>
           </p:cNvPr>
@@ -7477,18 +7907,487 @@
         </p:blipFill>
         <p:spPr>
           <a:xfrm>
-            <a:off x="2221395" y="2499691"/>
-            <a:ext cx="3889616" cy="1449857"/>
+            <a:off x="1497160" y="1060536"/>
+            <a:ext cx="6177268" cy="4907966"/>
           </a:xfrm>
           <a:prstGeom prst="rect">
             <a:avLst/>
           </a:prstGeom>
         </p:spPr>
       </p:pic>
+      <p:sp>
+        <p:nvSpPr>
+          <p:cNvPr id="7" name="正方形/長方形 6">
+            <a:extLst>
+              <a:ext uri="{FF2B5EF4-FFF2-40B4-BE49-F238E27FC236}">
+                <a16:creationId xmlns:a16="http://schemas.microsoft.com/office/drawing/2014/main" id="{B2BB40C6-1DAE-2C4A-A6E7-E6407C58C27E}"/>
+              </a:ext>
+            </a:extLst>
+          </p:cNvPr>
+          <p:cNvSpPr/>
+          <p:nvPr/>
+        </p:nvSpPr>
+        <p:spPr>
+          <a:xfrm>
+            <a:off x="1818933" y="3450772"/>
+            <a:ext cx="760981" cy="304800"/>
+          </a:xfrm>
+          <a:prstGeom prst="rect">
+            <a:avLst/>
+          </a:prstGeom>
+          <a:noFill/>
+          <a:ln w="28575">
+            <a:solidFill>
+              <a:srgbClr val="00B050"/>
+            </a:solidFill>
+            <a:prstDash val="sysDash"/>
+          </a:ln>
+        </p:spPr>
+        <p:style>
+          <a:lnRef idx="2">
+            <a:schemeClr val="accent1">
+              <a:shade val="50000"/>
+            </a:schemeClr>
+          </a:lnRef>
+          <a:fillRef idx="1">
+            <a:schemeClr val="accent1"/>
+          </a:fillRef>
+          <a:effectRef idx="0">
+            <a:schemeClr val="accent1"/>
+          </a:effectRef>
+          <a:fontRef idx="minor">
+            <a:schemeClr val="lt1"/>
+          </a:fontRef>
+        </p:style>
+        <p:txBody>
+          <a:bodyPr rtlCol="0" anchor="ctr"/>
+          <a:lstStyle/>
+          <a:p>
+            <a:pPr marL="0" marR="0" lvl="0" indent="0" algn="ctr" defTabSz="914400" rtl="0" eaLnBrk="1" fontAlgn="auto" latinLnBrk="0" hangingPunct="1">
+              <a:lnSpc>
+                <a:spcPct val="100000"/>
+              </a:lnSpc>
+              <a:spcBef>
+                <a:spcPts val="0"/>
+              </a:spcBef>
+              <a:spcAft>
+                <a:spcPts val="0"/>
+              </a:spcAft>
+              <a:buClrTx/>
+              <a:buSzTx/>
+              <a:buFontTx/>
+              <a:buNone/>
+              <a:tabLst/>
+              <a:defRPr/>
+            </a:pPr>
+            <a:endParaRPr kumimoji="1" lang="ja-JP" altLang="en-US" sz="1800" b="0" i="0" u="none" strike="noStrike" kern="1200" cap="none" spc="0" normalizeH="0" baseline="0" noProof="0">
+              <a:ln>
+                <a:noFill/>
+              </a:ln>
+              <a:solidFill>
+                <a:prstClr val="white"/>
+              </a:solidFill>
+              <a:effectLst/>
+              <a:uLnTx/>
+              <a:uFillTx/>
+              <a:latin typeface="Calibri" panose="020F0502020204030204"/>
+              <a:ea typeface="メイリオ" panose="020B0604030504040204" pitchFamily="34" charset="-128"/>
+              <a:cs typeface="+mn-cs"/>
+            </a:endParaRPr>
+          </a:p>
+        </p:txBody>
+      </p:sp>
+      <p:sp>
+        <p:nvSpPr>
+          <p:cNvPr id="8" name="テキスト ボックス 7">
+            <a:extLst>
+              <a:ext uri="{FF2B5EF4-FFF2-40B4-BE49-F238E27FC236}">
+                <a16:creationId xmlns:a16="http://schemas.microsoft.com/office/drawing/2014/main" id="{41D4CB38-7EEE-3E42-AF7D-F5B873DB55D6}"/>
+              </a:ext>
+            </a:extLst>
+          </p:cNvPr>
+          <p:cNvSpPr txBox="1"/>
+          <p:nvPr/>
+        </p:nvSpPr>
+        <p:spPr>
+          <a:xfrm>
+            <a:off x="821707" y="3010481"/>
+            <a:ext cx="1807161" cy="369332"/>
+          </a:xfrm>
+          <a:prstGeom prst="rect">
+            <a:avLst/>
+          </a:prstGeom>
+          <a:noFill/>
+        </p:spPr>
+        <p:txBody>
+          <a:bodyPr wrap="none" rtlCol="0">
+            <a:spAutoFit/>
+          </a:bodyPr>
+          <a:lstStyle/>
+          <a:p>
+            <a:pPr marL="0" marR="0" lvl="0" indent="0" algn="l" defTabSz="914400" rtl="0" eaLnBrk="1" fontAlgn="auto" latinLnBrk="0" hangingPunct="1">
+              <a:lnSpc>
+                <a:spcPct val="100000"/>
+              </a:lnSpc>
+              <a:spcBef>
+                <a:spcPts val="0"/>
+              </a:spcBef>
+              <a:spcAft>
+                <a:spcPts val="0"/>
+              </a:spcAft>
+              <a:buClrTx/>
+              <a:buSzTx/>
+              <a:buFontTx/>
+              <a:buNone/>
+              <a:tabLst/>
+              <a:defRPr/>
+            </a:pPr>
+            <a:r>
+              <a:rPr kumimoji="1" lang="en-US" altLang="ja-JP" sz="1800" b="0" i="0" u="none" strike="noStrike" kern="1200" cap="none" spc="0" normalizeH="0" baseline="0" noProof="0" dirty="0">
+                <a:ln>
+                  <a:noFill/>
+                </a:ln>
+                <a:solidFill>
+                  <a:prstClr val="black"/>
+                </a:solidFill>
+                <a:effectLst/>
+                <a:uLnTx/>
+                <a:uFillTx/>
+                <a:latin typeface="Calibri" panose="020F0502020204030204"/>
+                <a:ea typeface="メイリオ" panose="020B0604030504040204" pitchFamily="34" charset="-128"/>
+                <a:cs typeface="+mn-cs"/>
+              </a:rPr>
+              <a:t>Choose Windows</a:t>
+            </a:r>
+            <a:endParaRPr kumimoji="1" lang="ja-JP" altLang="en-US" sz="1800" b="0" i="0" u="none" strike="noStrike" kern="1200" cap="none" spc="0" normalizeH="0" baseline="0" noProof="0" dirty="0">
+              <a:ln>
+                <a:noFill/>
+              </a:ln>
+              <a:solidFill>
+                <a:prstClr val="black"/>
+              </a:solidFill>
+              <a:effectLst/>
+              <a:uLnTx/>
+              <a:uFillTx/>
+              <a:latin typeface="Calibri" panose="020F0502020204030204"/>
+              <a:ea typeface="メイリオ" panose="020B0604030504040204" pitchFamily="34" charset="-128"/>
+              <a:cs typeface="+mn-cs"/>
+            </a:endParaRPr>
+          </a:p>
+        </p:txBody>
+      </p:sp>
+      <p:sp>
+        <p:nvSpPr>
+          <p:cNvPr id="9" name="正方形/長方形 8">
+            <a:extLst>
+              <a:ext uri="{FF2B5EF4-FFF2-40B4-BE49-F238E27FC236}">
+                <a16:creationId xmlns:a16="http://schemas.microsoft.com/office/drawing/2014/main" id="{E18078C7-A587-6647-95BB-804117CD8283}"/>
+              </a:ext>
+            </a:extLst>
+          </p:cNvPr>
+          <p:cNvSpPr/>
+          <p:nvPr/>
+        </p:nvSpPr>
+        <p:spPr>
+          <a:xfrm>
+            <a:off x="5925074" y="3450772"/>
+            <a:ext cx="1564297" cy="304800"/>
+          </a:xfrm>
+          <a:prstGeom prst="rect">
+            <a:avLst/>
+          </a:prstGeom>
+          <a:noFill/>
+          <a:ln w="28575">
+            <a:solidFill>
+              <a:srgbClr val="00B050"/>
+            </a:solidFill>
+            <a:prstDash val="sysDash"/>
+          </a:ln>
+        </p:spPr>
+        <p:style>
+          <a:lnRef idx="2">
+            <a:schemeClr val="accent1">
+              <a:shade val="50000"/>
+            </a:schemeClr>
+          </a:lnRef>
+          <a:fillRef idx="1">
+            <a:schemeClr val="accent1"/>
+          </a:fillRef>
+          <a:effectRef idx="0">
+            <a:schemeClr val="accent1"/>
+          </a:effectRef>
+          <a:fontRef idx="minor">
+            <a:schemeClr val="lt1"/>
+          </a:fontRef>
+        </p:style>
+        <p:txBody>
+          <a:bodyPr rtlCol="0" anchor="ctr"/>
+          <a:lstStyle/>
+          <a:p>
+            <a:pPr marL="0" marR="0" lvl="0" indent="0" algn="ctr" defTabSz="914400" rtl="0" eaLnBrk="1" fontAlgn="auto" latinLnBrk="0" hangingPunct="1">
+              <a:lnSpc>
+                <a:spcPct val="100000"/>
+              </a:lnSpc>
+              <a:spcBef>
+                <a:spcPts val="0"/>
+              </a:spcBef>
+              <a:spcAft>
+                <a:spcPts val="0"/>
+              </a:spcAft>
+              <a:buClrTx/>
+              <a:buSzTx/>
+              <a:buFontTx/>
+              <a:buNone/>
+              <a:tabLst/>
+              <a:defRPr/>
+            </a:pPr>
+            <a:endParaRPr kumimoji="1" lang="ja-JP" altLang="en-US" sz="1800" b="0" i="0" u="none" strike="noStrike" kern="1200" cap="none" spc="0" normalizeH="0" baseline="0" noProof="0">
+              <a:ln>
+                <a:noFill/>
+              </a:ln>
+              <a:solidFill>
+                <a:prstClr val="white"/>
+              </a:solidFill>
+              <a:effectLst/>
+              <a:uLnTx/>
+              <a:uFillTx/>
+              <a:latin typeface="Calibri" panose="020F0502020204030204"/>
+              <a:ea typeface="メイリオ" panose="020B0604030504040204" pitchFamily="34" charset="-128"/>
+              <a:cs typeface="+mn-cs"/>
+            </a:endParaRPr>
+          </a:p>
+        </p:txBody>
+      </p:sp>
+      <p:sp>
+        <p:nvSpPr>
+          <p:cNvPr id="10" name="テキスト ボックス 9">
+            <a:extLst>
+              <a:ext uri="{FF2B5EF4-FFF2-40B4-BE49-F238E27FC236}">
+                <a16:creationId xmlns:a16="http://schemas.microsoft.com/office/drawing/2014/main" id="{E4C175BB-B979-784E-BC1B-E081CEA42261}"/>
+              </a:ext>
+            </a:extLst>
+          </p:cNvPr>
+          <p:cNvSpPr txBox="1"/>
+          <p:nvPr/>
+        </p:nvSpPr>
+        <p:spPr>
+          <a:xfrm>
+            <a:off x="6517163" y="3010481"/>
+            <a:ext cx="1916487" cy="369332"/>
+          </a:xfrm>
+          <a:prstGeom prst="rect">
+            <a:avLst/>
+          </a:prstGeom>
+          <a:noFill/>
+        </p:spPr>
+        <p:txBody>
+          <a:bodyPr wrap="none" rtlCol="0">
+            <a:spAutoFit/>
+          </a:bodyPr>
+          <a:lstStyle/>
+          <a:p>
+            <a:pPr marL="0" marR="0" lvl="0" indent="0" algn="l" defTabSz="914400" rtl="0" eaLnBrk="1" fontAlgn="auto" latinLnBrk="0" hangingPunct="1">
+              <a:lnSpc>
+                <a:spcPct val="100000"/>
+              </a:lnSpc>
+              <a:spcBef>
+                <a:spcPts val="0"/>
+              </a:spcBef>
+              <a:spcAft>
+                <a:spcPts val="0"/>
+              </a:spcAft>
+              <a:buClrTx/>
+              <a:buSzTx/>
+              <a:buFontTx/>
+              <a:buNone/>
+              <a:tabLst/>
+              <a:defRPr/>
+            </a:pPr>
+            <a:r>
+              <a:rPr kumimoji="1" lang="en-US" altLang="ja-JP" sz="1800" b="0" i="0" u="none" strike="noStrike" kern="1200" cap="none" spc="0" normalizeH="0" baseline="0" noProof="0" dirty="0">
+                <a:ln>
+                  <a:noFill/>
+                </a:ln>
+                <a:solidFill>
+                  <a:prstClr val="black"/>
+                </a:solidFill>
+                <a:effectLst/>
+                <a:uLnTx/>
+                <a:uFillTx/>
+                <a:latin typeface="Calibri" panose="020F0502020204030204"/>
+                <a:ea typeface="メイリオ" panose="020B0604030504040204" pitchFamily="34" charset="-128"/>
+                <a:cs typeface="+mn-cs"/>
+              </a:rPr>
+              <a:t>Choose Version 11</a:t>
+            </a:r>
+            <a:endParaRPr kumimoji="1" lang="ja-JP" altLang="en-US" sz="1800" b="0" i="0" u="none" strike="noStrike" kern="1200" cap="none" spc="0" normalizeH="0" baseline="0" noProof="0" dirty="0">
+              <a:ln>
+                <a:noFill/>
+              </a:ln>
+              <a:solidFill>
+                <a:prstClr val="black"/>
+              </a:solidFill>
+              <a:effectLst/>
+              <a:uLnTx/>
+              <a:uFillTx/>
+              <a:latin typeface="Calibri" panose="020F0502020204030204"/>
+              <a:ea typeface="メイリオ" panose="020B0604030504040204" pitchFamily="34" charset="-128"/>
+              <a:cs typeface="+mn-cs"/>
+            </a:endParaRPr>
+          </a:p>
+        </p:txBody>
+      </p:sp>
+      <p:sp>
+        <p:nvSpPr>
+          <p:cNvPr id="11" name="正方形/長方形 10">
+            <a:extLst>
+              <a:ext uri="{FF2B5EF4-FFF2-40B4-BE49-F238E27FC236}">
+                <a16:creationId xmlns:a16="http://schemas.microsoft.com/office/drawing/2014/main" id="{E6678A0E-C650-3D49-9D0D-26783490CBF3}"/>
+              </a:ext>
+            </a:extLst>
+          </p:cNvPr>
+          <p:cNvSpPr/>
+          <p:nvPr/>
+        </p:nvSpPr>
+        <p:spPr>
+          <a:xfrm>
+            <a:off x="6211483" y="4118114"/>
+            <a:ext cx="722717" cy="304800"/>
+          </a:xfrm>
+          <a:prstGeom prst="rect">
+            <a:avLst/>
+          </a:prstGeom>
+          <a:noFill/>
+          <a:ln w="28575">
+            <a:solidFill>
+              <a:srgbClr val="00B050"/>
+            </a:solidFill>
+            <a:prstDash val="sysDash"/>
+          </a:ln>
+        </p:spPr>
+        <p:style>
+          <a:lnRef idx="2">
+            <a:schemeClr val="accent1">
+              <a:shade val="50000"/>
+            </a:schemeClr>
+          </a:lnRef>
+          <a:fillRef idx="1">
+            <a:schemeClr val="accent1"/>
+          </a:fillRef>
+          <a:effectRef idx="0">
+            <a:schemeClr val="accent1"/>
+          </a:effectRef>
+          <a:fontRef idx="minor">
+            <a:schemeClr val="lt1"/>
+          </a:fontRef>
+        </p:style>
+        <p:txBody>
+          <a:bodyPr rtlCol="0" anchor="ctr"/>
+          <a:lstStyle/>
+          <a:p>
+            <a:pPr marL="0" marR="0" lvl="0" indent="0" algn="ctr" defTabSz="914400" rtl="0" eaLnBrk="1" fontAlgn="auto" latinLnBrk="0" hangingPunct="1">
+              <a:lnSpc>
+                <a:spcPct val="100000"/>
+              </a:lnSpc>
+              <a:spcBef>
+                <a:spcPts val="0"/>
+              </a:spcBef>
+              <a:spcAft>
+                <a:spcPts val="0"/>
+              </a:spcAft>
+              <a:buClrTx/>
+              <a:buSzTx/>
+              <a:buFontTx/>
+              <a:buNone/>
+              <a:tabLst/>
+              <a:defRPr/>
+            </a:pPr>
+            <a:endParaRPr kumimoji="1" lang="ja-JP" altLang="en-US" sz="1800" b="0" i="0" u="none" strike="noStrike" kern="1200" cap="none" spc="0" normalizeH="0" baseline="0" noProof="0">
+              <a:ln>
+                <a:noFill/>
+              </a:ln>
+              <a:solidFill>
+                <a:prstClr val="white"/>
+              </a:solidFill>
+              <a:effectLst/>
+              <a:uLnTx/>
+              <a:uFillTx/>
+              <a:latin typeface="Calibri" panose="020F0502020204030204"/>
+              <a:ea typeface="メイリオ" panose="020B0604030504040204" pitchFamily="34" charset="-128"/>
+              <a:cs typeface="+mn-cs"/>
+            </a:endParaRPr>
+          </a:p>
+        </p:txBody>
+      </p:sp>
+      <p:sp>
+        <p:nvSpPr>
+          <p:cNvPr id="13" name="テキスト ボックス 12">
+            <a:extLst>
+              <a:ext uri="{FF2B5EF4-FFF2-40B4-BE49-F238E27FC236}">
+                <a16:creationId xmlns:a16="http://schemas.microsoft.com/office/drawing/2014/main" id="{DE6D21B1-15D0-2F42-BA86-21A374188218}"/>
+              </a:ext>
+            </a:extLst>
+          </p:cNvPr>
+          <p:cNvSpPr txBox="1"/>
+          <p:nvPr/>
+        </p:nvSpPr>
+        <p:spPr>
+          <a:xfrm>
+            <a:off x="7005195" y="4105538"/>
+            <a:ext cx="1855060" cy="369332"/>
+          </a:xfrm>
+          <a:prstGeom prst="rect">
+            <a:avLst/>
+          </a:prstGeom>
+          <a:noFill/>
+        </p:spPr>
+        <p:txBody>
+          <a:bodyPr wrap="none" rtlCol="0">
+            <a:spAutoFit/>
+          </a:bodyPr>
+          <a:lstStyle/>
+          <a:p>
+            <a:pPr marL="0" marR="0" lvl="0" indent="0" algn="l" defTabSz="914400" rtl="0" eaLnBrk="1" fontAlgn="auto" latinLnBrk="0" hangingPunct="1">
+              <a:lnSpc>
+                <a:spcPct val="100000"/>
+              </a:lnSpc>
+              <a:spcBef>
+                <a:spcPts val="0"/>
+              </a:spcBef>
+              <a:spcAft>
+                <a:spcPts val="0"/>
+              </a:spcAft>
+              <a:buClrTx/>
+              <a:buSzTx/>
+              <a:buFontTx/>
+              <a:buNone/>
+              <a:tabLst/>
+              <a:defRPr/>
+            </a:pPr>
+            <a:r>
+              <a:rPr kumimoji="1" lang="en-US" altLang="ja-JP" sz="1800" b="0" i="0" u="none" strike="noStrike" kern="1200" cap="none" spc="0" normalizeH="0" baseline="0" noProof="0" dirty="0">
+                <a:ln>
+                  <a:noFill/>
+                </a:ln>
+                <a:solidFill>
+                  <a:prstClr val="black"/>
+                </a:solidFill>
+                <a:effectLst/>
+                <a:uLnTx/>
+                <a:uFillTx/>
+                <a:latin typeface="Calibri" panose="020F0502020204030204"/>
+                <a:ea typeface="メイリオ" panose="020B0604030504040204" pitchFamily="34" charset="-128"/>
+                <a:cs typeface="+mn-cs"/>
+              </a:rPr>
+              <a:t>Click to download</a:t>
+            </a:r>
+          </a:p>
+        </p:txBody>
+      </p:sp>
     </p:spTree>
     <p:extLst>
       <p:ext uri="{BB962C8B-B14F-4D97-AF65-F5344CB8AC3E}">
-        <p14:creationId xmlns:p14="http://schemas.microsoft.com/office/powerpoint/2010/main" val="691672662"/>
+        <p14:creationId xmlns:p14="http://schemas.microsoft.com/office/powerpoint/2010/main" val="4036410183"/>
       </p:ext>
     </p:extLst>
   </p:cSld>
@@ -7517,39 +8416,10 @@
       </p:grpSpPr>
       <p:sp>
         <p:nvSpPr>
-          <p:cNvPr id="2" name="タイトル 1">
-            <a:extLst>
-              <a:ext uri="{FF2B5EF4-FFF2-40B4-BE49-F238E27FC236}">
-                <a16:creationId xmlns:a16="http://schemas.microsoft.com/office/drawing/2014/main" id="{2DC0BA3B-D01F-434E-B1CD-DDAF4105BF8C}"/>
-              </a:ext>
-            </a:extLst>
-          </p:cNvPr>
-          <p:cNvSpPr>
-            <a:spLocks noGrp="1"/>
-          </p:cNvSpPr>
-          <p:nvPr>
-            <p:ph type="title"/>
-          </p:nvPr>
-        </p:nvSpPr>
-        <p:spPr/>
-        <p:txBody>
-          <a:bodyPr/>
-          <a:lstStyle/>
-          <a:p>
-            <a:r>
-              <a:rPr lang="en-US" altLang="ja-JP" dirty="0"/>
-              <a:t>MacOS</a:t>
-            </a:r>
-            <a:endParaRPr kumimoji="1" lang="ja-JP" altLang="en-US"/>
-          </a:p>
-        </p:txBody>
-      </p:sp>
-      <p:sp>
-        <p:nvSpPr>
           <p:cNvPr id="3" name="スライド番号プレースホルダー 2">
             <a:extLst>
               <a:ext uri="{FF2B5EF4-FFF2-40B4-BE49-F238E27FC236}">
-                <a16:creationId xmlns:a16="http://schemas.microsoft.com/office/drawing/2014/main" id="{F429B453-2789-E24D-A476-54E883CBEFA8}"/>
+                <a16:creationId xmlns:a16="http://schemas.microsoft.com/office/drawing/2014/main" id="{336671FF-F2F6-994F-843B-618CA361EB2E}"/>
               </a:ext>
             </a:extLst>
           </p:cNvPr>
@@ -7575,10 +8445,10 @@
       </p:sp>
       <p:sp>
         <p:nvSpPr>
-          <p:cNvPr id="14" name="テキスト ボックス 13">
+          <p:cNvPr id="5" name="テキスト ボックス 4">
             <a:extLst>
               <a:ext uri="{FF2B5EF4-FFF2-40B4-BE49-F238E27FC236}">
-                <a16:creationId xmlns:a16="http://schemas.microsoft.com/office/drawing/2014/main" id="{72C6EDAB-3F44-EB4C-95EE-76383F01DE14}"/>
+                <a16:creationId xmlns:a16="http://schemas.microsoft.com/office/drawing/2014/main" id="{67117ED8-0DC7-D044-8106-9C703F55E7CC}"/>
               </a:ext>
             </a:extLst>
           </p:cNvPr>
@@ -7587,8 +8457,8 @@
         </p:nvSpPr>
         <p:spPr>
           <a:xfrm>
-            <a:off x="854110" y="964642"/>
-            <a:ext cx="2113784" cy="369332"/>
+            <a:off x="905619" y="1239732"/>
+            <a:ext cx="7615383" cy="1200329"/>
           </a:xfrm>
           <a:prstGeom prst="rect">
             <a:avLst/>
@@ -7596,25 +8466,48 @@
           <a:noFill/>
         </p:spPr>
         <p:txBody>
-          <a:bodyPr wrap="none" rtlCol="0">
+          <a:bodyPr wrap="square" rtlCol="0">
             <a:spAutoFit/>
           </a:bodyPr>
           <a:lstStyle/>
           <a:p>
             <a:r>
-              <a:rPr kumimoji="1" lang="en-US" altLang="ja-JP"/>
-              <a:t>Download OpenJDK</a:t>
-            </a:r>
-            <a:endParaRPr kumimoji="1" lang="ja-JP" altLang="en-US"/>
-          </a:p>
-        </p:txBody>
-      </p:sp>
-      <p:sp>
-        <p:nvSpPr>
-          <p:cNvPr id="16" name="テキスト ボックス 15">
+              <a:rPr lang="en-US" altLang="ja-JP" dirty="0"/>
+              <a:t>Unzip (double click ) the file, and then double click a jar file,</a:t>
+            </a:r>
+          </a:p>
+          <a:p>
+            <a:pPr lvl="1"/>
+            <a:r>
+              <a:rPr lang="en-US" altLang="ja-JP" dirty="0"/>
+              <a:t>sindo-4.0_xxxx/JSindo/jar/JSindo-4.0_fat.jar </a:t>
+            </a:r>
+          </a:p>
+          <a:p>
+            <a:endParaRPr lang="en-US" altLang="ja-JP" dirty="0"/>
+          </a:p>
+          <a:p>
+            <a:r>
+              <a:rPr lang="en-US" altLang="ja-JP" dirty="0"/>
+              <a:t>You will see a control panel of </a:t>
+            </a:r>
+            <a:r>
+              <a:rPr lang="en-US" altLang="ja-JP" dirty="0" err="1"/>
+              <a:t>JSindo</a:t>
+            </a:r>
+            <a:r>
+              <a:rPr lang="en-US" altLang="ja-JP" dirty="0"/>
+              <a:t>. </a:t>
+            </a:r>
+          </a:p>
+        </p:txBody>
+      </p:sp>
+      <p:sp>
+        <p:nvSpPr>
+          <p:cNvPr id="6" name="テキスト ボックス 5">
             <a:extLst>
               <a:ext uri="{FF2B5EF4-FFF2-40B4-BE49-F238E27FC236}">
-                <a16:creationId xmlns:a16="http://schemas.microsoft.com/office/drawing/2014/main" id="{809A77FD-302D-9C4E-8F9A-5FF87A7A44B4}"/>
+                <a16:creationId xmlns:a16="http://schemas.microsoft.com/office/drawing/2014/main" id="{4A47C6A8-61BF-9544-8DFB-327053B7D75B}"/>
               </a:ext>
             </a:extLst>
           </p:cNvPr>
@@ -7623,8 +8516,8 @@
         </p:nvSpPr>
         <p:spPr>
           <a:xfrm>
-            <a:off x="2934118" y="1366576"/>
-            <a:ext cx="3274358" cy="369332"/>
+            <a:off x="901214" y="4155157"/>
+            <a:ext cx="7242661" cy="646331"/>
           </a:xfrm>
           <a:prstGeom prst="rect">
             <a:avLst/>
@@ -7632,201 +8525,24 @@
           <a:noFill/>
         </p:spPr>
         <p:txBody>
-          <a:bodyPr wrap="none" rtlCol="0">
+          <a:bodyPr wrap="square" rtlCol="0">
             <a:spAutoFit/>
           </a:bodyPr>
           <a:lstStyle/>
           <a:p>
             <a:r>
-              <a:rPr lang="en-US" altLang="ja-JP"/>
-              <a:t>https://adoptium.net/index.html</a:t>
-            </a:r>
-            <a:endParaRPr kumimoji="1" lang="ja-JP" altLang="en-US"/>
-          </a:p>
-        </p:txBody>
-      </p:sp>
-      <p:grpSp>
-        <p:nvGrpSpPr>
-          <p:cNvPr id="7" name="グループ化 6">
+              <a:rPr lang="en-US" altLang="ja-JP" dirty="0"/>
+              <a:t>You can copy this file to any place (e.g., Desktop), so that you can easily start up the program.</a:t>
+            </a:r>
+          </a:p>
+        </p:txBody>
+      </p:sp>
+      <p:sp>
+        <p:nvSpPr>
+          <p:cNvPr id="7" name="テキスト ボックス 6">
             <a:extLst>
               <a:ext uri="{FF2B5EF4-FFF2-40B4-BE49-F238E27FC236}">
-                <a16:creationId xmlns:a16="http://schemas.microsoft.com/office/drawing/2014/main" id="{5DDF797E-F77D-FA4E-9C1F-58DF5AADCA23}"/>
-              </a:ext>
-            </a:extLst>
-          </p:cNvPr>
-          <p:cNvGrpSpPr/>
-          <p:nvPr/>
-        </p:nvGrpSpPr>
-        <p:grpSpPr>
-          <a:xfrm>
-            <a:off x="2030020" y="1657978"/>
-            <a:ext cx="4604495" cy="3572189"/>
-            <a:chOff x="4341140" y="110532"/>
-            <a:chExt cx="4604495" cy="3572189"/>
-          </a:xfrm>
-        </p:grpSpPr>
-        <p:pic>
-          <p:nvPicPr>
-            <p:cNvPr id="5" name="図 4">
-              <a:extLst>
-                <a:ext uri="{FF2B5EF4-FFF2-40B4-BE49-F238E27FC236}">
-                  <a16:creationId xmlns:a16="http://schemas.microsoft.com/office/drawing/2014/main" id="{2B205B31-D3BC-584C-8BC4-DF67A0BCF895}"/>
-                </a:ext>
-              </a:extLst>
-            </p:cNvPr>
-            <p:cNvPicPr>
-              <a:picLocks noChangeAspect="1"/>
-            </p:cNvPicPr>
-            <p:nvPr/>
-          </p:nvPicPr>
-          <p:blipFill>
-            <a:blip r:embed="rId2"/>
-            <a:stretch>
-              <a:fillRect/>
-            </a:stretch>
-          </p:blipFill>
-          <p:spPr>
-            <a:xfrm>
-              <a:off x="4912762" y="110532"/>
-              <a:ext cx="4032873" cy="3572189"/>
-            </a:xfrm>
-            <a:prstGeom prst="rect">
-              <a:avLst/>
-            </a:prstGeom>
-          </p:spPr>
-        </p:pic>
-        <p:sp>
-          <p:nvSpPr>
-            <p:cNvPr id="10" name="テキスト ボックス 9">
-              <a:extLst>
-                <a:ext uri="{FF2B5EF4-FFF2-40B4-BE49-F238E27FC236}">
-                  <a16:creationId xmlns:a16="http://schemas.microsoft.com/office/drawing/2014/main" id="{1E8352CA-5193-2A46-9E11-32FEAFAC2BC6}"/>
-                </a:ext>
-              </a:extLst>
-            </p:cNvPr>
-            <p:cNvSpPr txBox="1"/>
-            <p:nvPr/>
-          </p:nvSpPr>
-          <p:spPr>
-            <a:xfrm>
-              <a:off x="4716027" y="2257531"/>
-              <a:ext cx="1903790" cy="369331"/>
-            </a:xfrm>
-            <a:prstGeom prst="rect">
-              <a:avLst/>
-            </a:prstGeom>
-            <a:noFill/>
-          </p:spPr>
-          <p:txBody>
-            <a:bodyPr wrap="none" rtlCol="0">
-              <a:spAutoFit/>
-            </a:bodyPr>
-            <a:lstStyle/>
-            <a:p>
-              <a:r>
-                <a:rPr lang="en-US" altLang="ja-JP"/>
-                <a:t>Any version is OK. </a:t>
-              </a:r>
-              <a:endParaRPr kumimoji="1" lang="ja-JP" altLang="en-US"/>
-            </a:p>
-          </p:txBody>
-        </p:sp>
-        <p:sp>
-          <p:nvSpPr>
-            <p:cNvPr id="13" name="正方形/長方形 12">
-              <a:extLst>
-                <a:ext uri="{FF2B5EF4-FFF2-40B4-BE49-F238E27FC236}">
-                  <a16:creationId xmlns:a16="http://schemas.microsoft.com/office/drawing/2014/main" id="{D4227B72-E0A5-2C47-B0C7-A457CA349C45}"/>
-                </a:ext>
-              </a:extLst>
-            </p:cNvPr>
-            <p:cNvSpPr/>
-            <p:nvPr/>
-          </p:nvSpPr>
-          <p:spPr>
-            <a:xfrm>
-              <a:off x="6296311" y="2781779"/>
-              <a:ext cx="1270098" cy="373403"/>
-            </a:xfrm>
-            <a:prstGeom prst="rect">
-              <a:avLst/>
-            </a:prstGeom>
-            <a:noFill/>
-            <a:ln w="28575">
-              <a:solidFill>
-                <a:srgbClr val="00B050"/>
-              </a:solidFill>
-              <a:prstDash val="sysDash"/>
-            </a:ln>
-          </p:spPr>
-          <p:style>
-            <a:lnRef idx="2">
-              <a:schemeClr val="accent1">
-                <a:shade val="50000"/>
-              </a:schemeClr>
-            </a:lnRef>
-            <a:fillRef idx="1">
-              <a:schemeClr val="accent1"/>
-            </a:fillRef>
-            <a:effectRef idx="0">
-              <a:schemeClr val="accent1"/>
-            </a:effectRef>
-            <a:fontRef idx="minor">
-              <a:schemeClr val="lt1"/>
-            </a:fontRef>
-          </p:style>
-          <p:txBody>
-            <a:bodyPr rtlCol="0" anchor="ctr"/>
-            <a:lstStyle/>
-            <a:p>
-              <a:pPr algn="ctr"/>
-              <a:endParaRPr kumimoji="1" lang="ja-JP" altLang="en-US"/>
-            </a:p>
-          </p:txBody>
-        </p:sp>
-        <p:sp>
-          <p:nvSpPr>
-            <p:cNvPr id="20" name="テキスト ボックス 19">
-              <a:extLst>
-                <a:ext uri="{FF2B5EF4-FFF2-40B4-BE49-F238E27FC236}">
-                  <a16:creationId xmlns:a16="http://schemas.microsoft.com/office/drawing/2014/main" id="{EB24C098-BDE8-2C49-80CA-C70BF4BCAD16}"/>
-                </a:ext>
-              </a:extLst>
-            </p:cNvPr>
-            <p:cNvSpPr txBox="1"/>
-            <p:nvPr/>
-          </p:nvSpPr>
-          <p:spPr>
-            <a:xfrm>
-              <a:off x="4341140" y="2791091"/>
-              <a:ext cx="1855060" cy="369331"/>
-            </a:xfrm>
-            <a:prstGeom prst="rect">
-              <a:avLst/>
-            </a:prstGeom>
-            <a:noFill/>
-          </p:spPr>
-          <p:txBody>
-            <a:bodyPr wrap="none" rtlCol="0">
-              <a:spAutoFit/>
-            </a:bodyPr>
-            <a:lstStyle/>
-            <a:p>
-              <a:r>
-                <a:rPr kumimoji="1" lang="en-US" altLang="ja-JP" dirty="0"/>
-                <a:t>Click to download</a:t>
-              </a:r>
-              <a:endParaRPr kumimoji="1" lang="ja-JP" altLang="en-US" dirty="0"/>
-            </a:p>
-          </p:txBody>
-        </p:sp>
-      </p:grpSp>
-      <p:sp>
-        <p:nvSpPr>
-          <p:cNvPr id="6" name="テキスト ボックス 5">
-            <a:extLst>
-              <a:ext uri="{FF2B5EF4-FFF2-40B4-BE49-F238E27FC236}">
-                <a16:creationId xmlns:a16="http://schemas.microsoft.com/office/drawing/2014/main" id="{85DE717B-56FD-2949-9215-304D50663FE9}"/>
+                <a16:creationId xmlns:a16="http://schemas.microsoft.com/office/drawing/2014/main" id="{15B2E20A-080B-0848-84D4-1146D4A69AF3}"/>
               </a:ext>
             </a:extLst>
           </p:cNvPr>
@@ -7835,8 +8551,8 @@
         </p:nvSpPr>
         <p:spPr>
           <a:xfrm>
-            <a:off x="1587639" y="5235191"/>
-            <a:ext cx="6806479" cy="369332"/>
+            <a:off x="865100" y="308102"/>
+            <a:ext cx="8014724" cy="646331"/>
           </a:xfrm>
           <a:prstGeom prst="rect">
             <a:avLst/>
@@ -7844,22 +8560,59 @@
           <a:noFill/>
         </p:spPr>
         <p:txBody>
-          <a:bodyPr wrap="none" rtlCol="0">
+          <a:bodyPr wrap="square" rtlCol="0">
             <a:spAutoFit/>
           </a:bodyPr>
           <a:lstStyle/>
           <a:p>
             <a:r>
-              <a:rPr lang="en-US" altLang="ja-JP"/>
-              <a:t>Execute (double click) the downloaded file, and follow the instruction.</a:t>
-            </a:r>
-          </a:p>
-        </p:txBody>
-      </p:sp>
+              <a:rPr lang="en-US" altLang="ja-JP" dirty="0"/>
+              <a:t>Download sindo-4.0_xxxx.zip from our website:</a:t>
+            </a:r>
+          </a:p>
+          <a:p>
+            <a:pPr lvl="1"/>
+            <a:r>
+              <a:rPr lang="en-US" altLang="ja-JP" dirty="0"/>
+              <a:t>https://tms.riken.jp/en/research/software/sindo</a:t>
+            </a:r>
+          </a:p>
+        </p:txBody>
+      </p:sp>
+      <p:pic>
+        <p:nvPicPr>
+          <p:cNvPr id="2" name="図 1">
+            <a:extLst>
+              <a:ext uri="{FF2B5EF4-FFF2-40B4-BE49-F238E27FC236}">
+                <a16:creationId xmlns:a16="http://schemas.microsoft.com/office/drawing/2014/main" id="{841ADE8A-6941-45A4-966F-665ABD003C48}"/>
+              </a:ext>
+            </a:extLst>
+          </p:cNvPr>
+          <p:cNvPicPr>
+            <a:picLocks noChangeAspect="1"/>
+          </p:cNvPicPr>
+          <p:nvPr/>
+        </p:nvPicPr>
+        <p:blipFill>
+          <a:blip r:embed="rId2"/>
+          <a:stretch>
+            <a:fillRect/>
+          </a:stretch>
+        </p:blipFill>
+        <p:spPr>
+          <a:xfrm>
+            <a:off x="2221395" y="2499691"/>
+            <a:ext cx="3889616" cy="1449857"/>
+          </a:xfrm>
+          <a:prstGeom prst="rect">
+            <a:avLst/>
+          </a:prstGeom>
+        </p:spPr>
+      </p:pic>
     </p:spTree>
     <p:extLst>
       <p:ext uri="{BB962C8B-B14F-4D97-AF65-F5344CB8AC3E}">
-        <p14:creationId xmlns:p14="http://schemas.microsoft.com/office/powerpoint/2010/main" val="494772937"/>
+        <p14:creationId xmlns:p14="http://schemas.microsoft.com/office/powerpoint/2010/main" val="691672662"/>
       </p:ext>
     </p:extLst>
   </p:cSld>
@@ -7886,126 +8639,12 @@
           <a:chExt cx="0" cy="0"/>
         </a:xfrm>
       </p:grpSpPr>
-      <p:sp>
-        <p:nvSpPr>
-          <p:cNvPr id="3" name="スライド番号プレースホルダー 2">
+      <p:pic>
+        <p:nvPicPr>
+          <p:cNvPr id="12" name="図 11">
             <a:extLst>
               <a:ext uri="{FF2B5EF4-FFF2-40B4-BE49-F238E27FC236}">
-                <a16:creationId xmlns:a16="http://schemas.microsoft.com/office/drawing/2014/main" id="{9F1EF6B8-894D-DA43-BC21-02F72C0C58FB}"/>
-              </a:ext>
-            </a:extLst>
-          </p:cNvPr>
-          <p:cNvSpPr>
-            <a:spLocks noGrp="1"/>
-          </p:cNvSpPr>
-          <p:nvPr>
-            <p:ph type="sldNum" sz="quarter" idx="12"/>
-          </p:nvPr>
-        </p:nvSpPr>
-        <p:spPr/>
-        <p:txBody>
-          <a:bodyPr/>
-          <a:lstStyle/>
-          <a:p>
-            <a:fld id="{7D34BB6B-1E1A-9541-9560-488905BF54FF}" type="slidenum">
-              <a:rPr kumimoji="1" lang="ja-JP" altLang="en-US" smtClean="0"/>
-              <a:t>4</a:t>
-            </a:fld>
-            <a:endParaRPr kumimoji="1" lang="ja-JP" altLang="en-US"/>
-          </a:p>
-        </p:txBody>
-      </p:sp>
-      <p:sp>
-        <p:nvSpPr>
-          <p:cNvPr id="4" name="テキスト ボックス 3">
-            <a:extLst>
-              <a:ext uri="{FF2B5EF4-FFF2-40B4-BE49-F238E27FC236}">
-                <a16:creationId xmlns:a16="http://schemas.microsoft.com/office/drawing/2014/main" id="{35AD1CCC-F85B-FE4D-ADA0-D1529E2D2121}"/>
-              </a:ext>
-            </a:extLst>
-          </p:cNvPr>
-          <p:cNvSpPr txBox="1"/>
-          <p:nvPr/>
-        </p:nvSpPr>
-        <p:spPr>
-          <a:xfrm>
-            <a:off x="865100" y="308102"/>
-            <a:ext cx="8014724" cy="646331"/>
-          </a:xfrm>
-          <a:prstGeom prst="rect">
-            <a:avLst/>
-          </a:prstGeom>
-          <a:noFill/>
-        </p:spPr>
-        <p:txBody>
-          <a:bodyPr wrap="square" rtlCol="0">
-            <a:spAutoFit/>
-          </a:bodyPr>
-          <a:lstStyle/>
-          <a:p>
-            <a:r>
-              <a:rPr lang="en-US" altLang="ja-JP" dirty="0"/>
-              <a:t>Download sindo-4.0_xxxx.zip from our website:</a:t>
-            </a:r>
-          </a:p>
-          <a:p>
-            <a:pPr lvl="1"/>
-            <a:r>
-              <a:rPr lang="en-US" altLang="ja-JP" dirty="0"/>
-              <a:t>https://tms.riken.jp/en/research/software/sindo</a:t>
-            </a:r>
-          </a:p>
-        </p:txBody>
-      </p:sp>
-      <p:sp>
-        <p:nvSpPr>
-          <p:cNvPr id="5" name="テキスト ボックス 4">
-            <a:extLst>
-              <a:ext uri="{FF2B5EF4-FFF2-40B4-BE49-F238E27FC236}">
-                <a16:creationId xmlns:a16="http://schemas.microsoft.com/office/drawing/2014/main" id="{FDEFFCB6-BD2C-3F4D-BB79-BF35AE71C958}"/>
-              </a:ext>
-            </a:extLst>
-          </p:cNvPr>
-          <p:cNvSpPr txBox="1"/>
-          <p:nvPr/>
-        </p:nvSpPr>
-        <p:spPr>
-          <a:xfrm>
-            <a:off x="905619" y="2821946"/>
-            <a:ext cx="7615383" cy="369332"/>
-          </a:xfrm>
-          <a:prstGeom prst="rect">
-            <a:avLst/>
-          </a:prstGeom>
-          <a:noFill/>
-        </p:spPr>
-        <p:txBody>
-          <a:bodyPr wrap="square" rtlCol="0">
-            <a:spAutoFit/>
-          </a:bodyPr>
-          <a:lstStyle/>
-          <a:p>
-            <a:r>
-              <a:rPr lang="en-US" altLang="ja-JP" dirty="0"/>
-              <a:t>You will see a control panel of </a:t>
-            </a:r>
-            <a:r>
-              <a:rPr lang="en-US" altLang="ja-JP" dirty="0" err="1"/>
-              <a:t>JSindo</a:t>
-            </a:r>
-            <a:r>
-              <a:rPr lang="en-US" altLang="ja-JP" dirty="0"/>
-              <a:t>. </a:t>
-            </a:r>
-          </a:p>
-        </p:txBody>
-      </p:sp>
-      <p:pic>
-        <p:nvPicPr>
-          <p:cNvPr id="8" name="図 7">
-            <a:extLst>
-              <a:ext uri="{FF2B5EF4-FFF2-40B4-BE49-F238E27FC236}">
-                <a16:creationId xmlns:a16="http://schemas.microsoft.com/office/drawing/2014/main" id="{33D402FA-06A9-C044-89D2-75FADA337EC6}"/>
+                <a16:creationId xmlns:a16="http://schemas.microsoft.com/office/drawing/2014/main" id="{417352E6-F19C-3545-8679-404F3D7F700C}"/>
               </a:ext>
             </a:extLst>
           </p:cNvPr>
@@ -8022,8 +8661,8 @@
         </p:blipFill>
         <p:spPr>
           <a:xfrm>
-            <a:off x="2034669" y="2967725"/>
-            <a:ext cx="4003352" cy="2048590"/>
+            <a:off x="1654847" y="991391"/>
+            <a:ext cx="5921611" cy="5028408"/>
           </a:xfrm>
           <a:prstGeom prst="rect">
             <a:avLst/>
@@ -8032,10 +8671,150 @@
       </p:pic>
       <p:sp>
         <p:nvSpPr>
-          <p:cNvPr id="7" name="テキスト ボックス 6">
+          <p:cNvPr id="2" name="タイトル 1">
             <a:extLst>
               <a:ext uri="{FF2B5EF4-FFF2-40B4-BE49-F238E27FC236}">
-                <a16:creationId xmlns:a16="http://schemas.microsoft.com/office/drawing/2014/main" id="{26573351-E85E-CE46-B1D4-3D63BDA679EA}"/>
+                <a16:creationId xmlns:a16="http://schemas.microsoft.com/office/drawing/2014/main" id="{9103B061-958F-7648-AE0D-D616C97D702B}"/>
+              </a:ext>
+            </a:extLst>
+          </p:cNvPr>
+          <p:cNvSpPr>
+            <a:spLocks noGrp="1"/>
+          </p:cNvSpPr>
+          <p:nvPr>
+            <p:ph type="title"/>
+          </p:nvPr>
+        </p:nvSpPr>
+        <p:spPr/>
+        <p:txBody>
+          <a:bodyPr/>
+          <a:lstStyle/>
+          <a:p>
+            <a:r>
+              <a:rPr kumimoji="1" lang="en-US" altLang="ja-JP"/>
+              <a:t>MacOS</a:t>
+            </a:r>
+            <a:endParaRPr kumimoji="1" lang="ja-JP" altLang="en-US"/>
+          </a:p>
+        </p:txBody>
+      </p:sp>
+      <p:sp>
+        <p:nvSpPr>
+          <p:cNvPr id="3" name="スライド番号プレースホルダー 2">
+            <a:extLst>
+              <a:ext uri="{FF2B5EF4-FFF2-40B4-BE49-F238E27FC236}">
+                <a16:creationId xmlns:a16="http://schemas.microsoft.com/office/drawing/2014/main" id="{890E4DB0-8E62-754E-82E9-DE79CC9DF18F}"/>
+              </a:ext>
+            </a:extLst>
+          </p:cNvPr>
+          <p:cNvSpPr>
+            <a:spLocks noGrp="1"/>
+          </p:cNvSpPr>
+          <p:nvPr>
+            <p:ph type="sldNum" sz="quarter" idx="12"/>
+          </p:nvPr>
+        </p:nvSpPr>
+        <p:spPr/>
+        <p:txBody>
+          <a:bodyPr/>
+          <a:lstStyle/>
+          <a:p>
+            <a:fld id="{7D34BB6B-1E1A-9541-9560-488905BF54FF}" type="slidenum">
+              <a:rPr kumimoji="1" lang="ja-JP" altLang="en-US" smtClean="0"/>
+              <a:t>4</a:t>
+            </a:fld>
+            <a:endParaRPr kumimoji="1" lang="ja-JP" altLang="en-US"/>
+          </a:p>
+        </p:txBody>
+      </p:sp>
+      <p:sp>
+        <p:nvSpPr>
+          <p:cNvPr id="4" name="正方形/長方形 3">
+            <a:extLst>
+              <a:ext uri="{FF2B5EF4-FFF2-40B4-BE49-F238E27FC236}">
+                <a16:creationId xmlns:a16="http://schemas.microsoft.com/office/drawing/2014/main" id="{5FE987B5-A774-E142-8FD6-B682D8DBE0AF}"/>
+              </a:ext>
+            </a:extLst>
+          </p:cNvPr>
+          <p:cNvSpPr/>
+          <p:nvPr/>
+        </p:nvSpPr>
+        <p:spPr>
+          <a:xfrm>
+            <a:off x="1818933" y="3450772"/>
+            <a:ext cx="760981" cy="304800"/>
+          </a:xfrm>
+          <a:prstGeom prst="rect">
+            <a:avLst/>
+          </a:prstGeom>
+          <a:noFill/>
+          <a:ln w="28575">
+            <a:solidFill>
+              <a:srgbClr val="00B050"/>
+            </a:solidFill>
+            <a:prstDash val="sysDash"/>
+          </a:ln>
+        </p:spPr>
+        <p:style>
+          <a:lnRef idx="2">
+            <a:schemeClr val="accent1">
+              <a:shade val="50000"/>
+            </a:schemeClr>
+          </a:lnRef>
+          <a:fillRef idx="1">
+            <a:schemeClr val="accent1"/>
+          </a:fillRef>
+          <a:effectRef idx="0">
+            <a:schemeClr val="accent1"/>
+          </a:effectRef>
+          <a:fontRef idx="minor">
+            <a:schemeClr val="lt1"/>
+          </a:fontRef>
+        </p:style>
+        <p:txBody>
+          <a:bodyPr rtlCol="0" anchor="ctr"/>
+          <a:lstStyle/>
+          <a:p>
+            <a:pPr marL="0" marR="0" lvl="0" indent="0" algn="ctr" defTabSz="914400" rtl="0" eaLnBrk="1" fontAlgn="auto" latinLnBrk="0" hangingPunct="1">
+              <a:lnSpc>
+                <a:spcPct val="100000"/>
+              </a:lnSpc>
+              <a:spcBef>
+                <a:spcPts val="0"/>
+              </a:spcBef>
+              <a:spcAft>
+                <a:spcPts val="0"/>
+              </a:spcAft>
+              <a:buClrTx/>
+              <a:buSzTx/>
+              <a:buFontTx/>
+              <a:buNone/>
+              <a:tabLst/>
+              <a:defRPr/>
+            </a:pPr>
+            <a:endParaRPr kumimoji="1" lang="ja-JP" altLang="en-US" sz="1800" b="0" i="0" u="none" strike="noStrike" kern="1200" cap="none" spc="0" normalizeH="0" baseline="0" noProof="0">
+              <a:ln>
+                <a:noFill/>
+              </a:ln>
+              <a:solidFill>
+                <a:prstClr val="white"/>
+              </a:solidFill>
+              <a:effectLst/>
+              <a:uLnTx/>
+              <a:uFillTx/>
+              <a:latin typeface="Calibri" panose="020F0502020204030204"/>
+              <a:ea typeface="メイリオ" panose="020B0604030504040204" pitchFamily="34" charset="-128"/>
+              <a:cs typeface="+mn-cs"/>
+            </a:endParaRPr>
+          </a:p>
+        </p:txBody>
+      </p:sp>
+      <p:sp>
+        <p:nvSpPr>
+          <p:cNvPr id="5" name="テキスト ボックス 4">
+            <a:extLst>
+              <a:ext uri="{FF2B5EF4-FFF2-40B4-BE49-F238E27FC236}">
+                <a16:creationId xmlns:a16="http://schemas.microsoft.com/office/drawing/2014/main" id="{44FA2C46-F69D-D54F-A6B9-D8B4585A162F}"/>
               </a:ext>
             </a:extLst>
           </p:cNvPr>
@@ -8044,8 +8823,8 @@
         </p:nvSpPr>
         <p:spPr>
           <a:xfrm>
-            <a:off x="905619" y="1026118"/>
-            <a:ext cx="7615383" cy="923330"/>
+            <a:off x="821707" y="3010481"/>
+            <a:ext cx="1595309" cy="369332"/>
           </a:xfrm>
           <a:prstGeom prst="rect">
             <a:avLst/>
@@ -8053,32 +8832,150 @@
           <a:noFill/>
         </p:spPr>
         <p:txBody>
-          <a:bodyPr wrap="square" rtlCol="0">
+          <a:bodyPr wrap="none" rtlCol="0">
             <a:spAutoFit/>
           </a:bodyPr>
           <a:lstStyle/>
           <a:p>
-            <a:r>
-              <a:rPr lang="en-US" altLang="ja-JP" dirty="0"/>
-              <a:t>Unzip (double click ) the file, o</a:t>
-            </a:r>
-            <a:r>
-              <a:rPr lang="en-US" altLang="ja-JP"/>
-              <a:t>pen a terminal, then type the following command:</a:t>
-            </a:r>
-            <a:endParaRPr lang="en-US" altLang="ja-JP" dirty="0"/>
-          </a:p>
-          <a:p>
-            <a:endParaRPr lang="en-US" altLang="ja-JP" dirty="0"/>
-          </a:p>
-        </p:txBody>
-      </p:sp>
-      <p:sp>
-        <p:nvSpPr>
-          <p:cNvPr id="9" name="テキスト ボックス 13">
+            <a:pPr marL="0" marR="0" lvl="0" indent="0" algn="l" defTabSz="914400" rtl="0" eaLnBrk="1" fontAlgn="auto" latinLnBrk="0" hangingPunct="1">
+              <a:lnSpc>
+                <a:spcPct val="100000"/>
+              </a:lnSpc>
+              <a:spcBef>
+                <a:spcPts val="0"/>
+              </a:spcBef>
+              <a:spcAft>
+                <a:spcPts val="0"/>
+              </a:spcAft>
+              <a:buClrTx/>
+              <a:buSzTx/>
+              <a:buFontTx/>
+              <a:buNone/>
+              <a:tabLst/>
+              <a:defRPr/>
+            </a:pPr>
+            <a:r>
+              <a:rPr kumimoji="1" lang="en-US" altLang="ja-JP" sz="1800" b="0" i="0" u="none" strike="noStrike" kern="1200" cap="none" spc="0" normalizeH="0" baseline="0" noProof="0" dirty="0">
+                <a:ln>
+                  <a:noFill/>
+                </a:ln>
+                <a:solidFill>
+                  <a:prstClr val="black"/>
+                </a:solidFill>
+                <a:effectLst/>
+                <a:uLnTx/>
+                <a:uFillTx/>
+                <a:latin typeface="Calibri" panose="020F0502020204030204"/>
+                <a:ea typeface="メイリオ" panose="020B0604030504040204" pitchFamily="34" charset="-128"/>
+                <a:cs typeface="+mn-cs"/>
+              </a:rPr>
+              <a:t>Choose MacOS</a:t>
+            </a:r>
+            <a:endParaRPr kumimoji="1" lang="ja-JP" altLang="en-US" sz="1800" b="0" i="0" u="none" strike="noStrike" kern="1200" cap="none" spc="0" normalizeH="0" baseline="0" noProof="0" dirty="0">
+              <a:ln>
+                <a:noFill/>
+              </a:ln>
+              <a:solidFill>
+                <a:prstClr val="black"/>
+              </a:solidFill>
+              <a:effectLst/>
+              <a:uLnTx/>
+              <a:uFillTx/>
+              <a:latin typeface="Calibri" panose="020F0502020204030204"/>
+              <a:ea typeface="メイリオ" panose="020B0604030504040204" pitchFamily="34" charset="-128"/>
+              <a:cs typeface="+mn-cs"/>
+            </a:endParaRPr>
+          </a:p>
+        </p:txBody>
+      </p:sp>
+      <p:sp>
+        <p:nvSpPr>
+          <p:cNvPr id="6" name="正方形/長方形 5">
             <a:extLst>
               <a:ext uri="{FF2B5EF4-FFF2-40B4-BE49-F238E27FC236}">
-                <a16:creationId xmlns:a16="http://schemas.microsoft.com/office/drawing/2014/main" id="{41519BDB-1AD6-2543-8594-C1065220915C}"/>
+                <a16:creationId xmlns:a16="http://schemas.microsoft.com/office/drawing/2014/main" id="{33B5797C-1859-6748-AF9C-3FF59F0D0ECE}"/>
+              </a:ext>
+            </a:extLst>
+          </p:cNvPr>
+          <p:cNvSpPr/>
+          <p:nvPr/>
+        </p:nvSpPr>
+        <p:spPr>
+          <a:xfrm>
+            <a:off x="5925074" y="3450772"/>
+            <a:ext cx="1564297" cy="304800"/>
+          </a:xfrm>
+          <a:prstGeom prst="rect">
+            <a:avLst/>
+          </a:prstGeom>
+          <a:noFill/>
+          <a:ln w="28575">
+            <a:solidFill>
+              <a:srgbClr val="00B050"/>
+            </a:solidFill>
+            <a:prstDash val="sysDash"/>
+          </a:ln>
+        </p:spPr>
+        <p:style>
+          <a:lnRef idx="2">
+            <a:schemeClr val="accent1">
+              <a:shade val="50000"/>
+            </a:schemeClr>
+          </a:lnRef>
+          <a:fillRef idx="1">
+            <a:schemeClr val="accent1"/>
+          </a:fillRef>
+          <a:effectRef idx="0">
+            <a:schemeClr val="accent1"/>
+          </a:effectRef>
+          <a:fontRef idx="minor">
+            <a:schemeClr val="lt1"/>
+          </a:fontRef>
+        </p:style>
+        <p:txBody>
+          <a:bodyPr rtlCol="0" anchor="ctr"/>
+          <a:lstStyle/>
+          <a:p>
+            <a:pPr marL="0" marR="0" lvl="0" indent="0" algn="ctr" defTabSz="914400" rtl="0" eaLnBrk="1" fontAlgn="auto" latinLnBrk="0" hangingPunct="1">
+              <a:lnSpc>
+                <a:spcPct val="100000"/>
+              </a:lnSpc>
+              <a:spcBef>
+                <a:spcPts val="0"/>
+              </a:spcBef>
+              <a:spcAft>
+                <a:spcPts val="0"/>
+              </a:spcAft>
+              <a:buClrTx/>
+              <a:buSzTx/>
+              <a:buFontTx/>
+              <a:buNone/>
+              <a:tabLst/>
+              <a:defRPr/>
+            </a:pPr>
+            <a:endParaRPr kumimoji="1" lang="ja-JP" altLang="en-US" sz="1800" b="0" i="0" u="none" strike="noStrike" kern="1200" cap="none" spc="0" normalizeH="0" baseline="0" noProof="0">
+              <a:ln>
+                <a:noFill/>
+              </a:ln>
+              <a:solidFill>
+                <a:prstClr val="white"/>
+              </a:solidFill>
+              <a:effectLst/>
+              <a:uLnTx/>
+              <a:uFillTx/>
+              <a:latin typeface="Calibri" panose="020F0502020204030204"/>
+              <a:ea typeface="メイリオ" panose="020B0604030504040204" pitchFamily="34" charset="-128"/>
+              <a:cs typeface="+mn-cs"/>
+            </a:endParaRPr>
+          </a:p>
+        </p:txBody>
+      </p:sp>
+      <p:sp>
+        <p:nvSpPr>
+          <p:cNvPr id="7" name="テキスト ボックス 6">
+            <a:extLst>
+              <a:ext uri="{FF2B5EF4-FFF2-40B4-BE49-F238E27FC236}">
+                <a16:creationId xmlns:a16="http://schemas.microsoft.com/office/drawing/2014/main" id="{1EBBEFD7-4ED7-5348-AC5B-8FF41B4E8A49}"/>
               </a:ext>
             </a:extLst>
           </p:cNvPr>
@@ -8087,79 +8984,159 @@
         </p:nvSpPr>
         <p:spPr>
           <a:xfrm>
-            <a:off x="1204223" y="1693537"/>
-            <a:ext cx="6042039" cy="276999"/>
+            <a:off x="6517163" y="3010481"/>
+            <a:ext cx="1916487" cy="369332"/>
           </a:xfrm>
           <a:prstGeom prst="rect">
             <a:avLst/>
           </a:prstGeom>
           <a:noFill/>
-          <a:ln>
+        </p:spPr>
+        <p:txBody>
+          <a:bodyPr wrap="none" rtlCol="0">
+            <a:spAutoFit/>
+          </a:bodyPr>
+          <a:lstStyle/>
+          <a:p>
+            <a:pPr marL="0" marR="0" lvl="0" indent="0" algn="l" defTabSz="914400" rtl="0" eaLnBrk="1" fontAlgn="auto" latinLnBrk="0" hangingPunct="1">
+              <a:lnSpc>
+                <a:spcPct val="100000"/>
+              </a:lnSpc>
+              <a:spcBef>
+                <a:spcPts val="0"/>
+              </a:spcBef>
+              <a:spcAft>
+                <a:spcPts val="0"/>
+              </a:spcAft>
+              <a:buClrTx/>
+              <a:buSzTx/>
+              <a:buFontTx/>
+              <a:buNone/>
+              <a:tabLst/>
+              <a:defRPr/>
+            </a:pPr>
+            <a:r>
+              <a:rPr kumimoji="1" lang="en-US" altLang="ja-JP" sz="1800" b="0" i="0" u="none" strike="noStrike" kern="1200" cap="none" spc="0" normalizeH="0" baseline="0" noProof="0" dirty="0">
+                <a:ln>
+                  <a:noFill/>
+                </a:ln>
+                <a:solidFill>
+                  <a:prstClr val="black"/>
+                </a:solidFill>
+                <a:effectLst/>
+                <a:uLnTx/>
+                <a:uFillTx/>
+                <a:latin typeface="Calibri" panose="020F0502020204030204"/>
+                <a:ea typeface="メイリオ" panose="020B0604030504040204" pitchFamily="34" charset="-128"/>
+                <a:cs typeface="+mn-cs"/>
+              </a:rPr>
+              <a:t>Choose Version 11</a:t>
+            </a:r>
+            <a:endParaRPr kumimoji="1" lang="ja-JP" altLang="en-US" sz="1800" b="0" i="0" u="none" strike="noStrike" kern="1200" cap="none" spc="0" normalizeH="0" baseline="0" noProof="0" dirty="0">
+              <a:ln>
+                <a:noFill/>
+              </a:ln>
+              <a:solidFill>
+                <a:prstClr val="black"/>
+              </a:solidFill>
+              <a:effectLst/>
+              <a:uLnTx/>
+              <a:uFillTx/>
+              <a:latin typeface="Calibri" panose="020F0502020204030204"/>
+              <a:ea typeface="メイリオ" panose="020B0604030504040204" pitchFamily="34" charset="-128"/>
+              <a:cs typeface="+mn-cs"/>
+            </a:endParaRPr>
+          </a:p>
+        </p:txBody>
+      </p:sp>
+      <p:sp>
+        <p:nvSpPr>
+          <p:cNvPr id="8" name="正方形/長方形 7">
+            <a:extLst>
+              <a:ext uri="{FF2B5EF4-FFF2-40B4-BE49-F238E27FC236}">
+                <a16:creationId xmlns:a16="http://schemas.microsoft.com/office/drawing/2014/main" id="{E140441A-28A2-524B-B9AE-EF25C0C859D1}"/>
+              </a:ext>
+            </a:extLst>
+          </p:cNvPr>
+          <p:cNvSpPr/>
+          <p:nvPr/>
+        </p:nvSpPr>
+        <p:spPr>
+          <a:xfrm>
+            <a:off x="6211483" y="4118114"/>
+            <a:ext cx="722717" cy="304800"/>
+          </a:xfrm>
+          <a:prstGeom prst="rect">
+            <a:avLst/>
+          </a:prstGeom>
+          <a:noFill/>
+          <a:ln w="28575">
             <a:solidFill>
               <a:srgbClr val="00B050"/>
             </a:solidFill>
+            <a:prstDash val="sysDash"/>
           </a:ln>
         </p:spPr>
-        <p:txBody>
-          <a:bodyPr wrap="none" rtlCol="0">
-            <a:spAutoFit/>
-          </a:bodyPr>
-          <a:lstStyle/>
-          <a:p>
-            <a:r>
-              <a:rPr kumimoji="1" lang="en-US" altLang="ja-JP" sz="1200" dirty="0">
-                <a:latin typeface="Courier" charset="0"/>
-                <a:ea typeface="Courier" charset="0"/>
-                <a:cs typeface="Courier" charset="0"/>
-              </a:rPr>
-              <a:t>java -</a:t>
-            </a:r>
-            <a:r>
-              <a:rPr lang="en-US" altLang="ja-JP" sz="1200" dirty="0">
-                <a:latin typeface="Courier" charset="0"/>
-                <a:ea typeface="Courier" charset="0"/>
-                <a:cs typeface="Courier" charset="0"/>
-              </a:rPr>
-              <a:t>jar</a:t>
-            </a:r>
-            <a:r>
-              <a:rPr kumimoji="1" lang="en-US" altLang="ja-JP" sz="1200" dirty="0">
-                <a:latin typeface="Courier" charset="0"/>
-                <a:ea typeface="Courier" charset="0"/>
-                <a:cs typeface="Courier" charset="0"/>
-              </a:rPr>
-              <a:t> /path/to/sindo-4.0_xxxx/</a:t>
-            </a:r>
-            <a:r>
-              <a:rPr kumimoji="1" lang="en-US" altLang="ja-JP" sz="1200" dirty="0" err="1">
-                <a:latin typeface="Courier" charset="0"/>
-                <a:ea typeface="Courier" charset="0"/>
-                <a:cs typeface="Courier" charset="0"/>
-              </a:rPr>
-              <a:t>JSindo</a:t>
-            </a:r>
-            <a:r>
-              <a:rPr kumimoji="1" lang="en-US" altLang="ja-JP" sz="1200" dirty="0">
-                <a:latin typeface="Courier" charset="0"/>
-                <a:ea typeface="Courier" charset="0"/>
-                <a:cs typeface="Courier" charset="0"/>
-              </a:rPr>
-              <a:t>/jar/JSindo-4.0_fat.jar</a:t>
-            </a:r>
-            <a:endParaRPr kumimoji="1" lang="ja-JP" altLang="en-US" sz="1200" dirty="0">
-              <a:latin typeface="Courier" charset="0"/>
-              <a:ea typeface="Courier" charset="0"/>
-              <a:cs typeface="Courier" charset="0"/>
+        <p:style>
+          <a:lnRef idx="2">
+            <a:schemeClr val="accent1">
+              <a:shade val="50000"/>
+            </a:schemeClr>
+          </a:lnRef>
+          <a:fillRef idx="1">
+            <a:schemeClr val="accent1"/>
+          </a:fillRef>
+          <a:effectRef idx="0">
+            <a:schemeClr val="accent1"/>
+          </a:effectRef>
+          <a:fontRef idx="minor">
+            <a:schemeClr val="lt1"/>
+          </a:fontRef>
+        </p:style>
+        <p:txBody>
+          <a:bodyPr rtlCol="0" anchor="ctr"/>
+          <a:lstStyle/>
+          <a:p>
+            <a:pPr marL="0" marR="0" lvl="0" indent="0" algn="ctr" defTabSz="914400" rtl="0" eaLnBrk="1" fontAlgn="auto" latinLnBrk="0" hangingPunct="1">
+              <a:lnSpc>
+                <a:spcPct val="100000"/>
+              </a:lnSpc>
+              <a:spcBef>
+                <a:spcPts val="0"/>
+              </a:spcBef>
+              <a:spcAft>
+                <a:spcPts val="0"/>
+              </a:spcAft>
+              <a:buClrTx/>
+              <a:buSzTx/>
+              <a:buFontTx/>
+              <a:buNone/>
+              <a:tabLst/>
+              <a:defRPr/>
+            </a:pPr>
+            <a:endParaRPr kumimoji="1" lang="ja-JP" altLang="en-US" sz="1800" b="0" i="0" u="none" strike="noStrike" kern="1200" cap="none" spc="0" normalizeH="0" baseline="0" noProof="0">
+              <a:ln>
+                <a:noFill/>
+              </a:ln>
+              <a:solidFill>
+                <a:prstClr val="white"/>
+              </a:solidFill>
+              <a:effectLst/>
+              <a:uLnTx/>
+              <a:uFillTx/>
+              <a:latin typeface="Calibri" panose="020F0502020204030204"/>
+              <a:ea typeface="メイリオ" panose="020B0604030504040204" pitchFamily="34" charset="-128"/>
+              <a:cs typeface="+mn-cs"/>
             </a:endParaRPr>
           </a:p>
         </p:txBody>
       </p:sp>
       <p:sp>
         <p:nvSpPr>
-          <p:cNvPr id="10" name="テキスト ボックス 13">
+          <p:cNvPr id="9" name="テキスト ボックス 8">
             <a:extLst>
               <a:ext uri="{FF2B5EF4-FFF2-40B4-BE49-F238E27FC236}">
-                <a16:creationId xmlns:a16="http://schemas.microsoft.com/office/drawing/2014/main" id="{34131D0B-4C8D-CF42-A2E3-EA31628A06AC}"/>
+                <a16:creationId xmlns:a16="http://schemas.microsoft.com/office/drawing/2014/main" id="{28525388-BEA2-DF48-85DB-8C751FA1B47C}"/>
               </a:ext>
             </a:extLst>
           </p:cNvPr>
@@ -8168,79 +9145,188 @@
         </p:nvSpPr>
         <p:spPr>
           <a:xfrm>
-            <a:off x="1204223" y="2381221"/>
-            <a:ext cx="6785832" cy="276999"/>
+            <a:off x="7005195" y="4105538"/>
+            <a:ext cx="1855060" cy="646331"/>
           </a:xfrm>
           <a:prstGeom prst="rect">
             <a:avLst/>
           </a:prstGeom>
           <a:noFill/>
-          <a:ln>
+        </p:spPr>
+        <p:txBody>
+          <a:bodyPr wrap="none" rtlCol="0">
+            <a:spAutoFit/>
+          </a:bodyPr>
+          <a:lstStyle/>
+          <a:p>
+            <a:pPr marL="0" marR="0" lvl="0" indent="0" algn="l" defTabSz="914400" rtl="0" eaLnBrk="1" fontAlgn="auto" latinLnBrk="0" hangingPunct="1">
+              <a:lnSpc>
+                <a:spcPct val="100000"/>
+              </a:lnSpc>
+              <a:spcBef>
+                <a:spcPts val="0"/>
+              </a:spcBef>
+              <a:spcAft>
+                <a:spcPts val="0"/>
+              </a:spcAft>
+              <a:buClrTx/>
+              <a:buSzTx/>
+              <a:buFontTx/>
+              <a:buNone/>
+              <a:tabLst/>
+              <a:defRPr/>
+            </a:pPr>
+            <a:r>
+              <a:rPr kumimoji="1" lang="en-US" altLang="ja-JP" sz="1800" b="0" i="0" u="none" strike="noStrike" kern="1200" cap="none" spc="0" normalizeH="0" baseline="0" noProof="0" dirty="0">
+                <a:ln>
+                  <a:noFill/>
+                </a:ln>
+                <a:solidFill>
+                  <a:prstClr val="black"/>
+                </a:solidFill>
+                <a:effectLst/>
+                <a:uLnTx/>
+                <a:uFillTx/>
+                <a:latin typeface="Calibri" panose="020F0502020204030204"/>
+                <a:ea typeface="メイリオ" panose="020B0604030504040204" pitchFamily="34" charset="-128"/>
+                <a:cs typeface="+mn-cs"/>
+              </a:rPr>
+              <a:t>Click to download</a:t>
+            </a:r>
+          </a:p>
+          <a:p>
+            <a:pPr marL="0" marR="0" lvl="0" indent="0" algn="l" defTabSz="914400" rtl="0" eaLnBrk="1" fontAlgn="auto" latinLnBrk="0" hangingPunct="1">
+              <a:lnSpc>
+                <a:spcPct val="100000"/>
+              </a:lnSpc>
+              <a:spcBef>
+                <a:spcPts val="0"/>
+              </a:spcBef>
+              <a:spcAft>
+                <a:spcPts val="0"/>
+              </a:spcAft>
+              <a:buClrTx/>
+              <a:buSzTx/>
+              <a:buFontTx/>
+              <a:buNone/>
+              <a:tabLst/>
+              <a:defRPr/>
+            </a:pPr>
+            <a:r>
+              <a:rPr lang="en-US" altLang="ja-JP" sz="1800" dirty="0">
+                <a:solidFill>
+                  <a:prstClr val="black"/>
+                </a:solidFill>
+                <a:latin typeface="Calibri" panose="020F0502020204030204"/>
+                <a:ea typeface="メイリオ" panose="020B0604030504040204" pitchFamily="34" charset="-128"/>
+              </a:rPr>
+              <a:t>(Intel)</a:t>
+            </a:r>
+            <a:endParaRPr kumimoji="1" lang="en-US" altLang="ja-JP" sz="1800" b="0" i="0" u="none" strike="noStrike" kern="1200" cap="none" spc="0" normalizeH="0" baseline="0" noProof="0" dirty="0">
+              <a:ln>
+                <a:noFill/>
+              </a:ln>
+              <a:solidFill>
+                <a:prstClr val="black"/>
+              </a:solidFill>
+              <a:effectLst/>
+              <a:uLnTx/>
+              <a:uFillTx/>
+              <a:latin typeface="Calibri" panose="020F0502020204030204"/>
+              <a:ea typeface="メイリオ" panose="020B0604030504040204" pitchFamily="34" charset="-128"/>
+              <a:cs typeface="+mn-cs"/>
+            </a:endParaRPr>
+          </a:p>
+        </p:txBody>
+      </p:sp>
+      <p:sp>
+        <p:nvSpPr>
+          <p:cNvPr id="13" name="正方形/長方形 12">
+            <a:extLst>
+              <a:ext uri="{FF2B5EF4-FFF2-40B4-BE49-F238E27FC236}">
+                <a16:creationId xmlns:a16="http://schemas.microsoft.com/office/drawing/2014/main" id="{511E23B8-604F-6942-B590-081D8D81DE15}"/>
+              </a:ext>
+            </a:extLst>
+          </p:cNvPr>
+          <p:cNvSpPr/>
+          <p:nvPr/>
+        </p:nvSpPr>
+        <p:spPr>
+          <a:xfrm>
+            <a:off x="6211483" y="5097760"/>
+            <a:ext cx="722717" cy="304800"/>
+          </a:xfrm>
+          <a:prstGeom prst="rect">
+            <a:avLst/>
+          </a:prstGeom>
+          <a:noFill/>
+          <a:ln w="28575">
             <a:solidFill>
               <a:srgbClr val="00B050"/>
             </a:solidFill>
+            <a:prstDash val="sysDash"/>
           </a:ln>
         </p:spPr>
-        <p:txBody>
-          <a:bodyPr wrap="none" rtlCol="0">
-            <a:spAutoFit/>
-          </a:bodyPr>
-          <a:lstStyle/>
-          <a:p>
-            <a:r>
-              <a:rPr kumimoji="1" lang="en-US" altLang="ja-JP" sz="1200" dirty="0">
-                <a:latin typeface="Courier" charset="0"/>
-                <a:ea typeface="Courier" charset="0"/>
-                <a:cs typeface="Courier" charset="0"/>
-              </a:rPr>
-              <a:t>java -cp</a:t>
-            </a:r>
-            <a:r>
-              <a:rPr lang="en-US" altLang="ja-JP" sz="1200" dirty="0">
-                <a:latin typeface="Courier" charset="0"/>
-                <a:ea typeface="Courier" charset="0"/>
-                <a:cs typeface="Courier" charset="0"/>
-              </a:rPr>
-              <a:t> /path/to/sindo-4.0_xxxx/</a:t>
-            </a:r>
-            <a:r>
-              <a:rPr lang="en-US" altLang="ja-JP" sz="1200" dirty="0" err="1">
-                <a:latin typeface="Courier" charset="0"/>
-                <a:ea typeface="Courier" charset="0"/>
-                <a:cs typeface="Courier" charset="0"/>
-              </a:rPr>
-              <a:t>JSindo</a:t>
-            </a:r>
-            <a:r>
-              <a:rPr lang="en-US" altLang="ja-JP" sz="1200" dirty="0">
-                <a:latin typeface="Courier" charset="0"/>
-                <a:ea typeface="Courier" charset="0"/>
-                <a:cs typeface="Courier" charset="0"/>
-              </a:rPr>
-              <a:t>/jar/JSindo-4.0_fat.jar </a:t>
-            </a:r>
-            <a:r>
-              <a:rPr kumimoji="1" lang="en-US" altLang="ja-JP" sz="1200" dirty="0" err="1">
-                <a:latin typeface="Courier" charset="0"/>
-                <a:ea typeface="Courier" charset="0"/>
-                <a:cs typeface="Courier" charset="0"/>
-              </a:rPr>
-              <a:t>JSindo</a:t>
-            </a:r>
-            <a:endParaRPr kumimoji="1" lang="ja-JP" altLang="en-US" sz="1200" dirty="0">
-              <a:latin typeface="Courier" charset="0"/>
-              <a:ea typeface="Courier" charset="0"/>
-              <a:cs typeface="Courier" charset="0"/>
+        <p:style>
+          <a:lnRef idx="2">
+            <a:schemeClr val="accent1">
+              <a:shade val="50000"/>
+            </a:schemeClr>
+          </a:lnRef>
+          <a:fillRef idx="1">
+            <a:schemeClr val="accent1"/>
+          </a:fillRef>
+          <a:effectRef idx="0">
+            <a:schemeClr val="accent1"/>
+          </a:effectRef>
+          <a:fontRef idx="minor">
+            <a:schemeClr val="lt1"/>
+          </a:fontRef>
+        </p:style>
+        <p:txBody>
+          <a:bodyPr rtlCol="0" anchor="ctr"/>
+          <a:lstStyle/>
+          <a:p>
+            <a:pPr marL="0" marR="0" lvl="0" indent="0" algn="ctr" defTabSz="914400" rtl="0" eaLnBrk="1" fontAlgn="auto" latinLnBrk="0" hangingPunct="1">
+              <a:lnSpc>
+                <a:spcPct val="100000"/>
+              </a:lnSpc>
+              <a:spcBef>
+                <a:spcPts val="0"/>
+              </a:spcBef>
+              <a:spcAft>
+                <a:spcPts val="0"/>
+              </a:spcAft>
+              <a:buClrTx/>
+              <a:buSzTx/>
+              <a:buFontTx/>
+              <a:buNone/>
+              <a:tabLst/>
+              <a:defRPr/>
+            </a:pPr>
+            <a:endParaRPr kumimoji="1" lang="ja-JP" altLang="en-US" sz="1800" b="0" i="0" u="none" strike="noStrike" kern="1200" cap="none" spc="0" normalizeH="0" baseline="0" noProof="0">
+              <a:ln>
+                <a:noFill/>
+              </a:ln>
+              <a:solidFill>
+                <a:prstClr val="white"/>
+              </a:solidFill>
+              <a:effectLst/>
+              <a:uLnTx/>
+              <a:uFillTx/>
+              <a:latin typeface="Calibri" panose="020F0502020204030204"/>
+              <a:ea typeface="メイリオ" panose="020B0604030504040204" pitchFamily="34" charset="-128"/>
+              <a:cs typeface="+mn-cs"/>
             </a:endParaRPr>
           </a:p>
         </p:txBody>
       </p:sp>
       <p:sp>
         <p:nvSpPr>
-          <p:cNvPr id="11" name="テキスト ボックス 10">
+          <p:cNvPr id="14" name="テキスト ボックス 13">
             <a:extLst>
               <a:ext uri="{FF2B5EF4-FFF2-40B4-BE49-F238E27FC236}">
-                <a16:creationId xmlns:a16="http://schemas.microsoft.com/office/drawing/2014/main" id="{82B5C5C7-71E3-BA4F-B78F-63C1483D8571}"/>
+                <a16:creationId xmlns:a16="http://schemas.microsoft.com/office/drawing/2014/main" id="{4288FB71-9E5E-8846-B92D-82A9F11072B6}"/>
               </a:ext>
             </a:extLst>
           </p:cNvPr>
@@ -8249,8 +9335,8 @@
         </p:nvSpPr>
         <p:spPr>
           <a:xfrm>
-            <a:off x="901214" y="2004261"/>
-            <a:ext cx="386644" cy="369332"/>
+            <a:off x="7005195" y="5085184"/>
+            <a:ext cx="1855060" cy="646331"/>
           </a:xfrm>
           <a:prstGeom prst="rect">
             <a:avLst/>
@@ -8263,20 +9349,92 @@
           </a:bodyPr>
           <a:lstStyle/>
           <a:p>
-            <a:r>
-              <a:rPr kumimoji="1" lang="en-US" altLang="ja-JP"/>
-              <a:t>or</a:t>
-            </a:r>
-            <a:endParaRPr kumimoji="1" lang="ja-JP" altLang="en-US"/>
-          </a:p>
-        </p:txBody>
-      </p:sp>
-      <p:sp>
-        <p:nvSpPr>
-          <p:cNvPr id="13" name="テキスト ボックス 12">
+            <a:pPr marL="0" marR="0" lvl="0" indent="0" algn="l" defTabSz="914400" rtl="0" eaLnBrk="1" fontAlgn="auto" latinLnBrk="0" hangingPunct="1">
+              <a:lnSpc>
+                <a:spcPct val="100000"/>
+              </a:lnSpc>
+              <a:spcBef>
+                <a:spcPts val="0"/>
+              </a:spcBef>
+              <a:spcAft>
+                <a:spcPts val="0"/>
+              </a:spcAft>
+              <a:buClrTx/>
+              <a:buSzTx/>
+              <a:buFontTx/>
+              <a:buNone/>
+              <a:tabLst/>
+              <a:defRPr/>
+            </a:pPr>
+            <a:r>
+              <a:rPr kumimoji="1" lang="en-US" altLang="ja-JP" sz="1800" b="0" i="0" u="none" strike="noStrike" kern="1200" cap="none" spc="0" normalizeH="0" baseline="0" noProof="0" dirty="0">
+                <a:ln>
+                  <a:noFill/>
+                </a:ln>
+                <a:solidFill>
+                  <a:prstClr val="black"/>
+                </a:solidFill>
+                <a:effectLst/>
+                <a:uLnTx/>
+                <a:uFillTx/>
+                <a:latin typeface="Calibri" panose="020F0502020204030204"/>
+                <a:ea typeface="メイリオ" panose="020B0604030504040204" pitchFamily="34" charset="-128"/>
+                <a:cs typeface="+mn-cs"/>
+              </a:rPr>
+              <a:t>Click to download</a:t>
+            </a:r>
+          </a:p>
+          <a:p>
+            <a:pPr marL="0" marR="0" lvl="0" indent="0" algn="l" defTabSz="914400" rtl="0" eaLnBrk="1" fontAlgn="auto" latinLnBrk="0" hangingPunct="1">
+              <a:lnSpc>
+                <a:spcPct val="100000"/>
+              </a:lnSpc>
+              <a:spcBef>
+                <a:spcPts val="0"/>
+              </a:spcBef>
+              <a:spcAft>
+                <a:spcPts val="0"/>
+              </a:spcAft>
+              <a:buClrTx/>
+              <a:buSzTx/>
+              <a:buFontTx/>
+              <a:buNone/>
+              <a:tabLst/>
+              <a:defRPr/>
+            </a:pPr>
+            <a:r>
+              <a:rPr lang="en-US" altLang="ja-JP" sz="1800" dirty="0">
+                <a:solidFill>
+                  <a:prstClr val="black"/>
+                </a:solidFill>
+                <a:latin typeface="Calibri" panose="020F0502020204030204"/>
+                <a:ea typeface="メイリオ" panose="020B0604030504040204" pitchFamily="34" charset="-128"/>
+              </a:rPr>
+              <a:t>(ARM)</a:t>
+            </a:r>
+            <a:endParaRPr kumimoji="1" lang="en-US" altLang="ja-JP" sz="1800" b="0" i="0" u="none" strike="noStrike" kern="1200" cap="none" spc="0" normalizeH="0" baseline="0" noProof="0" dirty="0">
+              <a:ln>
+                <a:noFill/>
+              </a:ln>
+              <a:solidFill>
+                <a:prstClr val="black"/>
+              </a:solidFill>
+              <a:effectLst/>
+              <a:uLnTx/>
+              <a:uFillTx/>
+              <a:latin typeface="Calibri" panose="020F0502020204030204"/>
+              <a:ea typeface="メイリオ" panose="020B0604030504040204" pitchFamily="34" charset="-128"/>
+              <a:cs typeface="+mn-cs"/>
+            </a:endParaRPr>
+          </a:p>
+        </p:txBody>
+      </p:sp>
+      <p:sp>
+        <p:nvSpPr>
+          <p:cNvPr id="15" name="テキスト ボックス 14">
             <a:extLst>
               <a:ext uri="{FF2B5EF4-FFF2-40B4-BE49-F238E27FC236}">
-                <a16:creationId xmlns:a16="http://schemas.microsoft.com/office/drawing/2014/main" id="{0311892E-5F54-4248-A3E8-00F2BF214A0F}"/>
+                <a16:creationId xmlns:a16="http://schemas.microsoft.com/office/drawing/2014/main" id="{78C6C297-BB15-BA47-8681-4FAEFC9B4F7B}"/>
               </a:ext>
             </a:extLst>
           </p:cNvPr>
@@ -8285,88 +9443,8 @@
         </p:nvSpPr>
         <p:spPr>
           <a:xfrm>
-            <a:off x="1209863" y="6040681"/>
-            <a:ext cx="1393330" cy="461665"/>
-          </a:xfrm>
-          <a:prstGeom prst="rect">
-            <a:avLst/>
-          </a:prstGeom>
-          <a:noFill/>
-          <a:ln>
-            <a:solidFill>
-              <a:srgbClr val="00B050"/>
-            </a:solidFill>
-          </a:ln>
-        </p:spPr>
-        <p:txBody>
-          <a:bodyPr wrap="none" rtlCol="0">
-            <a:spAutoFit/>
-          </a:bodyPr>
-          <a:lstStyle/>
-          <a:p>
-            <a:r>
-              <a:rPr lang="en-US" altLang="ja-JP" sz="1200" dirty="0">
-                <a:latin typeface="Courier" charset="0"/>
-                <a:ea typeface="Courier" charset="0"/>
-                <a:cs typeface="Courier" charset="0"/>
-              </a:rPr>
-              <a:t>&gt; . ~/.</a:t>
-            </a:r>
-            <a:r>
-              <a:rPr lang="en-US" altLang="ja-JP" sz="1200" dirty="0" err="1">
-                <a:latin typeface="Courier" charset="0"/>
-                <a:ea typeface="Courier" charset="0"/>
-                <a:cs typeface="Courier" charset="0"/>
-              </a:rPr>
-              <a:t>bashrc</a:t>
-            </a:r>
-            <a:endParaRPr lang="en-US" altLang="ja-JP" sz="1200" dirty="0">
-              <a:latin typeface="Courier" charset="0"/>
-              <a:ea typeface="Courier" charset="0"/>
-              <a:cs typeface="Courier" charset="0"/>
-            </a:endParaRPr>
-          </a:p>
-          <a:p>
-            <a:r>
-              <a:rPr lang="en-US" altLang="ja-JP" sz="1200" dirty="0">
-                <a:latin typeface="Courier" charset="0"/>
-                <a:ea typeface="Courier" charset="0"/>
-                <a:cs typeface="Courier" charset="0"/>
-              </a:rPr>
-              <a:t>&gt; </a:t>
-            </a:r>
-            <a:r>
-              <a:rPr lang="en-US" altLang="ja-JP" sz="1200" dirty="0" err="1">
-                <a:latin typeface="Courier" charset="0"/>
-                <a:ea typeface="Courier" charset="0"/>
-                <a:cs typeface="Courier" charset="0"/>
-              </a:rPr>
-              <a:t>jsindo</a:t>
-            </a:r>
-            <a:endParaRPr lang="en-US" altLang="ja-JP" sz="1200" dirty="0">
-              <a:latin typeface="Courier" charset="0"/>
-              <a:ea typeface="Courier" charset="0"/>
-              <a:cs typeface="Courier" charset="0"/>
-            </a:endParaRPr>
-          </a:p>
-        </p:txBody>
-      </p:sp>
-      <p:sp>
-        <p:nvSpPr>
-          <p:cNvPr id="14" name="テキスト ボックス 13">
-            <a:extLst>
-              <a:ext uri="{FF2B5EF4-FFF2-40B4-BE49-F238E27FC236}">
-                <a16:creationId xmlns:a16="http://schemas.microsoft.com/office/drawing/2014/main" id="{7F615F5B-83BC-854B-B71E-71AC2D8326AF}"/>
-              </a:ext>
-            </a:extLst>
-          </p:cNvPr>
-          <p:cNvSpPr txBox="1"/>
-          <p:nvPr/>
-        </p:nvSpPr>
-        <p:spPr>
-          <a:xfrm>
-            <a:off x="930048" y="5564345"/>
-            <a:ext cx="7486322" cy="369332"/>
+            <a:off x="1261068" y="6073392"/>
+            <a:ext cx="6691062" cy="369332"/>
           </a:xfrm>
           <a:prstGeom prst="rect">
             <a:avLst/>
@@ -8374,148 +9452,52 @@
           <a:noFill/>
         </p:spPr>
         <p:txBody>
-          <a:bodyPr wrap="square" rtlCol="0">
-            <a:spAutoFit/>
-          </a:bodyPr>
-          <a:lstStyle/>
-          <a:p>
-            <a:r>
-              <a:rPr lang="en-US" altLang="ja-JP" dirty="0"/>
-              <a:t>After source, you can invoke the program by typing “</a:t>
-            </a:r>
-            <a:r>
-              <a:rPr lang="en-US" altLang="ja-JP" dirty="0" err="1"/>
-              <a:t>jsindo</a:t>
-            </a:r>
-            <a:r>
-              <a:rPr lang="en-US" altLang="ja-JP" dirty="0"/>
-              <a:t>” in the command.</a:t>
-            </a:r>
-            <a:endParaRPr kumimoji="1" lang="ja-JP" altLang="en-US" dirty="0"/>
-          </a:p>
-        </p:txBody>
-      </p:sp>
-      <p:sp>
-        <p:nvSpPr>
-          <p:cNvPr id="15" name="テキスト ボックス 14">
-            <a:extLst>
-              <a:ext uri="{FF2B5EF4-FFF2-40B4-BE49-F238E27FC236}">
-                <a16:creationId xmlns:a16="http://schemas.microsoft.com/office/drawing/2014/main" id="{4155B7D0-476C-3A47-B4E6-F2E327DD496C}"/>
-              </a:ext>
-            </a:extLst>
-          </p:cNvPr>
-          <p:cNvSpPr txBox="1"/>
-          <p:nvPr/>
-        </p:nvSpPr>
-        <p:spPr>
-          <a:xfrm>
-            <a:off x="931904" y="4614549"/>
-            <a:ext cx="4756174" cy="369332"/>
-          </a:xfrm>
-          <a:prstGeom prst="rect">
-            <a:avLst/>
-          </a:prstGeom>
-          <a:noFill/>
-        </p:spPr>
-        <p:txBody>
           <a:bodyPr wrap="none" rtlCol="0">
             <a:spAutoFit/>
           </a:bodyPr>
           <a:lstStyle/>
           <a:p>
-            <a:r>
-              <a:rPr kumimoji="1" lang="en-US" altLang="ja-JP" dirty="0"/>
-              <a:t>You may add </a:t>
-            </a:r>
-            <a:r>
-              <a:rPr kumimoji="1" lang="en-US" altLang="ja-JP"/>
-              <a:t>the following line </a:t>
-            </a:r>
-            <a:r>
-              <a:rPr kumimoji="1" lang="en-US" altLang="ja-JP" dirty="0"/>
-              <a:t>in your ~/.</a:t>
-            </a:r>
-            <a:r>
-              <a:rPr kumimoji="1" lang="en-US" altLang="ja-JP" dirty="0" err="1"/>
-              <a:t>bashrc</a:t>
-            </a:r>
-            <a:r>
-              <a:rPr kumimoji="1" lang="en-US" altLang="ja-JP" dirty="0"/>
-              <a:t>,</a:t>
-            </a:r>
-            <a:endParaRPr kumimoji="1" lang="ja-JP" altLang="en-US" dirty="0"/>
-          </a:p>
-        </p:txBody>
-      </p:sp>
-      <p:sp>
-        <p:nvSpPr>
-          <p:cNvPr id="16" name="テキスト ボックス 13">
-            <a:extLst>
-              <a:ext uri="{FF2B5EF4-FFF2-40B4-BE49-F238E27FC236}">
-                <a16:creationId xmlns:a16="http://schemas.microsoft.com/office/drawing/2014/main" id="{4791D2C6-9A15-504B-8B58-3DC86AC8D0AF}"/>
-              </a:ext>
-            </a:extLst>
-          </p:cNvPr>
-          <p:cNvSpPr txBox="1"/>
-          <p:nvPr/>
-        </p:nvSpPr>
-        <p:spPr>
-          <a:xfrm>
-            <a:off x="1204223" y="5085184"/>
-            <a:ext cx="7622600" cy="276999"/>
-          </a:xfrm>
-          <a:prstGeom prst="rect">
-            <a:avLst/>
-          </a:prstGeom>
-          <a:noFill/>
-          <a:ln>
-            <a:solidFill>
-              <a:srgbClr val="00B050"/>
-            </a:solidFill>
-          </a:ln>
-        </p:spPr>
-        <p:txBody>
-          <a:bodyPr wrap="none" rtlCol="0">
-            <a:spAutoFit/>
-          </a:bodyPr>
-          <a:lstStyle/>
-          <a:p>
-            <a:r>
-              <a:rPr lang="en-US" altLang="ja-JP" sz="1200" dirty="0">
-                <a:latin typeface="Courier" charset="0"/>
-                <a:ea typeface="Courier" charset="0"/>
-                <a:cs typeface="Courier" charset="0"/>
+            <a:pPr marL="0" marR="0" lvl="0" indent="0" algn="l" defTabSz="914400" rtl="0" eaLnBrk="1" fontAlgn="auto" latinLnBrk="0" hangingPunct="1">
+              <a:lnSpc>
+                <a:spcPct val="100000"/>
+              </a:lnSpc>
+              <a:spcBef>
+                <a:spcPts val="0"/>
+              </a:spcBef>
+              <a:spcAft>
+                <a:spcPts val="0"/>
+              </a:spcAft>
+              <a:buClrTx/>
+              <a:buSzTx/>
+              <a:buFontTx/>
+              <a:buNone/>
+              <a:tabLst/>
+              <a:defRPr/>
+            </a:pPr>
+            <a:r>
+              <a:rPr kumimoji="1" lang="en-US" altLang="ja-JP" sz="1800" b="0" i="0" u="none" strike="noStrike" kern="1200" cap="none" spc="0" normalizeH="0" baseline="0" noProof="0">
+                <a:ln>
+                  <a:noFill/>
+                </a:ln>
+                <a:solidFill>
+                  <a:prstClr val="black"/>
+                </a:solidFill>
+                <a:effectLst/>
+                <a:uLnTx/>
+                <a:uFillTx/>
+                <a:latin typeface="Calibri" panose="020F0502020204030204"/>
+                <a:ea typeface="メイリオ" panose="020B0604030504040204" pitchFamily="34" charset="-128"/>
+                <a:cs typeface="+mn-cs"/>
               </a:rPr>
-              <a:t>alias </a:t>
-            </a:r>
-            <a:r>
-              <a:rPr lang="en-US" altLang="ja-JP" sz="1200" dirty="0" err="1">
-                <a:latin typeface="Courier" charset="0"/>
-                <a:ea typeface="Courier" charset="0"/>
-                <a:cs typeface="Courier" charset="0"/>
-              </a:rPr>
-              <a:t>jsindo</a:t>
-            </a:r>
-            <a:r>
-              <a:rPr lang="en-US" altLang="ja-JP" sz="1200" dirty="0">
-                <a:latin typeface="Courier" charset="0"/>
-                <a:ea typeface="Courier" charset="0"/>
-                <a:cs typeface="Courier" charset="0"/>
-              </a:rPr>
-              <a:t>=‘java -jar /path/to/sindo-4.0_xxxx/JSindo/jar/JSindo-4.0_fat.jar’  </a:t>
-            </a:r>
-            <a:endParaRPr kumimoji="1" lang="ja-JP" altLang="en-US" sz="1200" dirty="0">
-              <a:latin typeface="Courier" charset="0"/>
-              <a:ea typeface="Courier" charset="0"/>
-              <a:cs typeface="Courier" charset="0"/>
-            </a:endParaRPr>
+              <a:t>Execute (double click) the downloaded file, and follow the instruction.</a:t>
+            </a:r>
           </a:p>
         </p:txBody>
       </p:sp>
     </p:spTree>
     <p:extLst>
       <p:ext uri="{BB962C8B-B14F-4D97-AF65-F5344CB8AC3E}">
-        <p14:creationId xmlns:p14="http://schemas.microsoft.com/office/powerpoint/2010/main" val="499703293"/>
+        <p14:creationId xmlns:p14="http://schemas.microsoft.com/office/powerpoint/2010/main" val="3716391538"/>
       </p:ext>
     </p:extLst>
   </p:cSld>
@@ -8544,39 +9526,10 @@
       </p:grpSpPr>
       <p:sp>
         <p:nvSpPr>
-          <p:cNvPr id="3" name="タイトル 2">
+          <p:cNvPr id="3" name="スライド番号プレースホルダー 2">
             <a:extLst>
               <a:ext uri="{FF2B5EF4-FFF2-40B4-BE49-F238E27FC236}">
-                <a16:creationId xmlns:a16="http://schemas.microsoft.com/office/drawing/2014/main" id="{EC9F2A6C-6186-1C49-BB94-75264F3F6B08}"/>
-              </a:ext>
-            </a:extLst>
-          </p:cNvPr>
-          <p:cNvSpPr>
-            <a:spLocks noGrp="1"/>
-          </p:cNvSpPr>
-          <p:nvPr>
-            <p:ph type="title"/>
-          </p:nvPr>
-        </p:nvSpPr>
-        <p:spPr/>
-        <p:txBody>
-          <a:bodyPr/>
-          <a:lstStyle/>
-          <a:p>
-            <a:r>
-              <a:rPr lang="en-US" altLang="ja-JP"/>
-              <a:t>Linux</a:t>
-            </a:r>
-            <a:endParaRPr lang="ja-JP" altLang="en-US"/>
-          </a:p>
-        </p:txBody>
-      </p:sp>
-      <p:sp>
-        <p:nvSpPr>
-          <p:cNvPr id="2" name="スライド番号プレースホルダー 1">
-            <a:extLst>
-              <a:ext uri="{FF2B5EF4-FFF2-40B4-BE49-F238E27FC236}">
-                <a16:creationId xmlns:a16="http://schemas.microsoft.com/office/drawing/2014/main" id="{E748FDA7-FFF5-B945-B382-67B364F22669}"/>
+                <a16:creationId xmlns:a16="http://schemas.microsoft.com/office/drawing/2014/main" id="{9F1EF6B8-894D-DA43-BC21-02F72C0C58FB}"/>
               </a:ext>
             </a:extLst>
           </p:cNvPr>
@@ -8602,10 +9555,10 @@
       </p:sp>
       <p:sp>
         <p:nvSpPr>
-          <p:cNvPr id="6" name="テキスト ボックス 5">
+          <p:cNvPr id="4" name="テキスト ボックス 3">
             <a:extLst>
               <a:ext uri="{FF2B5EF4-FFF2-40B4-BE49-F238E27FC236}">
-                <a16:creationId xmlns:a16="http://schemas.microsoft.com/office/drawing/2014/main" id="{D2E88D90-3962-674C-9FBB-39EE5750E98E}"/>
+                <a16:creationId xmlns:a16="http://schemas.microsoft.com/office/drawing/2014/main" id="{35AD1CCC-F85B-FE4D-ADA0-D1529E2D2121}"/>
               </a:ext>
             </a:extLst>
           </p:cNvPr>
@@ -8614,8 +9567,8 @@
         </p:nvSpPr>
         <p:spPr>
           <a:xfrm>
-            <a:off x="1524837" y="4097059"/>
-            <a:ext cx="3274358" cy="369332"/>
+            <a:off x="865100" y="308102"/>
+            <a:ext cx="8014724" cy="646331"/>
           </a:xfrm>
           <a:prstGeom prst="rect">
             <a:avLst/>
@@ -8623,25 +9576,31 @@
           <a:noFill/>
         </p:spPr>
         <p:txBody>
-          <a:bodyPr wrap="none" rtlCol="0">
+          <a:bodyPr wrap="square" rtlCol="0">
             <a:spAutoFit/>
           </a:bodyPr>
           <a:lstStyle/>
           <a:p>
             <a:r>
-              <a:rPr lang="en-US" altLang="ja-JP"/>
-              <a:t>https://adoptium.net/index.html</a:t>
-            </a:r>
-            <a:endParaRPr kumimoji="1" lang="ja-JP" altLang="en-US"/>
-          </a:p>
-        </p:txBody>
-      </p:sp>
-      <p:sp>
-        <p:nvSpPr>
-          <p:cNvPr id="12" name="テキスト ボックス 11">
+              <a:rPr lang="en-US" altLang="ja-JP" dirty="0"/>
+              <a:t>Download sindo-4.0_xxxx.zip from our website:</a:t>
+            </a:r>
+          </a:p>
+          <a:p>
+            <a:pPr lvl="1"/>
+            <a:r>
+              <a:rPr lang="en-US" altLang="ja-JP" dirty="0"/>
+              <a:t>https://tms.riken.jp/en/research/software/sindo</a:t>
+            </a:r>
+          </a:p>
+        </p:txBody>
+      </p:sp>
+      <p:sp>
+        <p:nvSpPr>
+          <p:cNvPr id="5" name="テキスト ボックス 4">
             <a:extLst>
               <a:ext uri="{FF2B5EF4-FFF2-40B4-BE49-F238E27FC236}">
-                <a16:creationId xmlns:a16="http://schemas.microsoft.com/office/drawing/2014/main" id="{7F398D72-381C-EC46-BB31-D81BA8EC9203}"/>
+                <a16:creationId xmlns:a16="http://schemas.microsoft.com/office/drawing/2014/main" id="{FDEFFCB6-BD2C-3F4D-BB79-BF35AE71C958}"/>
               </a:ext>
             </a:extLst>
           </p:cNvPr>
@@ -8650,8 +9609,124 @@
         </p:nvSpPr>
         <p:spPr>
           <a:xfrm>
-            <a:off x="1282645" y="2273526"/>
-            <a:ext cx="2509020" cy="276999"/>
+            <a:off x="905619" y="2821946"/>
+            <a:ext cx="7615383" cy="369332"/>
+          </a:xfrm>
+          <a:prstGeom prst="rect">
+            <a:avLst/>
+          </a:prstGeom>
+          <a:noFill/>
+        </p:spPr>
+        <p:txBody>
+          <a:bodyPr wrap="square" rtlCol="0">
+            <a:spAutoFit/>
+          </a:bodyPr>
+          <a:lstStyle/>
+          <a:p>
+            <a:r>
+              <a:rPr lang="en-US" altLang="ja-JP" dirty="0"/>
+              <a:t>You will see a control panel of </a:t>
+            </a:r>
+            <a:r>
+              <a:rPr lang="en-US" altLang="ja-JP" dirty="0" err="1"/>
+              <a:t>JSindo</a:t>
+            </a:r>
+            <a:r>
+              <a:rPr lang="en-US" altLang="ja-JP" dirty="0"/>
+              <a:t>. </a:t>
+            </a:r>
+          </a:p>
+        </p:txBody>
+      </p:sp>
+      <p:pic>
+        <p:nvPicPr>
+          <p:cNvPr id="8" name="図 7">
+            <a:extLst>
+              <a:ext uri="{FF2B5EF4-FFF2-40B4-BE49-F238E27FC236}">
+                <a16:creationId xmlns:a16="http://schemas.microsoft.com/office/drawing/2014/main" id="{33D402FA-06A9-C044-89D2-75FADA337EC6}"/>
+              </a:ext>
+            </a:extLst>
+          </p:cNvPr>
+          <p:cNvPicPr>
+            <a:picLocks noChangeAspect="1"/>
+          </p:cNvPicPr>
+          <p:nvPr/>
+        </p:nvPicPr>
+        <p:blipFill>
+          <a:blip r:embed="rId2"/>
+          <a:stretch>
+            <a:fillRect/>
+          </a:stretch>
+        </p:blipFill>
+        <p:spPr>
+          <a:xfrm>
+            <a:off x="2034669" y="2967725"/>
+            <a:ext cx="4003352" cy="2048590"/>
+          </a:xfrm>
+          <a:prstGeom prst="rect">
+            <a:avLst/>
+          </a:prstGeom>
+        </p:spPr>
+      </p:pic>
+      <p:sp>
+        <p:nvSpPr>
+          <p:cNvPr id="7" name="テキスト ボックス 6">
+            <a:extLst>
+              <a:ext uri="{FF2B5EF4-FFF2-40B4-BE49-F238E27FC236}">
+                <a16:creationId xmlns:a16="http://schemas.microsoft.com/office/drawing/2014/main" id="{26573351-E85E-CE46-B1D4-3D63BDA679EA}"/>
+              </a:ext>
+            </a:extLst>
+          </p:cNvPr>
+          <p:cNvSpPr txBox="1"/>
+          <p:nvPr/>
+        </p:nvSpPr>
+        <p:spPr>
+          <a:xfrm>
+            <a:off x="905619" y="1026118"/>
+            <a:ext cx="7615383" cy="923330"/>
+          </a:xfrm>
+          <a:prstGeom prst="rect">
+            <a:avLst/>
+          </a:prstGeom>
+          <a:noFill/>
+        </p:spPr>
+        <p:txBody>
+          <a:bodyPr wrap="square" rtlCol="0">
+            <a:spAutoFit/>
+          </a:bodyPr>
+          <a:lstStyle/>
+          <a:p>
+            <a:r>
+              <a:rPr lang="en-US" altLang="ja-JP" dirty="0"/>
+              <a:t>Unzip (double click ) the file, o</a:t>
+            </a:r>
+            <a:r>
+              <a:rPr lang="en-US" altLang="ja-JP"/>
+              <a:t>pen a terminal, then type the following command:</a:t>
+            </a:r>
+            <a:endParaRPr lang="en-US" altLang="ja-JP" dirty="0"/>
+          </a:p>
+          <a:p>
+            <a:endParaRPr lang="en-US" altLang="ja-JP" dirty="0"/>
+          </a:p>
+        </p:txBody>
+      </p:sp>
+      <p:sp>
+        <p:nvSpPr>
+          <p:cNvPr id="9" name="テキスト ボックス 13">
+            <a:extLst>
+              <a:ext uri="{FF2B5EF4-FFF2-40B4-BE49-F238E27FC236}">
+                <a16:creationId xmlns:a16="http://schemas.microsoft.com/office/drawing/2014/main" id="{41519BDB-1AD6-2543-8594-C1065220915C}"/>
+              </a:ext>
+            </a:extLst>
+          </p:cNvPr>
+          <p:cNvSpPr txBox="1"/>
+          <p:nvPr/>
+        </p:nvSpPr>
+        <p:spPr>
+          <a:xfrm>
+            <a:off x="1204223" y="1693537"/>
+            <a:ext cx="6042039" cy="276999"/>
           </a:xfrm>
           <a:prstGeom prst="rect">
             <a:avLst/>
@@ -8670,22 +9745,59 @@
           <a:lstStyle/>
           <a:p>
             <a:r>
+              <a:rPr kumimoji="1" lang="en-US" altLang="ja-JP" sz="1200" dirty="0">
+                <a:latin typeface="Courier" charset="0"/>
+                <a:ea typeface="Courier" charset="0"/>
+                <a:cs typeface="Courier" charset="0"/>
+              </a:rPr>
+              <a:t>java -</a:t>
+            </a:r>
+            <a:r>
               <a:rPr lang="en-US" altLang="ja-JP" sz="1200" dirty="0">
                 <a:latin typeface="Courier" charset="0"/>
                 <a:ea typeface="Courier" charset="0"/>
                 <a:cs typeface="Courier" charset="0"/>
               </a:rPr>
-              <a:t>apt install openjdk-8-jdk</a:t>
-            </a:r>
-          </a:p>
-        </p:txBody>
-      </p:sp>
-      <p:sp>
-        <p:nvSpPr>
-          <p:cNvPr id="13" name="テキスト ボックス 12">
+              <a:t>jar</a:t>
+            </a:r>
+            <a:r>
+              <a:rPr kumimoji="1" lang="en-US" altLang="ja-JP" sz="1200" dirty="0">
+                <a:latin typeface="Courier" charset="0"/>
+                <a:ea typeface="Courier" charset="0"/>
+                <a:cs typeface="Courier" charset="0"/>
+              </a:rPr>
+              <a:t> /path/to/sindo-4.0_xxxx/</a:t>
+            </a:r>
+            <a:r>
+              <a:rPr kumimoji="1" lang="en-US" altLang="ja-JP" sz="1200" dirty="0" err="1">
+                <a:latin typeface="Courier" charset="0"/>
+                <a:ea typeface="Courier" charset="0"/>
+                <a:cs typeface="Courier" charset="0"/>
+              </a:rPr>
+              <a:t>JSindo</a:t>
+            </a:r>
+            <a:r>
+              <a:rPr kumimoji="1" lang="en-US" altLang="ja-JP" sz="1200" dirty="0">
+                <a:latin typeface="Courier" charset="0"/>
+                <a:ea typeface="Courier" charset="0"/>
+                <a:cs typeface="Courier" charset="0"/>
+              </a:rPr>
+              <a:t>/jar/JSindo-4.0_fat.jar</a:t>
+            </a:r>
+            <a:endParaRPr kumimoji="1" lang="ja-JP" altLang="en-US" sz="1200" dirty="0">
+              <a:latin typeface="Courier" charset="0"/>
+              <a:ea typeface="Courier" charset="0"/>
+              <a:cs typeface="Courier" charset="0"/>
+            </a:endParaRPr>
+          </a:p>
+        </p:txBody>
+      </p:sp>
+      <p:sp>
+        <p:nvSpPr>
+          <p:cNvPr id="10" name="テキスト ボックス 13">
             <a:extLst>
               <a:ext uri="{FF2B5EF4-FFF2-40B4-BE49-F238E27FC236}">
-                <a16:creationId xmlns:a16="http://schemas.microsoft.com/office/drawing/2014/main" id="{67BF87FF-794B-2841-ABD1-2791961C72DC}"/>
+                <a16:creationId xmlns:a16="http://schemas.microsoft.com/office/drawing/2014/main" id="{34131D0B-4C8D-CF42-A2E3-EA31628A06AC}"/>
               </a:ext>
             </a:extLst>
           </p:cNvPr>
@@ -8694,52 +9806,8 @@
         </p:nvSpPr>
         <p:spPr>
           <a:xfrm>
-            <a:off x="4842184" y="2218038"/>
-            <a:ext cx="1811265" cy="369332"/>
-          </a:xfrm>
-          <a:prstGeom prst="rect">
-            <a:avLst/>
-          </a:prstGeom>
-          <a:noFill/>
-        </p:spPr>
-        <p:txBody>
-          <a:bodyPr wrap="none" rtlCol="0">
-            <a:spAutoFit/>
-          </a:bodyPr>
-          <a:lstStyle/>
-          <a:p>
-            <a:r>
-              <a:rPr kumimoji="1" lang="en-US" altLang="ja-JP" dirty="0"/>
-              <a:t>(</a:t>
-            </a:r>
-            <a:r>
-              <a:rPr kumimoji="1" lang="en-US" altLang="ja-JP" dirty="0" err="1"/>
-              <a:t>Debian</a:t>
-            </a:r>
-            <a:r>
-              <a:rPr lang="en-US" altLang="ja-JP" dirty="0"/>
-              <a:t>, Ubuntu)</a:t>
-            </a:r>
-            <a:endParaRPr kumimoji="1" lang="ja-JP" altLang="en-US" dirty="0"/>
-          </a:p>
-        </p:txBody>
-      </p:sp>
-      <p:sp>
-        <p:nvSpPr>
-          <p:cNvPr id="14" name="テキスト ボックス 13">
-            <a:extLst>
-              <a:ext uri="{FF2B5EF4-FFF2-40B4-BE49-F238E27FC236}">
-                <a16:creationId xmlns:a16="http://schemas.microsoft.com/office/drawing/2014/main" id="{4EE24B37-76F7-284A-A651-2C9E6AD45505}"/>
-              </a:ext>
-            </a:extLst>
-          </p:cNvPr>
-          <p:cNvSpPr txBox="1"/>
-          <p:nvPr/>
-        </p:nvSpPr>
-        <p:spPr>
-          <a:xfrm>
-            <a:off x="1282645" y="1905036"/>
-            <a:ext cx="2973891" cy="276999"/>
+            <a:off x="1204223" y="2381221"/>
+            <a:ext cx="6785832" cy="276999"/>
           </a:xfrm>
           <a:prstGeom prst="rect">
             <a:avLst/>
@@ -8758,22 +9826,59 @@
           <a:lstStyle/>
           <a:p>
             <a:r>
+              <a:rPr kumimoji="1" lang="en-US" altLang="ja-JP" sz="1200" dirty="0">
+                <a:latin typeface="Courier" charset="0"/>
+                <a:ea typeface="Courier" charset="0"/>
+                <a:cs typeface="Courier" charset="0"/>
+              </a:rPr>
+              <a:t>java -cp</a:t>
+            </a:r>
+            <a:r>
               <a:rPr lang="en-US" altLang="ja-JP" sz="1200" dirty="0">
                 <a:latin typeface="Courier" charset="0"/>
                 <a:ea typeface="Courier" charset="0"/>
                 <a:cs typeface="Courier" charset="0"/>
               </a:rPr>
-              <a:t>yum install java-1.8.0-openjdk</a:t>
-            </a:r>
-          </a:p>
-        </p:txBody>
-      </p:sp>
-      <p:sp>
-        <p:nvSpPr>
-          <p:cNvPr id="15" name="テキスト ボックス 14">
+              <a:t> /path/to/sindo-4.0_xxxx/</a:t>
+            </a:r>
+            <a:r>
+              <a:rPr lang="en-US" altLang="ja-JP" sz="1200" dirty="0" err="1">
+                <a:latin typeface="Courier" charset="0"/>
+                <a:ea typeface="Courier" charset="0"/>
+                <a:cs typeface="Courier" charset="0"/>
+              </a:rPr>
+              <a:t>JSindo</a:t>
+            </a:r>
+            <a:r>
+              <a:rPr lang="en-US" altLang="ja-JP" sz="1200" dirty="0">
+                <a:latin typeface="Courier" charset="0"/>
+                <a:ea typeface="Courier" charset="0"/>
+                <a:cs typeface="Courier" charset="0"/>
+              </a:rPr>
+              <a:t>/jar/JSindo-4.0_fat.jar </a:t>
+            </a:r>
+            <a:r>
+              <a:rPr kumimoji="1" lang="en-US" altLang="ja-JP" sz="1200" dirty="0" err="1">
+                <a:latin typeface="Courier" charset="0"/>
+                <a:ea typeface="Courier" charset="0"/>
+                <a:cs typeface="Courier" charset="0"/>
+              </a:rPr>
+              <a:t>JSindo</a:t>
+            </a:r>
+            <a:endParaRPr kumimoji="1" lang="ja-JP" altLang="en-US" sz="1200" dirty="0">
+              <a:latin typeface="Courier" charset="0"/>
+              <a:ea typeface="Courier" charset="0"/>
+              <a:cs typeface="Courier" charset="0"/>
+            </a:endParaRPr>
+          </a:p>
+        </p:txBody>
+      </p:sp>
+      <p:sp>
+        <p:nvSpPr>
+          <p:cNvPr id="11" name="テキスト ボックス 10">
             <a:extLst>
               <a:ext uri="{FF2B5EF4-FFF2-40B4-BE49-F238E27FC236}">
-                <a16:creationId xmlns:a16="http://schemas.microsoft.com/office/drawing/2014/main" id="{0B958BB3-5C4C-8F4F-A737-CF67B96AF59D}"/>
+                <a16:creationId xmlns:a16="http://schemas.microsoft.com/office/drawing/2014/main" id="{82B5C5C7-71E3-BA4F-B78F-63C1483D8571}"/>
               </a:ext>
             </a:extLst>
           </p:cNvPr>
@@ -8782,8 +9887,8 @@
         </p:nvSpPr>
         <p:spPr>
           <a:xfrm>
-            <a:off x="4842184" y="1849549"/>
-            <a:ext cx="1019318" cy="369332"/>
+            <a:off x="901214" y="2004261"/>
+            <a:ext cx="386644" cy="369332"/>
           </a:xfrm>
           <a:prstGeom prst="rect">
             <a:avLst/>
@@ -8797,23 +9902,19 @@
           <a:lstStyle/>
           <a:p>
             <a:r>
-              <a:rPr kumimoji="1" lang="en-US" altLang="ja-JP" dirty="0"/>
-              <a:t>(CentOS</a:t>
-            </a:r>
-            <a:r>
-              <a:rPr lang="en-US" altLang="ja-JP" dirty="0"/>
-              <a:t>)</a:t>
-            </a:r>
-            <a:endParaRPr kumimoji="1" lang="ja-JP" altLang="en-US" dirty="0"/>
-          </a:p>
-        </p:txBody>
-      </p:sp>
-      <p:sp>
-        <p:nvSpPr>
-          <p:cNvPr id="16" name="テキスト ボックス 15">
+              <a:rPr kumimoji="1" lang="en-US" altLang="ja-JP"/>
+              <a:t>or</a:t>
+            </a:r>
+            <a:endParaRPr kumimoji="1" lang="ja-JP" altLang="en-US"/>
+          </a:p>
+        </p:txBody>
+      </p:sp>
+      <p:sp>
+        <p:nvSpPr>
+          <p:cNvPr id="13" name="テキスト ボックス 12">
             <a:extLst>
               <a:ext uri="{FF2B5EF4-FFF2-40B4-BE49-F238E27FC236}">
-                <a16:creationId xmlns:a16="http://schemas.microsoft.com/office/drawing/2014/main" id="{E78078ED-2C0D-DB49-9D66-576BC8232655}"/>
+                <a16:creationId xmlns:a16="http://schemas.microsoft.com/office/drawing/2014/main" id="{0311892E-5F54-4248-A3E8-00F2BF214A0F}"/>
               </a:ext>
             </a:extLst>
           </p:cNvPr>
@@ -8822,187 +9923,8 @@
         </p:nvSpPr>
         <p:spPr>
           <a:xfrm>
-            <a:off x="1161408" y="2723471"/>
-            <a:ext cx="7862624" cy="646331"/>
-          </a:xfrm>
-          <a:prstGeom prst="rect">
-            <a:avLst/>
-          </a:prstGeom>
-          <a:noFill/>
-        </p:spPr>
-        <p:txBody>
-          <a:bodyPr wrap="square" rtlCol="0">
-            <a:spAutoFit/>
-          </a:bodyPr>
-          <a:lstStyle/>
-          <a:p>
-            <a:r>
-              <a:rPr lang="en-US" altLang="ja-JP"/>
-              <a:t>The newer version, Java 17, is also available through package tools, but currently JSindo doesn’t work with Java 17.</a:t>
-            </a:r>
-            <a:endParaRPr kumimoji="1" lang="ja-JP" altLang="en-US"/>
-          </a:p>
-        </p:txBody>
-      </p:sp>
-      <p:sp>
-        <p:nvSpPr>
-          <p:cNvPr id="17" name="テキスト ボックス 16">
-            <a:extLst>
-              <a:ext uri="{FF2B5EF4-FFF2-40B4-BE49-F238E27FC236}">
-                <a16:creationId xmlns:a16="http://schemas.microsoft.com/office/drawing/2014/main" id="{4E4DE779-5653-9C47-9043-D18B828CFABE}"/>
-              </a:ext>
-            </a:extLst>
-          </p:cNvPr>
-          <p:cNvSpPr txBox="1"/>
-          <p:nvPr/>
-        </p:nvSpPr>
-        <p:spPr>
-          <a:xfrm>
-            <a:off x="1147120" y="3634572"/>
-            <a:ext cx="4982218" cy="369332"/>
-          </a:xfrm>
-          <a:prstGeom prst="rect">
-            <a:avLst/>
-          </a:prstGeom>
-          <a:noFill/>
-        </p:spPr>
-        <p:txBody>
-          <a:bodyPr wrap="square" rtlCol="0">
-            <a:spAutoFit/>
-          </a:bodyPr>
-          <a:lstStyle/>
-          <a:p>
-            <a:r>
-              <a:rPr lang="en-US" altLang="ja-JP"/>
-              <a:t>Alternatively, you may obtain OpenJDK from here,</a:t>
-            </a:r>
-            <a:endParaRPr kumimoji="1" lang="ja-JP" altLang="en-US"/>
-          </a:p>
-        </p:txBody>
-      </p:sp>
-      <p:sp>
-        <p:nvSpPr>
-          <p:cNvPr id="19" name="テキスト ボックス 18">
-            <a:extLst>
-              <a:ext uri="{FF2B5EF4-FFF2-40B4-BE49-F238E27FC236}">
-                <a16:creationId xmlns:a16="http://schemas.microsoft.com/office/drawing/2014/main" id="{812F21B2-1468-E64F-A997-B30A723DBD6F}"/>
-              </a:ext>
-            </a:extLst>
-          </p:cNvPr>
-          <p:cNvSpPr txBox="1"/>
-          <p:nvPr/>
-        </p:nvSpPr>
-        <p:spPr>
-          <a:xfrm>
-            <a:off x="1189982" y="4627826"/>
-            <a:ext cx="7168710" cy="646331"/>
-          </a:xfrm>
-          <a:prstGeom prst="rect">
-            <a:avLst/>
-          </a:prstGeom>
-          <a:noFill/>
-        </p:spPr>
-        <p:txBody>
-          <a:bodyPr wrap="square" rtlCol="0">
-            <a:spAutoFit/>
-          </a:bodyPr>
-          <a:lstStyle/>
-          <a:p>
-            <a:r>
-              <a:rPr lang="en-US" altLang="ja-JP"/>
-              <a:t>This site provides a tarball. Extract the tarball and set the environment variables:</a:t>
-            </a:r>
-          </a:p>
-        </p:txBody>
-      </p:sp>
-      <p:sp>
-        <p:nvSpPr>
-          <p:cNvPr id="7" name="テキスト ボックス 6">
-            <a:extLst>
-              <a:ext uri="{FF2B5EF4-FFF2-40B4-BE49-F238E27FC236}">
-                <a16:creationId xmlns:a16="http://schemas.microsoft.com/office/drawing/2014/main" id="{648135CC-782A-ED4F-920E-0BA18752DF88}"/>
-              </a:ext>
-            </a:extLst>
-          </p:cNvPr>
-          <p:cNvSpPr txBox="1"/>
-          <p:nvPr/>
-        </p:nvSpPr>
-        <p:spPr>
-          <a:xfrm>
-            <a:off x="1114426" y="1443037"/>
-            <a:ext cx="5230599" cy="369332"/>
-          </a:xfrm>
-          <a:prstGeom prst="rect">
-            <a:avLst/>
-          </a:prstGeom>
-          <a:noFill/>
-        </p:spPr>
-        <p:txBody>
-          <a:bodyPr wrap="none" rtlCol="0">
-            <a:spAutoFit/>
-          </a:bodyPr>
-          <a:lstStyle/>
-          <a:p>
-            <a:r>
-              <a:rPr lang="en-US" altLang="ja-JP"/>
-              <a:t>Install Java 8 or Java 11 using the following command:</a:t>
-            </a:r>
-            <a:endParaRPr kumimoji="1" lang="ja-JP" altLang="en-US"/>
-          </a:p>
-        </p:txBody>
-      </p:sp>
-      <p:sp>
-        <p:nvSpPr>
-          <p:cNvPr id="21" name="テキスト ボックス 20">
-            <a:extLst>
-              <a:ext uri="{FF2B5EF4-FFF2-40B4-BE49-F238E27FC236}">
-                <a16:creationId xmlns:a16="http://schemas.microsoft.com/office/drawing/2014/main" id="{F9E170EA-E2AB-9C46-9495-8CDAF0782FF6}"/>
-              </a:ext>
-            </a:extLst>
-          </p:cNvPr>
-          <p:cNvSpPr txBox="1"/>
-          <p:nvPr/>
-        </p:nvSpPr>
-        <p:spPr>
-          <a:xfrm>
-            <a:off x="854110" y="964642"/>
-            <a:ext cx="2113784" cy="369332"/>
-          </a:xfrm>
-          <a:prstGeom prst="rect">
-            <a:avLst/>
-          </a:prstGeom>
-          <a:noFill/>
-        </p:spPr>
-        <p:txBody>
-          <a:bodyPr wrap="none" rtlCol="0">
-            <a:spAutoFit/>
-          </a:bodyPr>
-          <a:lstStyle/>
-          <a:p>
-            <a:r>
-              <a:rPr kumimoji="1" lang="en-US" altLang="ja-JP"/>
-              <a:t>Download OpenJDK</a:t>
-            </a:r>
-            <a:endParaRPr kumimoji="1" lang="ja-JP" altLang="en-US"/>
-          </a:p>
-        </p:txBody>
-      </p:sp>
-      <p:sp>
-        <p:nvSpPr>
-          <p:cNvPr id="22" name="テキスト ボックス 21">
-            <a:extLst>
-              <a:ext uri="{FF2B5EF4-FFF2-40B4-BE49-F238E27FC236}">
-                <a16:creationId xmlns:a16="http://schemas.microsoft.com/office/drawing/2014/main" id="{C1D1F035-A68C-D946-9959-81BDFC774577}"/>
-              </a:ext>
-            </a:extLst>
-          </p:cNvPr>
-          <p:cNvSpPr txBox="1"/>
-          <p:nvPr/>
-        </p:nvSpPr>
-        <p:spPr>
-          <a:xfrm>
-            <a:off x="1325507" y="5550941"/>
-            <a:ext cx="3996607" cy="461665"/>
+            <a:off x="1209863" y="6040681"/>
+            <a:ext cx="1393330" cy="461665"/>
           </a:xfrm>
           <a:prstGeom prst="rect">
             <a:avLst/>
@@ -9026,19 +9948,21 @@
                 <a:ea typeface="Courier" charset="0"/>
                 <a:cs typeface="Courier" charset="0"/>
               </a:rPr>
-              <a:t>export JAVA_HOME=/path/to/</a:t>
-            </a:r>
-            <a:r>
-              <a:rPr lang="en-US" altLang="ja-JP" sz="1200" dirty="0">
-                <a:solidFill>
-                  <a:srgbClr val="FF0000"/>
-                </a:solidFill>
+              <a:t>&gt; . ~/.</a:t>
+            </a:r>
+            <a:r>
+              <a:rPr lang="en-US" altLang="ja-JP" sz="1200" dirty="0" err="1">
                 <a:latin typeface="Courier" charset="0"/>
                 <a:ea typeface="Courier" charset="0"/>
                 <a:cs typeface="Courier" charset="0"/>
               </a:rPr>
-              <a:t>jdk-11.0.14.1+1</a:t>
-            </a:r>
+              <a:t>bashrc</a:t>
+            </a:r>
+            <a:endParaRPr lang="en-US" altLang="ja-JP" sz="1200" dirty="0">
+              <a:latin typeface="Courier" charset="0"/>
+              <a:ea typeface="Courier" charset="0"/>
+              <a:cs typeface="Courier" charset="0"/>
+            </a:endParaRPr>
           </a:p>
           <a:p>
             <a:r>
@@ -9047,15 +9971,189 @@
                 <a:ea typeface="Courier" charset="0"/>
                 <a:cs typeface="Courier" charset="0"/>
               </a:rPr>
-              <a:t>export PATH=${JAVA_HOME}/bin:${PATH}</a:t>
-            </a:r>
+              <a:t>&gt; </a:t>
+            </a:r>
+            <a:r>
+              <a:rPr lang="en-US" altLang="ja-JP" sz="1200" dirty="0" err="1">
+                <a:latin typeface="Courier" charset="0"/>
+                <a:ea typeface="Courier" charset="0"/>
+                <a:cs typeface="Courier" charset="0"/>
+              </a:rPr>
+              <a:t>jsindo</a:t>
+            </a:r>
+            <a:endParaRPr lang="en-US" altLang="ja-JP" sz="1200" dirty="0">
+              <a:latin typeface="Courier" charset="0"/>
+              <a:ea typeface="Courier" charset="0"/>
+              <a:cs typeface="Courier" charset="0"/>
+            </a:endParaRPr>
+          </a:p>
+        </p:txBody>
+      </p:sp>
+      <p:sp>
+        <p:nvSpPr>
+          <p:cNvPr id="14" name="テキスト ボックス 13">
+            <a:extLst>
+              <a:ext uri="{FF2B5EF4-FFF2-40B4-BE49-F238E27FC236}">
+                <a16:creationId xmlns:a16="http://schemas.microsoft.com/office/drawing/2014/main" id="{7F615F5B-83BC-854B-B71E-71AC2D8326AF}"/>
+              </a:ext>
+            </a:extLst>
+          </p:cNvPr>
+          <p:cNvSpPr txBox="1"/>
+          <p:nvPr/>
+        </p:nvSpPr>
+        <p:spPr>
+          <a:xfrm>
+            <a:off x="930048" y="5564345"/>
+            <a:ext cx="7486322" cy="369332"/>
+          </a:xfrm>
+          <a:prstGeom prst="rect">
+            <a:avLst/>
+          </a:prstGeom>
+          <a:noFill/>
+        </p:spPr>
+        <p:txBody>
+          <a:bodyPr wrap="square" rtlCol="0">
+            <a:spAutoFit/>
+          </a:bodyPr>
+          <a:lstStyle/>
+          <a:p>
+            <a:r>
+              <a:rPr lang="en-US" altLang="ja-JP" dirty="0"/>
+              <a:t>After source, you can invoke the program by typing “</a:t>
+            </a:r>
+            <a:r>
+              <a:rPr lang="en-US" altLang="ja-JP" dirty="0" err="1"/>
+              <a:t>jsindo</a:t>
+            </a:r>
+            <a:r>
+              <a:rPr lang="en-US" altLang="ja-JP" dirty="0"/>
+              <a:t>” in the command.</a:t>
+            </a:r>
+            <a:endParaRPr kumimoji="1" lang="ja-JP" altLang="en-US" dirty="0"/>
+          </a:p>
+        </p:txBody>
+      </p:sp>
+      <p:sp>
+        <p:nvSpPr>
+          <p:cNvPr id="15" name="テキスト ボックス 14">
+            <a:extLst>
+              <a:ext uri="{FF2B5EF4-FFF2-40B4-BE49-F238E27FC236}">
+                <a16:creationId xmlns:a16="http://schemas.microsoft.com/office/drawing/2014/main" id="{4155B7D0-476C-3A47-B4E6-F2E327DD496C}"/>
+              </a:ext>
+            </a:extLst>
+          </p:cNvPr>
+          <p:cNvSpPr txBox="1"/>
+          <p:nvPr/>
+        </p:nvSpPr>
+        <p:spPr>
+          <a:xfrm>
+            <a:off x="931904" y="4614549"/>
+            <a:ext cx="4756174" cy="369332"/>
+          </a:xfrm>
+          <a:prstGeom prst="rect">
+            <a:avLst/>
+          </a:prstGeom>
+          <a:noFill/>
+        </p:spPr>
+        <p:txBody>
+          <a:bodyPr wrap="none" rtlCol="0">
+            <a:spAutoFit/>
+          </a:bodyPr>
+          <a:lstStyle/>
+          <a:p>
+            <a:r>
+              <a:rPr kumimoji="1" lang="en-US" altLang="ja-JP" dirty="0"/>
+              <a:t>You may add </a:t>
+            </a:r>
+            <a:r>
+              <a:rPr kumimoji="1" lang="en-US" altLang="ja-JP"/>
+              <a:t>the following line </a:t>
+            </a:r>
+            <a:r>
+              <a:rPr kumimoji="1" lang="en-US" altLang="ja-JP" dirty="0"/>
+              <a:t>in your ~/.</a:t>
+            </a:r>
+            <a:r>
+              <a:rPr kumimoji="1" lang="en-US" altLang="ja-JP" dirty="0" err="1"/>
+              <a:t>bashrc</a:t>
+            </a:r>
+            <a:r>
+              <a:rPr kumimoji="1" lang="en-US" altLang="ja-JP" dirty="0"/>
+              <a:t>,</a:t>
+            </a:r>
+            <a:endParaRPr kumimoji="1" lang="ja-JP" altLang="en-US" dirty="0"/>
+          </a:p>
+        </p:txBody>
+      </p:sp>
+      <p:sp>
+        <p:nvSpPr>
+          <p:cNvPr id="16" name="テキスト ボックス 13">
+            <a:extLst>
+              <a:ext uri="{FF2B5EF4-FFF2-40B4-BE49-F238E27FC236}">
+                <a16:creationId xmlns:a16="http://schemas.microsoft.com/office/drawing/2014/main" id="{4791D2C6-9A15-504B-8B58-3DC86AC8D0AF}"/>
+              </a:ext>
+            </a:extLst>
+          </p:cNvPr>
+          <p:cNvSpPr txBox="1"/>
+          <p:nvPr/>
+        </p:nvSpPr>
+        <p:spPr>
+          <a:xfrm>
+            <a:off x="1204223" y="5085184"/>
+            <a:ext cx="7622600" cy="276999"/>
+          </a:xfrm>
+          <a:prstGeom prst="rect">
+            <a:avLst/>
+          </a:prstGeom>
+          <a:noFill/>
+          <a:ln>
+            <a:solidFill>
+              <a:srgbClr val="00B050"/>
+            </a:solidFill>
+          </a:ln>
+        </p:spPr>
+        <p:txBody>
+          <a:bodyPr wrap="none" rtlCol="0">
+            <a:spAutoFit/>
+          </a:bodyPr>
+          <a:lstStyle/>
+          <a:p>
+            <a:r>
+              <a:rPr lang="en-US" altLang="ja-JP" sz="1200" dirty="0">
+                <a:latin typeface="Courier" charset="0"/>
+                <a:ea typeface="Courier" charset="0"/>
+                <a:cs typeface="Courier" charset="0"/>
+              </a:rPr>
+              <a:t>alias </a:t>
+            </a:r>
+            <a:r>
+              <a:rPr lang="en-US" altLang="ja-JP" sz="1200" dirty="0" err="1">
+                <a:latin typeface="Courier" charset="0"/>
+                <a:ea typeface="Courier" charset="0"/>
+                <a:cs typeface="Courier" charset="0"/>
+              </a:rPr>
+              <a:t>jsindo</a:t>
+            </a:r>
+            <a:r>
+              <a:rPr lang="en-US" altLang="ja-JP" sz="1200" dirty="0">
+                <a:latin typeface="Courier" charset="0"/>
+                <a:ea typeface="Courier" charset="0"/>
+                <a:cs typeface="Courier" charset="0"/>
+              </a:rPr>
+              <a:t>=‘java -jar /path/to/sindo-4.0_xxxx/JSindo/jar/JSindo-4.0_fat.jar’  </a:t>
+            </a:r>
+            <a:endParaRPr kumimoji="1" lang="ja-JP" altLang="en-US" sz="1200" dirty="0">
+              <a:latin typeface="Courier" charset="0"/>
+              <a:ea typeface="Courier" charset="0"/>
+              <a:cs typeface="Courier" charset="0"/>
+            </a:endParaRPr>
           </a:p>
         </p:txBody>
       </p:sp>
     </p:spTree>
     <p:extLst>
       <p:ext uri="{BB962C8B-B14F-4D97-AF65-F5344CB8AC3E}">
-        <p14:creationId xmlns:p14="http://schemas.microsoft.com/office/powerpoint/2010/main" val="2938998792"/>
+        <p14:creationId xmlns:p14="http://schemas.microsoft.com/office/powerpoint/2010/main" val="499703293"/>
       </p:ext>
     </p:extLst>
   </p:cSld>
@@ -9084,10 +10182,39 @@
       </p:grpSpPr>
       <p:sp>
         <p:nvSpPr>
-          <p:cNvPr id="3" name="スライド番号プレースホルダー 2">
+          <p:cNvPr id="3" name="タイトル 2">
             <a:extLst>
               <a:ext uri="{FF2B5EF4-FFF2-40B4-BE49-F238E27FC236}">
-                <a16:creationId xmlns:a16="http://schemas.microsoft.com/office/drawing/2014/main" id="{9F1EF6B8-894D-DA43-BC21-02F72C0C58FB}"/>
+                <a16:creationId xmlns:a16="http://schemas.microsoft.com/office/drawing/2014/main" id="{EC9F2A6C-6186-1C49-BB94-75264F3F6B08}"/>
+              </a:ext>
+            </a:extLst>
+          </p:cNvPr>
+          <p:cNvSpPr>
+            <a:spLocks noGrp="1"/>
+          </p:cNvSpPr>
+          <p:nvPr>
+            <p:ph type="title"/>
+          </p:nvPr>
+        </p:nvSpPr>
+        <p:spPr/>
+        <p:txBody>
+          <a:bodyPr/>
+          <a:lstStyle/>
+          <a:p>
+            <a:r>
+              <a:rPr lang="en-US" altLang="ja-JP"/>
+              <a:t>Linux</a:t>
+            </a:r>
+            <a:endParaRPr lang="ja-JP" altLang="en-US"/>
+          </a:p>
+        </p:txBody>
+      </p:sp>
+      <p:sp>
+        <p:nvSpPr>
+          <p:cNvPr id="2" name="スライド番号プレースホルダー 1">
+            <a:extLst>
+              <a:ext uri="{FF2B5EF4-FFF2-40B4-BE49-F238E27FC236}">
+                <a16:creationId xmlns:a16="http://schemas.microsoft.com/office/drawing/2014/main" id="{E748FDA7-FFF5-B945-B382-67B364F22669}"/>
               </a:ext>
             </a:extLst>
           </p:cNvPr>
@@ -9113,10 +10240,10 @@
       </p:sp>
       <p:sp>
         <p:nvSpPr>
-          <p:cNvPr id="4" name="テキスト ボックス 3">
+          <p:cNvPr id="6" name="テキスト ボックス 5">
             <a:extLst>
               <a:ext uri="{FF2B5EF4-FFF2-40B4-BE49-F238E27FC236}">
-                <a16:creationId xmlns:a16="http://schemas.microsoft.com/office/drawing/2014/main" id="{35AD1CCC-F85B-FE4D-ADA0-D1529E2D2121}"/>
+                <a16:creationId xmlns:a16="http://schemas.microsoft.com/office/drawing/2014/main" id="{D2E88D90-3962-674C-9FBB-39EE5750E98E}"/>
               </a:ext>
             </a:extLst>
           </p:cNvPr>
@@ -9125,8 +10252,8 @@
         </p:nvSpPr>
         <p:spPr>
           <a:xfrm>
-            <a:off x="865100" y="308102"/>
-            <a:ext cx="8014724" cy="646331"/>
+            <a:off x="1524837" y="4097059"/>
+            <a:ext cx="3274358" cy="369332"/>
           </a:xfrm>
           <a:prstGeom prst="rect">
             <a:avLst/>
@@ -9134,31 +10261,25 @@
           <a:noFill/>
         </p:spPr>
         <p:txBody>
-          <a:bodyPr wrap="square" rtlCol="0">
+          <a:bodyPr wrap="none" rtlCol="0">
             <a:spAutoFit/>
           </a:bodyPr>
           <a:lstStyle/>
           <a:p>
             <a:r>
-              <a:rPr lang="en-US" altLang="ja-JP" dirty="0"/>
-              <a:t>Download sindo-4.0_xxxx.zip from our website:</a:t>
-            </a:r>
-          </a:p>
-          <a:p>
-            <a:pPr lvl="1"/>
-            <a:r>
-              <a:rPr lang="en-US" altLang="ja-JP" dirty="0"/>
-              <a:t>https://tms.riken.jp/en/research/software/sindo</a:t>
-            </a:r>
-          </a:p>
-        </p:txBody>
-      </p:sp>
-      <p:sp>
-        <p:nvSpPr>
-          <p:cNvPr id="5" name="テキスト ボックス 4">
+              <a:rPr lang="en-US" altLang="ja-JP"/>
+              <a:t>https://adoptium.net/index.html</a:t>
+            </a:r>
+            <a:endParaRPr kumimoji="1" lang="ja-JP" altLang="en-US"/>
+          </a:p>
+        </p:txBody>
+      </p:sp>
+      <p:sp>
+        <p:nvSpPr>
+          <p:cNvPr id="12" name="テキスト ボックス 11">
             <a:extLst>
               <a:ext uri="{FF2B5EF4-FFF2-40B4-BE49-F238E27FC236}">
-                <a16:creationId xmlns:a16="http://schemas.microsoft.com/office/drawing/2014/main" id="{FDEFFCB6-BD2C-3F4D-BB79-BF35AE71C958}"/>
+                <a16:creationId xmlns:a16="http://schemas.microsoft.com/office/drawing/2014/main" id="{7F398D72-381C-EC46-BB31-D81BA8EC9203}"/>
               </a:ext>
             </a:extLst>
           </p:cNvPr>
@@ -9167,124 +10288,8 @@
         </p:nvSpPr>
         <p:spPr>
           <a:xfrm>
-            <a:off x="905619" y="2821946"/>
-            <a:ext cx="7615383" cy="369332"/>
-          </a:xfrm>
-          <a:prstGeom prst="rect">
-            <a:avLst/>
-          </a:prstGeom>
-          <a:noFill/>
-        </p:spPr>
-        <p:txBody>
-          <a:bodyPr wrap="square" rtlCol="0">
-            <a:spAutoFit/>
-          </a:bodyPr>
-          <a:lstStyle/>
-          <a:p>
-            <a:r>
-              <a:rPr lang="en-US" altLang="ja-JP" dirty="0"/>
-              <a:t>You will see a control panel of </a:t>
-            </a:r>
-            <a:r>
-              <a:rPr lang="en-US" altLang="ja-JP" dirty="0" err="1"/>
-              <a:t>JSindo</a:t>
-            </a:r>
-            <a:r>
-              <a:rPr lang="en-US" altLang="ja-JP" dirty="0"/>
-              <a:t>. </a:t>
-            </a:r>
-          </a:p>
-        </p:txBody>
-      </p:sp>
-      <p:pic>
-        <p:nvPicPr>
-          <p:cNvPr id="8" name="図 7">
-            <a:extLst>
-              <a:ext uri="{FF2B5EF4-FFF2-40B4-BE49-F238E27FC236}">
-                <a16:creationId xmlns:a16="http://schemas.microsoft.com/office/drawing/2014/main" id="{33D402FA-06A9-C044-89D2-75FADA337EC6}"/>
-              </a:ext>
-            </a:extLst>
-          </p:cNvPr>
-          <p:cNvPicPr>
-            <a:picLocks noChangeAspect="1"/>
-          </p:cNvPicPr>
-          <p:nvPr/>
-        </p:nvPicPr>
-        <p:blipFill>
-          <a:blip r:embed="rId2"/>
-          <a:stretch>
-            <a:fillRect/>
-          </a:stretch>
-        </p:blipFill>
-        <p:spPr>
-          <a:xfrm>
-            <a:off x="2034669" y="2967725"/>
-            <a:ext cx="4003352" cy="2048590"/>
-          </a:xfrm>
-          <a:prstGeom prst="rect">
-            <a:avLst/>
-          </a:prstGeom>
-        </p:spPr>
-      </p:pic>
-      <p:sp>
-        <p:nvSpPr>
-          <p:cNvPr id="7" name="テキスト ボックス 6">
-            <a:extLst>
-              <a:ext uri="{FF2B5EF4-FFF2-40B4-BE49-F238E27FC236}">
-                <a16:creationId xmlns:a16="http://schemas.microsoft.com/office/drawing/2014/main" id="{26573351-E85E-CE46-B1D4-3D63BDA679EA}"/>
-              </a:ext>
-            </a:extLst>
-          </p:cNvPr>
-          <p:cNvSpPr txBox="1"/>
-          <p:nvPr/>
-        </p:nvSpPr>
-        <p:spPr>
-          <a:xfrm>
-            <a:off x="905619" y="1026118"/>
-            <a:ext cx="7615383" cy="923330"/>
-          </a:xfrm>
-          <a:prstGeom prst="rect">
-            <a:avLst/>
-          </a:prstGeom>
-          <a:noFill/>
-        </p:spPr>
-        <p:txBody>
-          <a:bodyPr wrap="square" rtlCol="0">
-            <a:spAutoFit/>
-          </a:bodyPr>
-          <a:lstStyle/>
-          <a:p>
-            <a:r>
-              <a:rPr lang="en-US" altLang="ja-JP" dirty="0"/>
-              <a:t>Unzip (double click ) the file, o</a:t>
-            </a:r>
-            <a:r>
-              <a:rPr lang="en-US" altLang="ja-JP"/>
-              <a:t>pen a terminal, then type the following command:</a:t>
-            </a:r>
-            <a:endParaRPr lang="en-US" altLang="ja-JP" dirty="0"/>
-          </a:p>
-          <a:p>
-            <a:endParaRPr lang="en-US" altLang="ja-JP" dirty="0"/>
-          </a:p>
-        </p:txBody>
-      </p:sp>
-      <p:sp>
-        <p:nvSpPr>
-          <p:cNvPr id="9" name="テキスト ボックス 13">
-            <a:extLst>
-              <a:ext uri="{FF2B5EF4-FFF2-40B4-BE49-F238E27FC236}">
-                <a16:creationId xmlns:a16="http://schemas.microsoft.com/office/drawing/2014/main" id="{41519BDB-1AD6-2543-8594-C1065220915C}"/>
-              </a:ext>
-            </a:extLst>
-          </p:cNvPr>
-          <p:cNvSpPr txBox="1"/>
-          <p:nvPr/>
-        </p:nvSpPr>
-        <p:spPr>
-          <a:xfrm>
-            <a:off x="1204223" y="1693537"/>
-            <a:ext cx="6042039" cy="276999"/>
+            <a:off x="1282645" y="2273526"/>
+            <a:ext cx="2509020" cy="276999"/>
           </a:xfrm>
           <a:prstGeom prst="rect">
             <a:avLst/>
@@ -9303,59 +10308,22 @@
           <a:lstStyle/>
           <a:p>
             <a:r>
-              <a:rPr kumimoji="1" lang="en-US" altLang="ja-JP" sz="1200" dirty="0">
-                <a:latin typeface="Courier" charset="0"/>
-                <a:ea typeface="Courier" charset="0"/>
-                <a:cs typeface="Courier" charset="0"/>
-              </a:rPr>
-              <a:t>java -</a:t>
-            </a:r>
-            <a:r>
               <a:rPr lang="en-US" altLang="ja-JP" sz="1200" dirty="0">
                 <a:latin typeface="Courier" charset="0"/>
                 <a:ea typeface="Courier" charset="0"/>
                 <a:cs typeface="Courier" charset="0"/>
               </a:rPr>
-              <a:t>jar</a:t>
-            </a:r>
-            <a:r>
-              <a:rPr kumimoji="1" lang="en-US" altLang="ja-JP" sz="1200" dirty="0">
-                <a:latin typeface="Courier" charset="0"/>
-                <a:ea typeface="Courier" charset="0"/>
-                <a:cs typeface="Courier" charset="0"/>
-              </a:rPr>
-              <a:t> /path/to/sindo-4.0_xxxx/</a:t>
-            </a:r>
-            <a:r>
-              <a:rPr kumimoji="1" lang="en-US" altLang="ja-JP" sz="1200" dirty="0" err="1">
-                <a:latin typeface="Courier" charset="0"/>
-                <a:ea typeface="Courier" charset="0"/>
-                <a:cs typeface="Courier" charset="0"/>
-              </a:rPr>
-              <a:t>JSindo</a:t>
-            </a:r>
-            <a:r>
-              <a:rPr kumimoji="1" lang="en-US" altLang="ja-JP" sz="1200" dirty="0">
-                <a:latin typeface="Courier" charset="0"/>
-                <a:ea typeface="Courier" charset="0"/>
-                <a:cs typeface="Courier" charset="0"/>
-              </a:rPr>
-              <a:t>/jar/JSindo-4.0_fat.jar</a:t>
-            </a:r>
-            <a:endParaRPr kumimoji="1" lang="ja-JP" altLang="en-US" sz="1200" dirty="0">
-              <a:latin typeface="Courier" charset="0"/>
-              <a:ea typeface="Courier" charset="0"/>
-              <a:cs typeface="Courier" charset="0"/>
-            </a:endParaRPr>
-          </a:p>
-        </p:txBody>
-      </p:sp>
-      <p:sp>
-        <p:nvSpPr>
-          <p:cNvPr id="10" name="テキスト ボックス 13">
+              <a:t>apt install openjdk-8-jdk</a:t>
+            </a:r>
+          </a:p>
+        </p:txBody>
+      </p:sp>
+      <p:sp>
+        <p:nvSpPr>
+          <p:cNvPr id="13" name="テキスト ボックス 12">
             <a:extLst>
               <a:ext uri="{FF2B5EF4-FFF2-40B4-BE49-F238E27FC236}">
-                <a16:creationId xmlns:a16="http://schemas.microsoft.com/office/drawing/2014/main" id="{34131D0B-4C8D-CF42-A2E3-EA31628A06AC}"/>
+                <a16:creationId xmlns:a16="http://schemas.microsoft.com/office/drawing/2014/main" id="{67BF87FF-794B-2841-ABD1-2791961C72DC}"/>
               </a:ext>
             </a:extLst>
           </p:cNvPr>
@@ -9364,8 +10332,52 @@
         </p:nvSpPr>
         <p:spPr>
           <a:xfrm>
-            <a:off x="1204223" y="2381221"/>
-            <a:ext cx="6785832" cy="276999"/>
+            <a:off x="4842184" y="2218038"/>
+            <a:ext cx="1811265" cy="369332"/>
+          </a:xfrm>
+          <a:prstGeom prst="rect">
+            <a:avLst/>
+          </a:prstGeom>
+          <a:noFill/>
+        </p:spPr>
+        <p:txBody>
+          <a:bodyPr wrap="none" rtlCol="0">
+            <a:spAutoFit/>
+          </a:bodyPr>
+          <a:lstStyle/>
+          <a:p>
+            <a:r>
+              <a:rPr kumimoji="1" lang="en-US" altLang="ja-JP" dirty="0"/>
+              <a:t>(</a:t>
+            </a:r>
+            <a:r>
+              <a:rPr kumimoji="1" lang="en-US" altLang="ja-JP" dirty="0" err="1"/>
+              <a:t>Debian</a:t>
+            </a:r>
+            <a:r>
+              <a:rPr lang="en-US" altLang="ja-JP" dirty="0"/>
+              <a:t>, Ubuntu)</a:t>
+            </a:r>
+            <a:endParaRPr kumimoji="1" lang="ja-JP" altLang="en-US" dirty="0"/>
+          </a:p>
+        </p:txBody>
+      </p:sp>
+      <p:sp>
+        <p:nvSpPr>
+          <p:cNvPr id="14" name="テキスト ボックス 13">
+            <a:extLst>
+              <a:ext uri="{FF2B5EF4-FFF2-40B4-BE49-F238E27FC236}">
+                <a16:creationId xmlns:a16="http://schemas.microsoft.com/office/drawing/2014/main" id="{4EE24B37-76F7-284A-A651-2C9E6AD45505}"/>
+              </a:ext>
+            </a:extLst>
+          </p:cNvPr>
+          <p:cNvSpPr txBox="1"/>
+          <p:nvPr/>
+        </p:nvSpPr>
+        <p:spPr>
+          <a:xfrm>
+            <a:off x="1282645" y="1905036"/>
+            <a:ext cx="2973891" cy="276999"/>
           </a:xfrm>
           <a:prstGeom prst="rect">
             <a:avLst/>
@@ -9384,59 +10396,22 @@
           <a:lstStyle/>
           <a:p>
             <a:r>
-              <a:rPr kumimoji="1" lang="en-US" altLang="ja-JP" sz="1200" dirty="0">
-                <a:latin typeface="Courier" charset="0"/>
-                <a:ea typeface="Courier" charset="0"/>
-                <a:cs typeface="Courier" charset="0"/>
-              </a:rPr>
-              <a:t>java -cp</a:t>
-            </a:r>
-            <a:r>
               <a:rPr lang="en-US" altLang="ja-JP" sz="1200" dirty="0">
                 <a:latin typeface="Courier" charset="0"/>
                 <a:ea typeface="Courier" charset="0"/>
                 <a:cs typeface="Courier" charset="0"/>
               </a:rPr>
-              <a:t> /path/to/sindo-4.0_xxxx/</a:t>
-            </a:r>
-            <a:r>
-              <a:rPr lang="en-US" altLang="ja-JP" sz="1200" dirty="0" err="1">
-                <a:latin typeface="Courier" charset="0"/>
-                <a:ea typeface="Courier" charset="0"/>
-                <a:cs typeface="Courier" charset="0"/>
-              </a:rPr>
-              <a:t>JSindo</a:t>
-            </a:r>
-            <a:r>
-              <a:rPr lang="en-US" altLang="ja-JP" sz="1200" dirty="0">
-                <a:latin typeface="Courier" charset="0"/>
-                <a:ea typeface="Courier" charset="0"/>
-                <a:cs typeface="Courier" charset="0"/>
-              </a:rPr>
-              <a:t>/jar/JSindo-4.0_fat.jar </a:t>
-            </a:r>
-            <a:r>
-              <a:rPr kumimoji="1" lang="en-US" altLang="ja-JP" sz="1200" dirty="0" err="1">
-                <a:latin typeface="Courier" charset="0"/>
-                <a:ea typeface="Courier" charset="0"/>
-                <a:cs typeface="Courier" charset="0"/>
-              </a:rPr>
-              <a:t>JSindo</a:t>
-            </a:r>
-            <a:endParaRPr kumimoji="1" lang="ja-JP" altLang="en-US" sz="1200" dirty="0">
-              <a:latin typeface="Courier" charset="0"/>
-              <a:ea typeface="Courier" charset="0"/>
-              <a:cs typeface="Courier" charset="0"/>
-            </a:endParaRPr>
-          </a:p>
-        </p:txBody>
-      </p:sp>
-      <p:sp>
-        <p:nvSpPr>
-          <p:cNvPr id="11" name="テキスト ボックス 10">
+              <a:t>yum install java-1.8.0-openjdk</a:t>
+            </a:r>
+          </a:p>
+        </p:txBody>
+      </p:sp>
+      <p:sp>
+        <p:nvSpPr>
+          <p:cNvPr id="15" name="テキスト ボックス 14">
             <a:extLst>
               <a:ext uri="{FF2B5EF4-FFF2-40B4-BE49-F238E27FC236}">
-                <a16:creationId xmlns:a16="http://schemas.microsoft.com/office/drawing/2014/main" id="{82B5C5C7-71E3-BA4F-B78F-63C1483D8571}"/>
+                <a16:creationId xmlns:a16="http://schemas.microsoft.com/office/drawing/2014/main" id="{0B958BB3-5C4C-8F4F-A737-CF67B96AF59D}"/>
               </a:ext>
             </a:extLst>
           </p:cNvPr>
@@ -9445,8 +10420,8 @@
         </p:nvSpPr>
         <p:spPr>
           <a:xfrm>
-            <a:off x="901214" y="2004261"/>
-            <a:ext cx="386644" cy="369332"/>
+            <a:off x="4842184" y="1849549"/>
+            <a:ext cx="1019318" cy="369332"/>
           </a:xfrm>
           <a:prstGeom prst="rect">
             <a:avLst/>
@@ -9460,19 +10435,23 @@
           <a:lstStyle/>
           <a:p>
             <a:r>
-              <a:rPr kumimoji="1" lang="en-US" altLang="ja-JP"/>
-              <a:t>or</a:t>
-            </a:r>
-            <a:endParaRPr kumimoji="1" lang="ja-JP" altLang="en-US"/>
-          </a:p>
-        </p:txBody>
-      </p:sp>
-      <p:sp>
-        <p:nvSpPr>
-          <p:cNvPr id="13" name="テキスト ボックス 12">
+              <a:rPr kumimoji="1" lang="en-US" altLang="ja-JP" dirty="0"/>
+              <a:t>(CentOS</a:t>
+            </a:r>
+            <a:r>
+              <a:rPr lang="en-US" altLang="ja-JP" dirty="0"/>
+              <a:t>)</a:t>
+            </a:r>
+            <a:endParaRPr kumimoji="1" lang="ja-JP" altLang="en-US" dirty="0"/>
+          </a:p>
+        </p:txBody>
+      </p:sp>
+      <p:sp>
+        <p:nvSpPr>
+          <p:cNvPr id="16" name="テキスト ボックス 15">
             <a:extLst>
               <a:ext uri="{FF2B5EF4-FFF2-40B4-BE49-F238E27FC236}">
-                <a16:creationId xmlns:a16="http://schemas.microsoft.com/office/drawing/2014/main" id="{0311892E-5F54-4248-A3E8-00F2BF214A0F}"/>
+                <a16:creationId xmlns:a16="http://schemas.microsoft.com/office/drawing/2014/main" id="{E78078ED-2C0D-DB49-9D66-576BC8232655}"/>
               </a:ext>
             </a:extLst>
           </p:cNvPr>
@@ -9481,8 +10460,187 @@
         </p:nvSpPr>
         <p:spPr>
           <a:xfrm>
-            <a:off x="1209863" y="6040681"/>
-            <a:ext cx="1393330" cy="461665"/>
+            <a:off x="1161408" y="2723471"/>
+            <a:ext cx="7862624" cy="646331"/>
+          </a:xfrm>
+          <a:prstGeom prst="rect">
+            <a:avLst/>
+          </a:prstGeom>
+          <a:noFill/>
+        </p:spPr>
+        <p:txBody>
+          <a:bodyPr wrap="square" rtlCol="0">
+            <a:spAutoFit/>
+          </a:bodyPr>
+          <a:lstStyle/>
+          <a:p>
+            <a:r>
+              <a:rPr lang="en-US" altLang="ja-JP"/>
+              <a:t>The newer version, Java 17, is also available through package tools, but currently JSindo doesn’t work with Java 17.</a:t>
+            </a:r>
+            <a:endParaRPr kumimoji="1" lang="ja-JP" altLang="en-US"/>
+          </a:p>
+        </p:txBody>
+      </p:sp>
+      <p:sp>
+        <p:nvSpPr>
+          <p:cNvPr id="17" name="テキスト ボックス 16">
+            <a:extLst>
+              <a:ext uri="{FF2B5EF4-FFF2-40B4-BE49-F238E27FC236}">
+                <a16:creationId xmlns:a16="http://schemas.microsoft.com/office/drawing/2014/main" id="{4E4DE779-5653-9C47-9043-D18B828CFABE}"/>
+              </a:ext>
+            </a:extLst>
+          </p:cNvPr>
+          <p:cNvSpPr txBox="1"/>
+          <p:nvPr/>
+        </p:nvSpPr>
+        <p:spPr>
+          <a:xfrm>
+            <a:off x="1147120" y="3634572"/>
+            <a:ext cx="4982218" cy="369332"/>
+          </a:xfrm>
+          <a:prstGeom prst="rect">
+            <a:avLst/>
+          </a:prstGeom>
+          <a:noFill/>
+        </p:spPr>
+        <p:txBody>
+          <a:bodyPr wrap="square" rtlCol="0">
+            <a:spAutoFit/>
+          </a:bodyPr>
+          <a:lstStyle/>
+          <a:p>
+            <a:r>
+              <a:rPr lang="en-US" altLang="ja-JP"/>
+              <a:t>Alternatively, you may obtain OpenJDK from here,</a:t>
+            </a:r>
+            <a:endParaRPr kumimoji="1" lang="ja-JP" altLang="en-US"/>
+          </a:p>
+        </p:txBody>
+      </p:sp>
+      <p:sp>
+        <p:nvSpPr>
+          <p:cNvPr id="19" name="テキスト ボックス 18">
+            <a:extLst>
+              <a:ext uri="{FF2B5EF4-FFF2-40B4-BE49-F238E27FC236}">
+                <a16:creationId xmlns:a16="http://schemas.microsoft.com/office/drawing/2014/main" id="{812F21B2-1468-E64F-A997-B30A723DBD6F}"/>
+              </a:ext>
+            </a:extLst>
+          </p:cNvPr>
+          <p:cNvSpPr txBox="1"/>
+          <p:nvPr/>
+        </p:nvSpPr>
+        <p:spPr>
+          <a:xfrm>
+            <a:off x="1189982" y="4627826"/>
+            <a:ext cx="7168710" cy="646331"/>
+          </a:xfrm>
+          <a:prstGeom prst="rect">
+            <a:avLst/>
+          </a:prstGeom>
+          <a:noFill/>
+        </p:spPr>
+        <p:txBody>
+          <a:bodyPr wrap="square" rtlCol="0">
+            <a:spAutoFit/>
+          </a:bodyPr>
+          <a:lstStyle/>
+          <a:p>
+            <a:r>
+              <a:rPr lang="en-US" altLang="ja-JP"/>
+              <a:t>This site provides a tarball. Extract the tarball and set the environment variables:</a:t>
+            </a:r>
+          </a:p>
+        </p:txBody>
+      </p:sp>
+      <p:sp>
+        <p:nvSpPr>
+          <p:cNvPr id="7" name="テキスト ボックス 6">
+            <a:extLst>
+              <a:ext uri="{FF2B5EF4-FFF2-40B4-BE49-F238E27FC236}">
+                <a16:creationId xmlns:a16="http://schemas.microsoft.com/office/drawing/2014/main" id="{648135CC-782A-ED4F-920E-0BA18752DF88}"/>
+              </a:ext>
+            </a:extLst>
+          </p:cNvPr>
+          <p:cNvSpPr txBox="1"/>
+          <p:nvPr/>
+        </p:nvSpPr>
+        <p:spPr>
+          <a:xfrm>
+            <a:off x="1114426" y="1443037"/>
+            <a:ext cx="5230599" cy="369332"/>
+          </a:xfrm>
+          <a:prstGeom prst="rect">
+            <a:avLst/>
+          </a:prstGeom>
+          <a:noFill/>
+        </p:spPr>
+        <p:txBody>
+          <a:bodyPr wrap="none" rtlCol="0">
+            <a:spAutoFit/>
+          </a:bodyPr>
+          <a:lstStyle/>
+          <a:p>
+            <a:r>
+              <a:rPr lang="en-US" altLang="ja-JP"/>
+              <a:t>Install Java 8 or Java 11 using the following command:</a:t>
+            </a:r>
+            <a:endParaRPr kumimoji="1" lang="ja-JP" altLang="en-US"/>
+          </a:p>
+        </p:txBody>
+      </p:sp>
+      <p:sp>
+        <p:nvSpPr>
+          <p:cNvPr id="21" name="テキスト ボックス 20">
+            <a:extLst>
+              <a:ext uri="{FF2B5EF4-FFF2-40B4-BE49-F238E27FC236}">
+                <a16:creationId xmlns:a16="http://schemas.microsoft.com/office/drawing/2014/main" id="{F9E170EA-E2AB-9C46-9495-8CDAF0782FF6}"/>
+              </a:ext>
+            </a:extLst>
+          </p:cNvPr>
+          <p:cNvSpPr txBox="1"/>
+          <p:nvPr/>
+        </p:nvSpPr>
+        <p:spPr>
+          <a:xfrm>
+            <a:off x="854110" y="964642"/>
+            <a:ext cx="2113784" cy="369332"/>
+          </a:xfrm>
+          <a:prstGeom prst="rect">
+            <a:avLst/>
+          </a:prstGeom>
+          <a:noFill/>
+        </p:spPr>
+        <p:txBody>
+          <a:bodyPr wrap="none" rtlCol="0">
+            <a:spAutoFit/>
+          </a:bodyPr>
+          <a:lstStyle/>
+          <a:p>
+            <a:r>
+              <a:rPr kumimoji="1" lang="en-US" altLang="ja-JP"/>
+              <a:t>Download OpenJDK</a:t>
+            </a:r>
+            <a:endParaRPr kumimoji="1" lang="ja-JP" altLang="en-US"/>
+          </a:p>
+        </p:txBody>
+      </p:sp>
+      <p:sp>
+        <p:nvSpPr>
+          <p:cNvPr id="22" name="テキスト ボックス 21">
+            <a:extLst>
+              <a:ext uri="{FF2B5EF4-FFF2-40B4-BE49-F238E27FC236}">
+                <a16:creationId xmlns:a16="http://schemas.microsoft.com/office/drawing/2014/main" id="{C1D1F035-A68C-D946-9959-81BDFC774577}"/>
+              </a:ext>
+            </a:extLst>
+          </p:cNvPr>
+          <p:cNvSpPr txBox="1"/>
+          <p:nvPr/>
+        </p:nvSpPr>
+        <p:spPr>
+          <a:xfrm>
+            <a:off x="1325507" y="5550941"/>
+            <a:ext cx="3996607" cy="461665"/>
           </a:xfrm>
           <a:prstGeom prst="rect">
             <a:avLst/>
@@ -9506,21 +10664,19 @@
                 <a:ea typeface="Courier" charset="0"/>
                 <a:cs typeface="Courier" charset="0"/>
               </a:rPr>
-              <a:t>&gt; . ~/.</a:t>
-            </a:r>
-            <a:r>
-              <a:rPr lang="en-US" altLang="ja-JP" sz="1200" dirty="0" err="1">
+              <a:t>export JAVA_HOME=/path/to/</a:t>
+            </a:r>
+            <a:r>
+              <a:rPr lang="en-US" altLang="ja-JP" sz="1200" dirty="0">
+                <a:solidFill>
+                  <a:srgbClr val="FF0000"/>
+                </a:solidFill>
                 <a:latin typeface="Courier" charset="0"/>
                 <a:ea typeface="Courier" charset="0"/>
                 <a:cs typeface="Courier" charset="0"/>
               </a:rPr>
-              <a:t>bashrc</a:t>
-            </a:r>
-            <a:endParaRPr lang="en-US" altLang="ja-JP" sz="1200" dirty="0">
-              <a:latin typeface="Courier" charset="0"/>
-              <a:ea typeface="Courier" charset="0"/>
-              <a:cs typeface="Courier" charset="0"/>
-            </a:endParaRPr>
+              <a:t>jdk-11.0.14.1+1</a:t>
+            </a:r>
           </a:p>
           <a:p>
             <a:r>
@@ -9529,189 +10685,15 @@
                 <a:ea typeface="Courier" charset="0"/>
                 <a:cs typeface="Courier" charset="0"/>
               </a:rPr>
-              <a:t>&gt; </a:t>
-            </a:r>
-            <a:r>
-              <a:rPr lang="en-US" altLang="ja-JP" sz="1200" dirty="0" err="1">
-                <a:latin typeface="Courier" charset="0"/>
-                <a:ea typeface="Courier" charset="0"/>
-                <a:cs typeface="Courier" charset="0"/>
-              </a:rPr>
-              <a:t>jsindo</a:t>
-            </a:r>
-            <a:endParaRPr lang="en-US" altLang="ja-JP" sz="1200" dirty="0">
-              <a:latin typeface="Courier" charset="0"/>
-              <a:ea typeface="Courier" charset="0"/>
-              <a:cs typeface="Courier" charset="0"/>
-            </a:endParaRPr>
-          </a:p>
-        </p:txBody>
-      </p:sp>
-      <p:sp>
-        <p:nvSpPr>
-          <p:cNvPr id="14" name="テキスト ボックス 13">
-            <a:extLst>
-              <a:ext uri="{FF2B5EF4-FFF2-40B4-BE49-F238E27FC236}">
-                <a16:creationId xmlns:a16="http://schemas.microsoft.com/office/drawing/2014/main" id="{7F615F5B-83BC-854B-B71E-71AC2D8326AF}"/>
-              </a:ext>
-            </a:extLst>
-          </p:cNvPr>
-          <p:cNvSpPr txBox="1"/>
-          <p:nvPr/>
-        </p:nvSpPr>
-        <p:spPr>
-          <a:xfrm>
-            <a:off x="930048" y="5564345"/>
-            <a:ext cx="7486322" cy="369332"/>
-          </a:xfrm>
-          <a:prstGeom prst="rect">
-            <a:avLst/>
-          </a:prstGeom>
-          <a:noFill/>
-        </p:spPr>
-        <p:txBody>
-          <a:bodyPr wrap="square" rtlCol="0">
-            <a:spAutoFit/>
-          </a:bodyPr>
-          <a:lstStyle/>
-          <a:p>
-            <a:r>
-              <a:rPr lang="en-US" altLang="ja-JP" dirty="0"/>
-              <a:t>After source, you can invoke the program by typing “</a:t>
-            </a:r>
-            <a:r>
-              <a:rPr lang="en-US" altLang="ja-JP" dirty="0" err="1"/>
-              <a:t>jsindo</a:t>
-            </a:r>
-            <a:r>
-              <a:rPr lang="en-US" altLang="ja-JP" dirty="0"/>
-              <a:t>” in the command.</a:t>
-            </a:r>
-            <a:endParaRPr kumimoji="1" lang="ja-JP" altLang="en-US" dirty="0"/>
-          </a:p>
-        </p:txBody>
-      </p:sp>
-      <p:sp>
-        <p:nvSpPr>
-          <p:cNvPr id="15" name="テキスト ボックス 14">
-            <a:extLst>
-              <a:ext uri="{FF2B5EF4-FFF2-40B4-BE49-F238E27FC236}">
-                <a16:creationId xmlns:a16="http://schemas.microsoft.com/office/drawing/2014/main" id="{4155B7D0-476C-3A47-B4E6-F2E327DD496C}"/>
-              </a:ext>
-            </a:extLst>
-          </p:cNvPr>
-          <p:cNvSpPr txBox="1"/>
-          <p:nvPr/>
-        </p:nvSpPr>
-        <p:spPr>
-          <a:xfrm>
-            <a:off x="931904" y="4614549"/>
-            <a:ext cx="4756174" cy="369332"/>
-          </a:xfrm>
-          <a:prstGeom prst="rect">
-            <a:avLst/>
-          </a:prstGeom>
-          <a:noFill/>
-        </p:spPr>
-        <p:txBody>
-          <a:bodyPr wrap="none" rtlCol="0">
-            <a:spAutoFit/>
-          </a:bodyPr>
-          <a:lstStyle/>
-          <a:p>
-            <a:r>
-              <a:rPr kumimoji="1" lang="en-US" altLang="ja-JP" dirty="0"/>
-              <a:t>You may add </a:t>
-            </a:r>
-            <a:r>
-              <a:rPr kumimoji="1" lang="en-US" altLang="ja-JP"/>
-              <a:t>the following line </a:t>
-            </a:r>
-            <a:r>
-              <a:rPr kumimoji="1" lang="en-US" altLang="ja-JP" dirty="0"/>
-              <a:t>in your ~/.</a:t>
-            </a:r>
-            <a:r>
-              <a:rPr kumimoji="1" lang="en-US" altLang="ja-JP" dirty="0" err="1"/>
-              <a:t>bashrc</a:t>
-            </a:r>
-            <a:r>
-              <a:rPr kumimoji="1" lang="en-US" altLang="ja-JP" dirty="0"/>
-              <a:t>,</a:t>
-            </a:r>
-            <a:endParaRPr kumimoji="1" lang="ja-JP" altLang="en-US" dirty="0"/>
-          </a:p>
-        </p:txBody>
-      </p:sp>
-      <p:sp>
-        <p:nvSpPr>
-          <p:cNvPr id="16" name="テキスト ボックス 13">
-            <a:extLst>
-              <a:ext uri="{FF2B5EF4-FFF2-40B4-BE49-F238E27FC236}">
-                <a16:creationId xmlns:a16="http://schemas.microsoft.com/office/drawing/2014/main" id="{4791D2C6-9A15-504B-8B58-3DC86AC8D0AF}"/>
-              </a:ext>
-            </a:extLst>
-          </p:cNvPr>
-          <p:cNvSpPr txBox="1"/>
-          <p:nvPr/>
-        </p:nvSpPr>
-        <p:spPr>
-          <a:xfrm>
-            <a:off x="1204223" y="5085184"/>
-            <a:ext cx="7622600" cy="276999"/>
-          </a:xfrm>
-          <a:prstGeom prst="rect">
-            <a:avLst/>
-          </a:prstGeom>
-          <a:noFill/>
-          <a:ln>
-            <a:solidFill>
-              <a:srgbClr val="00B050"/>
-            </a:solidFill>
-          </a:ln>
-        </p:spPr>
-        <p:txBody>
-          <a:bodyPr wrap="none" rtlCol="0">
-            <a:spAutoFit/>
-          </a:bodyPr>
-          <a:lstStyle/>
-          <a:p>
-            <a:r>
-              <a:rPr lang="en-US" altLang="ja-JP" sz="1200" dirty="0">
-                <a:latin typeface="Courier" charset="0"/>
-                <a:ea typeface="Courier" charset="0"/>
-                <a:cs typeface="Courier" charset="0"/>
-              </a:rPr>
-              <a:t>alias </a:t>
-            </a:r>
-            <a:r>
-              <a:rPr lang="en-US" altLang="ja-JP" sz="1200" dirty="0" err="1">
-                <a:latin typeface="Courier" charset="0"/>
-                <a:ea typeface="Courier" charset="0"/>
-                <a:cs typeface="Courier" charset="0"/>
-              </a:rPr>
-              <a:t>jsindo</a:t>
-            </a:r>
-            <a:r>
-              <a:rPr lang="en-US" altLang="ja-JP" sz="1200" dirty="0">
-                <a:latin typeface="Courier" charset="0"/>
-                <a:ea typeface="Courier" charset="0"/>
-                <a:cs typeface="Courier" charset="0"/>
-              </a:rPr>
-              <a:t>=‘java -jar /path/to/sindo-4.0_xxxx/JSindo/jar/JSindo-4.0_fat.jar’  </a:t>
-            </a:r>
-            <a:endParaRPr kumimoji="1" lang="ja-JP" altLang="en-US" sz="1200" dirty="0">
-              <a:latin typeface="Courier" charset="0"/>
-              <a:ea typeface="Courier" charset="0"/>
-              <a:cs typeface="Courier" charset="0"/>
-            </a:endParaRPr>
+              <a:t>export PATH=${JAVA_HOME}/bin:${PATH}</a:t>
+            </a:r>
           </a:p>
         </p:txBody>
       </p:sp>
     </p:spTree>
     <p:extLst>
       <p:ext uri="{BB962C8B-B14F-4D97-AF65-F5344CB8AC3E}">
-        <p14:creationId xmlns:p14="http://schemas.microsoft.com/office/powerpoint/2010/main" val="3102782054"/>
+        <p14:creationId xmlns:p14="http://schemas.microsoft.com/office/powerpoint/2010/main" val="2938998792"/>
       </p:ext>
     </p:extLst>
   </p:cSld>
@@ -9740,6 +10722,662 @@
       </p:grpSpPr>
       <p:sp>
         <p:nvSpPr>
+          <p:cNvPr id="3" name="スライド番号プレースホルダー 2">
+            <a:extLst>
+              <a:ext uri="{FF2B5EF4-FFF2-40B4-BE49-F238E27FC236}">
+                <a16:creationId xmlns:a16="http://schemas.microsoft.com/office/drawing/2014/main" id="{9F1EF6B8-894D-DA43-BC21-02F72C0C58FB}"/>
+              </a:ext>
+            </a:extLst>
+          </p:cNvPr>
+          <p:cNvSpPr>
+            <a:spLocks noGrp="1"/>
+          </p:cNvSpPr>
+          <p:nvPr>
+            <p:ph type="sldNum" sz="quarter" idx="12"/>
+          </p:nvPr>
+        </p:nvSpPr>
+        <p:spPr/>
+        <p:txBody>
+          <a:bodyPr/>
+          <a:lstStyle/>
+          <a:p>
+            <a:fld id="{7D34BB6B-1E1A-9541-9560-488905BF54FF}" type="slidenum">
+              <a:rPr kumimoji="1" lang="ja-JP" altLang="en-US" smtClean="0"/>
+              <a:t>7</a:t>
+            </a:fld>
+            <a:endParaRPr kumimoji="1" lang="ja-JP" altLang="en-US"/>
+          </a:p>
+        </p:txBody>
+      </p:sp>
+      <p:sp>
+        <p:nvSpPr>
+          <p:cNvPr id="4" name="テキスト ボックス 3">
+            <a:extLst>
+              <a:ext uri="{FF2B5EF4-FFF2-40B4-BE49-F238E27FC236}">
+                <a16:creationId xmlns:a16="http://schemas.microsoft.com/office/drawing/2014/main" id="{35AD1CCC-F85B-FE4D-ADA0-D1529E2D2121}"/>
+              </a:ext>
+            </a:extLst>
+          </p:cNvPr>
+          <p:cNvSpPr txBox="1"/>
+          <p:nvPr/>
+        </p:nvSpPr>
+        <p:spPr>
+          <a:xfrm>
+            <a:off x="865100" y="308102"/>
+            <a:ext cx="8014724" cy="646331"/>
+          </a:xfrm>
+          <a:prstGeom prst="rect">
+            <a:avLst/>
+          </a:prstGeom>
+          <a:noFill/>
+        </p:spPr>
+        <p:txBody>
+          <a:bodyPr wrap="square" rtlCol="0">
+            <a:spAutoFit/>
+          </a:bodyPr>
+          <a:lstStyle/>
+          <a:p>
+            <a:r>
+              <a:rPr lang="en-US" altLang="ja-JP" dirty="0"/>
+              <a:t>Download sindo-4.0_xxxx.zip from our website:</a:t>
+            </a:r>
+          </a:p>
+          <a:p>
+            <a:pPr lvl="1"/>
+            <a:r>
+              <a:rPr lang="en-US" altLang="ja-JP" dirty="0"/>
+              <a:t>https://tms.riken.jp/en/research/software/sindo</a:t>
+            </a:r>
+          </a:p>
+        </p:txBody>
+      </p:sp>
+      <p:sp>
+        <p:nvSpPr>
+          <p:cNvPr id="5" name="テキスト ボックス 4">
+            <a:extLst>
+              <a:ext uri="{FF2B5EF4-FFF2-40B4-BE49-F238E27FC236}">
+                <a16:creationId xmlns:a16="http://schemas.microsoft.com/office/drawing/2014/main" id="{FDEFFCB6-BD2C-3F4D-BB79-BF35AE71C958}"/>
+              </a:ext>
+            </a:extLst>
+          </p:cNvPr>
+          <p:cNvSpPr txBox="1"/>
+          <p:nvPr/>
+        </p:nvSpPr>
+        <p:spPr>
+          <a:xfrm>
+            <a:off x="905619" y="2821946"/>
+            <a:ext cx="7615383" cy="369332"/>
+          </a:xfrm>
+          <a:prstGeom prst="rect">
+            <a:avLst/>
+          </a:prstGeom>
+          <a:noFill/>
+        </p:spPr>
+        <p:txBody>
+          <a:bodyPr wrap="square" rtlCol="0">
+            <a:spAutoFit/>
+          </a:bodyPr>
+          <a:lstStyle/>
+          <a:p>
+            <a:r>
+              <a:rPr lang="en-US" altLang="ja-JP" dirty="0"/>
+              <a:t>You will see a control panel of </a:t>
+            </a:r>
+            <a:r>
+              <a:rPr lang="en-US" altLang="ja-JP" dirty="0" err="1"/>
+              <a:t>JSindo</a:t>
+            </a:r>
+            <a:r>
+              <a:rPr lang="en-US" altLang="ja-JP" dirty="0"/>
+              <a:t>. </a:t>
+            </a:r>
+          </a:p>
+        </p:txBody>
+      </p:sp>
+      <p:pic>
+        <p:nvPicPr>
+          <p:cNvPr id="8" name="図 7">
+            <a:extLst>
+              <a:ext uri="{FF2B5EF4-FFF2-40B4-BE49-F238E27FC236}">
+                <a16:creationId xmlns:a16="http://schemas.microsoft.com/office/drawing/2014/main" id="{33D402FA-06A9-C044-89D2-75FADA337EC6}"/>
+              </a:ext>
+            </a:extLst>
+          </p:cNvPr>
+          <p:cNvPicPr>
+            <a:picLocks noChangeAspect="1"/>
+          </p:cNvPicPr>
+          <p:nvPr/>
+        </p:nvPicPr>
+        <p:blipFill>
+          <a:blip r:embed="rId2"/>
+          <a:stretch>
+            <a:fillRect/>
+          </a:stretch>
+        </p:blipFill>
+        <p:spPr>
+          <a:xfrm>
+            <a:off x="2034669" y="2967725"/>
+            <a:ext cx="4003352" cy="2048590"/>
+          </a:xfrm>
+          <a:prstGeom prst="rect">
+            <a:avLst/>
+          </a:prstGeom>
+        </p:spPr>
+      </p:pic>
+      <p:sp>
+        <p:nvSpPr>
+          <p:cNvPr id="7" name="テキスト ボックス 6">
+            <a:extLst>
+              <a:ext uri="{FF2B5EF4-FFF2-40B4-BE49-F238E27FC236}">
+                <a16:creationId xmlns:a16="http://schemas.microsoft.com/office/drawing/2014/main" id="{26573351-E85E-CE46-B1D4-3D63BDA679EA}"/>
+              </a:ext>
+            </a:extLst>
+          </p:cNvPr>
+          <p:cNvSpPr txBox="1"/>
+          <p:nvPr/>
+        </p:nvSpPr>
+        <p:spPr>
+          <a:xfrm>
+            <a:off x="905619" y="1026118"/>
+            <a:ext cx="7615383" cy="923330"/>
+          </a:xfrm>
+          <a:prstGeom prst="rect">
+            <a:avLst/>
+          </a:prstGeom>
+          <a:noFill/>
+        </p:spPr>
+        <p:txBody>
+          <a:bodyPr wrap="square" rtlCol="0">
+            <a:spAutoFit/>
+          </a:bodyPr>
+          <a:lstStyle/>
+          <a:p>
+            <a:r>
+              <a:rPr lang="en-US" altLang="ja-JP" dirty="0"/>
+              <a:t>Unzip (double click ) the file, o</a:t>
+            </a:r>
+            <a:r>
+              <a:rPr lang="en-US" altLang="ja-JP"/>
+              <a:t>pen a terminal, then type the following command:</a:t>
+            </a:r>
+            <a:endParaRPr lang="en-US" altLang="ja-JP" dirty="0"/>
+          </a:p>
+          <a:p>
+            <a:endParaRPr lang="en-US" altLang="ja-JP" dirty="0"/>
+          </a:p>
+        </p:txBody>
+      </p:sp>
+      <p:sp>
+        <p:nvSpPr>
+          <p:cNvPr id="9" name="テキスト ボックス 13">
+            <a:extLst>
+              <a:ext uri="{FF2B5EF4-FFF2-40B4-BE49-F238E27FC236}">
+                <a16:creationId xmlns:a16="http://schemas.microsoft.com/office/drawing/2014/main" id="{41519BDB-1AD6-2543-8594-C1065220915C}"/>
+              </a:ext>
+            </a:extLst>
+          </p:cNvPr>
+          <p:cNvSpPr txBox="1"/>
+          <p:nvPr/>
+        </p:nvSpPr>
+        <p:spPr>
+          <a:xfrm>
+            <a:off x="1204223" y="1693537"/>
+            <a:ext cx="6042039" cy="276999"/>
+          </a:xfrm>
+          <a:prstGeom prst="rect">
+            <a:avLst/>
+          </a:prstGeom>
+          <a:noFill/>
+          <a:ln>
+            <a:solidFill>
+              <a:srgbClr val="00B050"/>
+            </a:solidFill>
+          </a:ln>
+        </p:spPr>
+        <p:txBody>
+          <a:bodyPr wrap="none" rtlCol="0">
+            <a:spAutoFit/>
+          </a:bodyPr>
+          <a:lstStyle/>
+          <a:p>
+            <a:r>
+              <a:rPr kumimoji="1" lang="en-US" altLang="ja-JP" sz="1200" dirty="0">
+                <a:latin typeface="Courier" charset="0"/>
+                <a:ea typeface="Courier" charset="0"/>
+                <a:cs typeface="Courier" charset="0"/>
+              </a:rPr>
+              <a:t>java -</a:t>
+            </a:r>
+            <a:r>
+              <a:rPr lang="en-US" altLang="ja-JP" sz="1200" dirty="0">
+                <a:latin typeface="Courier" charset="0"/>
+                <a:ea typeface="Courier" charset="0"/>
+                <a:cs typeface="Courier" charset="0"/>
+              </a:rPr>
+              <a:t>jar</a:t>
+            </a:r>
+            <a:r>
+              <a:rPr kumimoji="1" lang="en-US" altLang="ja-JP" sz="1200" dirty="0">
+                <a:latin typeface="Courier" charset="0"/>
+                <a:ea typeface="Courier" charset="0"/>
+                <a:cs typeface="Courier" charset="0"/>
+              </a:rPr>
+              <a:t> /path/to/sindo-4.0_xxxx/</a:t>
+            </a:r>
+            <a:r>
+              <a:rPr kumimoji="1" lang="en-US" altLang="ja-JP" sz="1200" dirty="0" err="1">
+                <a:latin typeface="Courier" charset="0"/>
+                <a:ea typeface="Courier" charset="0"/>
+                <a:cs typeface="Courier" charset="0"/>
+              </a:rPr>
+              <a:t>JSindo</a:t>
+            </a:r>
+            <a:r>
+              <a:rPr kumimoji="1" lang="en-US" altLang="ja-JP" sz="1200" dirty="0">
+                <a:latin typeface="Courier" charset="0"/>
+                <a:ea typeface="Courier" charset="0"/>
+                <a:cs typeface="Courier" charset="0"/>
+              </a:rPr>
+              <a:t>/jar/JSindo-4.0_fat.jar</a:t>
+            </a:r>
+            <a:endParaRPr kumimoji="1" lang="ja-JP" altLang="en-US" sz="1200" dirty="0">
+              <a:latin typeface="Courier" charset="0"/>
+              <a:ea typeface="Courier" charset="0"/>
+              <a:cs typeface="Courier" charset="0"/>
+            </a:endParaRPr>
+          </a:p>
+        </p:txBody>
+      </p:sp>
+      <p:sp>
+        <p:nvSpPr>
+          <p:cNvPr id="10" name="テキスト ボックス 13">
+            <a:extLst>
+              <a:ext uri="{FF2B5EF4-FFF2-40B4-BE49-F238E27FC236}">
+                <a16:creationId xmlns:a16="http://schemas.microsoft.com/office/drawing/2014/main" id="{34131D0B-4C8D-CF42-A2E3-EA31628A06AC}"/>
+              </a:ext>
+            </a:extLst>
+          </p:cNvPr>
+          <p:cNvSpPr txBox="1"/>
+          <p:nvPr/>
+        </p:nvSpPr>
+        <p:spPr>
+          <a:xfrm>
+            <a:off x="1204223" y="2381221"/>
+            <a:ext cx="6785832" cy="276999"/>
+          </a:xfrm>
+          <a:prstGeom prst="rect">
+            <a:avLst/>
+          </a:prstGeom>
+          <a:noFill/>
+          <a:ln>
+            <a:solidFill>
+              <a:srgbClr val="00B050"/>
+            </a:solidFill>
+          </a:ln>
+        </p:spPr>
+        <p:txBody>
+          <a:bodyPr wrap="none" rtlCol="0">
+            <a:spAutoFit/>
+          </a:bodyPr>
+          <a:lstStyle/>
+          <a:p>
+            <a:r>
+              <a:rPr kumimoji="1" lang="en-US" altLang="ja-JP" sz="1200" dirty="0">
+                <a:latin typeface="Courier" charset="0"/>
+                <a:ea typeface="Courier" charset="0"/>
+                <a:cs typeface="Courier" charset="0"/>
+              </a:rPr>
+              <a:t>java -cp</a:t>
+            </a:r>
+            <a:r>
+              <a:rPr lang="en-US" altLang="ja-JP" sz="1200" dirty="0">
+                <a:latin typeface="Courier" charset="0"/>
+                <a:ea typeface="Courier" charset="0"/>
+                <a:cs typeface="Courier" charset="0"/>
+              </a:rPr>
+              <a:t> /path/to/sindo-4.0_xxxx/</a:t>
+            </a:r>
+            <a:r>
+              <a:rPr lang="en-US" altLang="ja-JP" sz="1200" dirty="0" err="1">
+                <a:latin typeface="Courier" charset="0"/>
+                <a:ea typeface="Courier" charset="0"/>
+                <a:cs typeface="Courier" charset="0"/>
+              </a:rPr>
+              <a:t>JSindo</a:t>
+            </a:r>
+            <a:r>
+              <a:rPr lang="en-US" altLang="ja-JP" sz="1200" dirty="0">
+                <a:latin typeface="Courier" charset="0"/>
+                <a:ea typeface="Courier" charset="0"/>
+                <a:cs typeface="Courier" charset="0"/>
+              </a:rPr>
+              <a:t>/jar/JSindo-4.0_fat.jar </a:t>
+            </a:r>
+            <a:r>
+              <a:rPr kumimoji="1" lang="en-US" altLang="ja-JP" sz="1200" dirty="0" err="1">
+                <a:latin typeface="Courier" charset="0"/>
+                <a:ea typeface="Courier" charset="0"/>
+                <a:cs typeface="Courier" charset="0"/>
+              </a:rPr>
+              <a:t>JSindo</a:t>
+            </a:r>
+            <a:endParaRPr kumimoji="1" lang="ja-JP" altLang="en-US" sz="1200" dirty="0">
+              <a:latin typeface="Courier" charset="0"/>
+              <a:ea typeface="Courier" charset="0"/>
+              <a:cs typeface="Courier" charset="0"/>
+            </a:endParaRPr>
+          </a:p>
+        </p:txBody>
+      </p:sp>
+      <p:sp>
+        <p:nvSpPr>
+          <p:cNvPr id="11" name="テキスト ボックス 10">
+            <a:extLst>
+              <a:ext uri="{FF2B5EF4-FFF2-40B4-BE49-F238E27FC236}">
+                <a16:creationId xmlns:a16="http://schemas.microsoft.com/office/drawing/2014/main" id="{82B5C5C7-71E3-BA4F-B78F-63C1483D8571}"/>
+              </a:ext>
+            </a:extLst>
+          </p:cNvPr>
+          <p:cNvSpPr txBox="1"/>
+          <p:nvPr/>
+        </p:nvSpPr>
+        <p:spPr>
+          <a:xfrm>
+            <a:off x="901214" y="2004261"/>
+            <a:ext cx="386644" cy="369332"/>
+          </a:xfrm>
+          <a:prstGeom prst="rect">
+            <a:avLst/>
+          </a:prstGeom>
+          <a:noFill/>
+        </p:spPr>
+        <p:txBody>
+          <a:bodyPr wrap="none" rtlCol="0">
+            <a:spAutoFit/>
+          </a:bodyPr>
+          <a:lstStyle/>
+          <a:p>
+            <a:r>
+              <a:rPr kumimoji="1" lang="en-US" altLang="ja-JP"/>
+              <a:t>or</a:t>
+            </a:r>
+            <a:endParaRPr kumimoji="1" lang="ja-JP" altLang="en-US"/>
+          </a:p>
+        </p:txBody>
+      </p:sp>
+      <p:sp>
+        <p:nvSpPr>
+          <p:cNvPr id="13" name="テキスト ボックス 12">
+            <a:extLst>
+              <a:ext uri="{FF2B5EF4-FFF2-40B4-BE49-F238E27FC236}">
+                <a16:creationId xmlns:a16="http://schemas.microsoft.com/office/drawing/2014/main" id="{0311892E-5F54-4248-A3E8-00F2BF214A0F}"/>
+              </a:ext>
+            </a:extLst>
+          </p:cNvPr>
+          <p:cNvSpPr txBox="1"/>
+          <p:nvPr/>
+        </p:nvSpPr>
+        <p:spPr>
+          <a:xfrm>
+            <a:off x="1209863" y="6040681"/>
+            <a:ext cx="1393330" cy="461665"/>
+          </a:xfrm>
+          <a:prstGeom prst="rect">
+            <a:avLst/>
+          </a:prstGeom>
+          <a:noFill/>
+          <a:ln>
+            <a:solidFill>
+              <a:srgbClr val="00B050"/>
+            </a:solidFill>
+          </a:ln>
+        </p:spPr>
+        <p:txBody>
+          <a:bodyPr wrap="none" rtlCol="0">
+            <a:spAutoFit/>
+          </a:bodyPr>
+          <a:lstStyle/>
+          <a:p>
+            <a:r>
+              <a:rPr lang="en-US" altLang="ja-JP" sz="1200" dirty="0">
+                <a:latin typeface="Courier" charset="0"/>
+                <a:ea typeface="Courier" charset="0"/>
+                <a:cs typeface="Courier" charset="0"/>
+              </a:rPr>
+              <a:t>&gt; . ~/.</a:t>
+            </a:r>
+            <a:r>
+              <a:rPr lang="en-US" altLang="ja-JP" sz="1200" dirty="0" err="1">
+                <a:latin typeface="Courier" charset="0"/>
+                <a:ea typeface="Courier" charset="0"/>
+                <a:cs typeface="Courier" charset="0"/>
+              </a:rPr>
+              <a:t>bashrc</a:t>
+            </a:r>
+            <a:endParaRPr lang="en-US" altLang="ja-JP" sz="1200" dirty="0">
+              <a:latin typeface="Courier" charset="0"/>
+              <a:ea typeface="Courier" charset="0"/>
+              <a:cs typeface="Courier" charset="0"/>
+            </a:endParaRPr>
+          </a:p>
+          <a:p>
+            <a:r>
+              <a:rPr lang="en-US" altLang="ja-JP" sz="1200" dirty="0">
+                <a:latin typeface="Courier" charset="0"/>
+                <a:ea typeface="Courier" charset="0"/>
+                <a:cs typeface="Courier" charset="0"/>
+              </a:rPr>
+              <a:t>&gt; </a:t>
+            </a:r>
+            <a:r>
+              <a:rPr lang="en-US" altLang="ja-JP" sz="1200" dirty="0" err="1">
+                <a:latin typeface="Courier" charset="0"/>
+                <a:ea typeface="Courier" charset="0"/>
+                <a:cs typeface="Courier" charset="0"/>
+              </a:rPr>
+              <a:t>jsindo</a:t>
+            </a:r>
+            <a:endParaRPr lang="en-US" altLang="ja-JP" sz="1200" dirty="0">
+              <a:latin typeface="Courier" charset="0"/>
+              <a:ea typeface="Courier" charset="0"/>
+              <a:cs typeface="Courier" charset="0"/>
+            </a:endParaRPr>
+          </a:p>
+        </p:txBody>
+      </p:sp>
+      <p:sp>
+        <p:nvSpPr>
+          <p:cNvPr id="14" name="テキスト ボックス 13">
+            <a:extLst>
+              <a:ext uri="{FF2B5EF4-FFF2-40B4-BE49-F238E27FC236}">
+                <a16:creationId xmlns:a16="http://schemas.microsoft.com/office/drawing/2014/main" id="{7F615F5B-83BC-854B-B71E-71AC2D8326AF}"/>
+              </a:ext>
+            </a:extLst>
+          </p:cNvPr>
+          <p:cNvSpPr txBox="1"/>
+          <p:nvPr/>
+        </p:nvSpPr>
+        <p:spPr>
+          <a:xfrm>
+            <a:off x="930048" y="5564345"/>
+            <a:ext cx="7486322" cy="369332"/>
+          </a:xfrm>
+          <a:prstGeom prst="rect">
+            <a:avLst/>
+          </a:prstGeom>
+          <a:noFill/>
+        </p:spPr>
+        <p:txBody>
+          <a:bodyPr wrap="square" rtlCol="0">
+            <a:spAutoFit/>
+          </a:bodyPr>
+          <a:lstStyle/>
+          <a:p>
+            <a:r>
+              <a:rPr lang="en-US" altLang="ja-JP" dirty="0"/>
+              <a:t>After source, you can invoke the program by typing “</a:t>
+            </a:r>
+            <a:r>
+              <a:rPr lang="en-US" altLang="ja-JP" dirty="0" err="1"/>
+              <a:t>jsindo</a:t>
+            </a:r>
+            <a:r>
+              <a:rPr lang="en-US" altLang="ja-JP" dirty="0"/>
+              <a:t>” in the command.</a:t>
+            </a:r>
+            <a:endParaRPr kumimoji="1" lang="ja-JP" altLang="en-US" dirty="0"/>
+          </a:p>
+        </p:txBody>
+      </p:sp>
+      <p:sp>
+        <p:nvSpPr>
+          <p:cNvPr id="15" name="テキスト ボックス 14">
+            <a:extLst>
+              <a:ext uri="{FF2B5EF4-FFF2-40B4-BE49-F238E27FC236}">
+                <a16:creationId xmlns:a16="http://schemas.microsoft.com/office/drawing/2014/main" id="{4155B7D0-476C-3A47-B4E6-F2E327DD496C}"/>
+              </a:ext>
+            </a:extLst>
+          </p:cNvPr>
+          <p:cNvSpPr txBox="1"/>
+          <p:nvPr/>
+        </p:nvSpPr>
+        <p:spPr>
+          <a:xfrm>
+            <a:off x="931904" y="4614549"/>
+            <a:ext cx="4756174" cy="369332"/>
+          </a:xfrm>
+          <a:prstGeom prst="rect">
+            <a:avLst/>
+          </a:prstGeom>
+          <a:noFill/>
+        </p:spPr>
+        <p:txBody>
+          <a:bodyPr wrap="none" rtlCol="0">
+            <a:spAutoFit/>
+          </a:bodyPr>
+          <a:lstStyle/>
+          <a:p>
+            <a:r>
+              <a:rPr kumimoji="1" lang="en-US" altLang="ja-JP" dirty="0"/>
+              <a:t>You may add </a:t>
+            </a:r>
+            <a:r>
+              <a:rPr kumimoji="1" lang="en-US" altLang="ja-JP"/>
+              <a:t>the following line </a:t>
+            </a:r>
+            <a:r>
+              <a:rPr kumimoji="1" lang="en-US" altLang="ja-JP" dirty="0"/>
+              <a:t>in your ~/.</a:t>
+            </a:r>
+            <a:r>
+              <a:rPr kumimoji="1" lang="en-US" altLang="ja-JP" dirty="0" err="1"/>
+              <a:t>bashrc</a:t>
+            </a:r>
+            <a:r>
+              <a:rPr kumimoji="1" lang="en-US" altLang="ja-JP" dirty="0"/>
+              <a:t>,</a:t>
+            </a:r>
+            <a:endParaRPr kumimoji="1" lang="ja-JP" altLang="en-US" dirty="0"/>
+          </a:p>
+        </p:txBody>
+      </p:sp>
+      <p:sp>
+        <p:nvSpPr>
+          <p:cNvPr id="16" name="テキスト ボックス 13">
+            <a:extLst>
+              <a:ext uri="{FF2B5EF4-FFF2-40B4-BE49-F238E27FC236}">
+                <a16:creationId xmlns:a16="http://schemas.microsoft.com/office/drawing/2014/main" id="{4791D2C6-9A15-504B-8B58-3DC86AC8D0AF}"/>
+              </a:ext>
+            </a:extLst>
+          </p:cNvPr>
+          <p:cNvSpPr txBox="1"/>
+          <p:nvPr/>
+        </p:nvSpPr>
+        <p:spPr>
+          <a:xfrm>
+            <a:off x="1204223" y="5085184"/>
+            <a:ext cx="7622600" cy="276999"/>
+          </a:xfrm>
+          <a:prstGeom prst="rect">
+            <a:avLst/>
+          </a:prstGeom>
+          <a:noFill/>
+          <a:ln>
+            <a:solidFill>
+              <a:srgbClr val="00B050"/>
+            </a:solidFill>
+          </a:ln>
+        </p:spPr>
+        <p:txBody>
+          <a:bodyPr wrap="none" rtlCol="0">
+            <a:spAutoFit/>
+          </a:bodyPr>
+          <a:lstStyle/>
+          <a:p>
+            <a:r>
+              <a:rPr lang="en-US" altLang="ja-JP" sz="1200" dirty="0">
+                <a:latin typeface="Courier" charset="0"/>
+                <a:ea typeface="Courier" charset="0"/>
+                <a:cs typeface="Courier" charset="0"/>
+              </a:rPr>
+              <a:t>alias </a:t>
+            </a:r>
+            <a:r>
+              <a:rPr lang="en-US" altLang="ja-JP" sz="1200" dirty="0" err="1">
+                <a:latin typeface="Courier" charset="0"/>
+                <a:ea typeface="Courier" charset="0"/>
+                <a:cs typeface="Courier" charset="0"/>
+              </a:rPr>
+              <a:t>jsindo</a:t>
+            </a:r>
+            <a:r>
+              <a:rPr lang="en-US" altLang="ja-JP" sz="1200" dirty="0">
+                <a:latin typeface="Courier" charset="0"/>
+                <a:ea typeface="Courier" charset="0"/>
+                <a:cs typeface="Courier" charset="0"/>
+              </a:rPr>
+              <a:t>=‘java -jar /path/to/sindo-4.0_xxxx/JSindo/jar/JSindo-4.0_fat.jar’  </a:t>
+            </a:r>
+            <a:endParaRPr kumimoji="1" lang="ja-JP" altLang="en-US" sz="1200" dirty="0">
+              <a:latin typeface="Courier" charset="0"/>
+              <a:ea typeface="Courier" charset="0"/>
+              <a:cs typeface="Courier" charset="0"/>
+            </a:endParaRPr>
+          </a:p>
+        </p:txBody>
+      </p:sp>
+    </p:spTree>
+    <p:extLst>
+      <p:ext uri="{BB962C8B-B14F-4D97-AF65-F5344CB8AC3E}">
+        <p14:creationId xmlns:p14="http://schemas.microsoft.com/office/powerpoint/2010/main" val="3102782054"/>
+      </p:ext>
+    </p:extLst>
+  </p:cSld>
+  <p:clrMapOvr>
+    <a:masterClrMapping/>
+  </p:clrMapOvr>
+</p:sld>
+</file>
+
+<file path=ppt/slides/slide9.xml><?xml version="1.0" encoding="utf-8"?>
+<p:sld xmlns:a="http://schemas.openxmlformats.org/drawingml/2006/main" xmlns:r="http://schemas.openxmlformats.org/officeDocument/2006/relationships" xmlns:p="http://schemas.openxmlformats.org/presentationml/2006/main">
+  <p:cSld>
+    <p:spTree>
+      <p:nvGrpSpPr>
+        <p:cNvPr id="1" name=""/>
+        <p:cNvGrpSpPr/>
+        <p:nvPr/>
+      </p:nvGrpSpPr>
+      <p:grpSpPr>
+        <a:xfrm>
+          <a:off x="0" y="0"/>
+          <a:ext cx="0" cy="0"/>
+          <a:chOff x="0" y="0"/>
+          <a:chExt cx="0" cy="0"/>
+        </a:xfrm>
+      </p:grpSpPr>
+      <p:sp>
+        <p:nvSpPr>
           <p:cNvPr id="2" name="タイトル 1"/>
           <p:cNvSpPr>
             <a:spLocks noGrp="1"/>
@@ -9786,7 +11424,7 @@
           <a:p>
             <a:fld id="{7D34BB6B-1E1A-9541-9560-488905BF54FF}" type="slidenum">
               <a:rPr kumimoji="1" lang="ja-JP" altLang="en-US" smtClean="0"/>
-              <a:t>7</a:t>
+              <a:t>8</a:t>
             </a:fld>
             <a:endParaRPr kumimoji="1" lang="ja-JP" altLang="en-US"/>
           </a:p>
@@ -10272,326 +11910,6 @@
     <p:extLst>
       <p:ext uri="{BB962C8B-B14F-4D97-AF65-F5344CB8AC3E}">
         <p14:creationId xmlns:p14="http://schemas.microsoft.com/office/powerpoint/2010/main" val="506715033"/>
-      </p:ext>
-    </p:extLst>
-  </p:cSld>
-  <p:clrMapOvr>
-    <a:masterClrMapping/>
-  </p:clrMapOvr>
-</p:sld>
-</file>
-
-<file path=ppt/slides/slide9.xml><?xml version="1.0" encoding="utf-8"?>
-<p:sld xmlns:a="http://schemas.openxmlformats.org/drawingml/2006/main" xmlns:r="http://schemas.openxmlformats.org/officeDocument/2006/relationships" xmlns:p="http://schemas.openxmlformats.org/presentationml/2006/main">
-  <p:cSld>
-    <p:spTree>
-      <p:nvGrpSpPr>
-        <p:cNvPr id="1" name=""/>
-        <p:cNvGrpSpPr/>
-        <p:nvPr/>
-      </p:nvGrpSpPr>
-      <p:grpSpPr>
-        <a:xfrm>
-          <a:off x="0" y="0"/>
-          <a:ext cx="0" cy="0"/>
-          <a:chOff x="0" y="0"/>
-          <a:chExt cx="0" cy="0"/>
-        </a:xfrm>
-      </p:grpSpPr>
-      <p:pic>
-        <p:nvPicPr>
-          <p:cNvPr id="13" name="図 9"/>
-          <p:cNvPicPr>
-            <a:picLocks noChangeAspect="1"/>
-          </p:cNvPicPr>
-          <p:nvPr/>
-        </p:nvPicPr>
-        <p:blipFill>
-          <a:blip r:embed="rId2">
-            <a:extLst>
-              <a:ext uri="{28A0092B-C50C-407E-A947-70E740481C1C}">
-                <a14:useLocalDpi xmlns:a14="http://schemas.microsoft.com/office/drawing/2010/main"/>
-              </a:ext>
-            </a:extLst>
-          </a:blip>
-          <a:srcRect/>
-          <a:stretch>
-            <a:fillRect/>
-          </a:stretch>
-        </p:blipFill>
-        <p:spPr bwMode="auto">
-          <a:xfrm>
-            <a:off x="5393913" y="418769"/>
-            <a:ext cx="3404900" cy="1283254"/>
-          </a:xfrm>
-          <a:prstGeom prst="rect">
-            <a:avLst/>
-          </a:prstGeom>
-          <a:noFill/>
-          <a:ln w="9525">
-            <a:solidFill>
-              <a:srgbClr val="000000"/>
-            </a:solidFill>
-            <a:miter lim="800000"/>
-            <a:headEnd/>
-            <a:tailEnd/>
-          </a:ln>
-          <a:extLst>
-            <a:ext uri="{909E8E84-426E-40DD-AFC4-6F175D3DCCD1}">
-              <a14:hiddenFill xmlns:a14="http://schemas.microsoft.com/office/drawing/2010/main">
-                <a:solidFill>
-                  <a:srgbClr val="FFFFFF"/>
-                </a:solidFill>
-              </a14:hiddenFill>
-            </a:ext>
-          </a:extLst>
-        </p:spPr>
-      </p:pic>
-      <p:cxnSp>
-        <p:nvCxnSpPr>
-          <p:cNvPr id="14" name="直線矢印コネクタ 13"/>
-          <p:cNvCxnSpPr/>
-          <p:nvPr/>
-        </p:nvCxnSpPr>
-        <p:spPr>
-          <a:xfrm>
-            <a:off x="6456635" y="781347"/>
-            <a:ext cx="0" cy="1278485"/>
-          </a:xfrm>
-          <a:prstGeom prst="straightConnector1">
-            <a:avLst/>
-          </a:prstGeom>
-          <a:ln w="28575">
-            <a:solidFill>
-              <a:srgbClr val="00B050"/>
-            </a:solidFill>
-            <a:tailEnd type="triangle"/>
-          </a:ln>
-        </p:spPr>
-        <p:style>
-          <a:lnRef idx="1">
-            <a:schemeClr val="accent1"/>
-          </a:lnRef>
-          <a:fillRef idx="0">
-            <a:schemeClr val="accent1"/>
-          </a:fillRef>
-          <a:effectRef idx="0">
-            <a:schemeClr val="accent1"/>
-          </a:effectRef>
-          <a:fontRef idx="minor">
-            <a:schemeClr val="tx1"/>
-          </a:fontRef>
-        </p:style>
-      </p:cxnSp>
-      <p:sp>
-        <p:nvSpPr>
-          <p:cNvPr id="15" name="テキスト ボックス 14"/>
-          <p:cNvSpPr txBox="1"/>
-          <p:nvPr/>
-        </p:nvSpPr>
-        <p:spPr>
-          <a:xfrm>
-            <a:off x="6454749" y="878288"/>
-            <a:ext cx="1904239" cy="369332"/>
-          </a:xfrm>
-          <a:prstGeom prst="rect">
-            <a:avLst/>
-          </a:prstGeom>
-          <a:noFill/>
-        </p:spPr>
-        <p:txBody>
-          <a:bodyPr wrap="none" rtlCol="0">
-            <a:spAutoFit/>
-          </a:bodyPr>
-          <a:lstStyle/>
-          <a:p>
-            <a:r>
-              <a:rPr lang="en-US" altLang="ja-JP" dirty="0"/>
-              <a:t>Harmonic Analysis</a:t>
-            </a:r>
-            <a:endParaRPr kumimoji="1" lang="ja-JP" altLang="en-US" dirty="0"/>
-          </a:p>
-        </p:txBody>
-      </p:sp>
-      <p:sp>
-        <p:nvSpPr>
-          <p:cNvPr id="16" name="テキスト ボックス 15"/>
-          <p:cNvSpPr txBox="1"/>
-          <p:nvPr/>
-        </p:nvSpPr>
-        <p:spPr>
-          <a:xfrm>
-            <a:off x="225833" y="841421"/>
-            <a:ext cx="5077859" cy="4247317"/>
-          </a:xfrm>
-          <a:prstGeom prst="rect">
-            <a:avLst/>
-          </a:prstGeom>
-          <a:noFill/>
-        </p:spPr>
-        <p:txBody>
-          <a:bodyPr wrap="square" rtlCol="0">
-            <a:spAutoFit/>
-          </a:bodyPr>
-          <a:lstStyle/>
-          <a:p>
-            <a:r>
-              <a:rPr lang="en-US" altLang="ja-JP" dirty="0"/>
-              <a:t>Then, </a:t>
-            </a:r>
-            <a:r>
-              <a:rPr lang="en-US" altLang="ja-JP" dirty="0" err="1"/>
-              <a:t>goto</a:t>
-            </a:r>
-            <a:r>
-              <a:rPr lang="en-US" altLang="ja-JP" dirty="0"/>
-              <a:t> Tools -&gt; Harmonic Analysis. This should create a panel of “Normal modes”. </a:t>
-            </a:r>
-          </a:p>
-          <a:p>
-            <a:endParaRPr lang="en-US" altLang="ja-JP" dirty="0"/>
-          </a:p>
-          <a:p>
-            <a:r>
-              <a:rPr lang="en-US" altLang="ja-JP" dirty="0"/>
-              <a:t>If the panel appears, you’re all set! Congratulations!</a:t>
-            </a:r>
-          </a:p>
-          <a:p>
-            <a:endParaRPr lang="en-US" altLang="ja-JP" dirty="0"/>
-          </a:p>
-          <a:p>
-            <a:r>
-              <a:rPr lang="en-US" altLang="ja-JP" dirty="0"/>
-              <a:t>Check on ”show vibrational coordinates”, and choose a mode you want to see. Vibrational motion will be indicated by arrows. You can “Invert the arrows” by a check box, and change the magnitude using a slider. </a:t>
-            </a:r>
-          </a:p>
-          <a:p>
-            <a:endParaRPr lang="en-US" altLang="ja-JP" dirty="0"/>
-          </a:p>
-          <a:p>
-            <a:endParaRPr lang="en-US" altLang="ja-JP" dirty="0"/>
-          </a:p>
-          <a:p>
-            <a:r>
-              <a:rPr lang="en-US" altLang="ja-JP" dirty="0"/>
-              <a:t>Thanks for using </a:t>
-            </a:r>
-            <a:r>
-              <a:rPr lang="en-US" altLang="ja-JP" dirty="0" err="1"/>
-              <a:t>JSindo</a:t>
-            </a:r>
-            <a:r>
-              <a:rPr lang="en-US" altLang="ja-JP" dirty="0"/>
-              <a:t>!</a:t>
-            </a:r>
-          </a:p>
-          <a:p>
-            <a:r>
-              <a:rPr lang="en-US" altLang="ja-JP" dirty="0"/>
-              <a:t>Enjoy! </a:t>
-            </a:r>
-          </a:p>
-          <a:p>
-            <a:endParaRPr lang="en-US" altLang="ja-JP" dirty="0"/>
-          </a:p>
-        </p:txBody>
-      </p:sp>
-      <p:pic>
-        <p:nvPicPr>
-          <p:cNvPr id="2" name="図 1"/>
-          <p:cNvPicPr>
-            <a:picLocks noChangeAspect="1"/>
-          </p:cNvPicPr>
-          <p:nvPr/>
-        </p:nvPicPr>
-        <p:blipFill rotWithShape="1">
-          <a:blip r:embed="rId3" cstate="print">
-            <a:extLst>
-              <a:ext uri="{28A0092B-C50C-407E-A947-70E740481C1C}">
-                <a14:useLocalDpi xmlns:a14="http://schemas.microsoft.com/office/drawing/2010/main"/>
-              </a:ext>
-            </a:extLst>
-          </a:blip>
-          <a:srcRect/>
-          <a:stretch/>
-        </p:blipFill>
-        <p:spPr>
-          <a:xfrm>
-            <a:off x="5657464" y="2078183"/>
-            <a:ext cx="2304788" cy="1371600"/>
-          </a:xfrm>
-          <a:prstGeom prst="rect">
-            <a:avLst/>
-          </a:prstGeom>
-          <a:ln>
-            <a:solidFill>
-              <a:schemeClr val="accent1"/>
-            </a:solidFill>
-          </a:ln>
-        </p:spPr>
-      </p:pic>
-      <p:pic>
-        <p:nvPicPr>
-          <p:cNvPr id="3" name="図 2"/>
-          <p:cNvPicPr>
-            <a:picLocks noChangeAspect="1"/>
-          </p:cNvPicPr>
-          <p:nvPr/>
-        </p:nvPicPr>
-        <p:blipFill rotWithShape="1">
-          <a:blip r:embed="rId4" cstate="print">
-            <a:extLst>
-              <a:ext uri="{28A0092B-C50C-407E-A947-70E740481C1C}">
-                <a14:useLocalDpi xmlns:a14="http://schemas.microsoft.com/office/drawing/2010/main"/>
-              </a:ext>
-            </a:extLst>
-          </a:blip>
-          <a:srcRect/>
-          <a:stretch/>
-        </p:blipFill>
-        <p:spPr>
-          <a:xfrm>
-            <a:off x="5479679" y="3713019"/>
-            <a:ext cx="2708357" cy="2701636"/>
-          </a:xfrm>
-          <a:prstGeom prst="rect">
-            <a:avLst/>
-          </a:prstGeom>
-          <a:ln>
-            <a:solidFill>
-              <a:schemeClr val="accent1"/>
-            </a:solidFill>
-          </a:ln>
-        </p:spPr>
-      </p:pic>
-      <p:sp>
-        <p:nvSpPr>
-          <p:cNvPr id="4" name="スライド番号プレースホルダー 3"/>
-          <p:cNvSpPr>
-            <a:spLocks noGrp="1"/>
-          </p:cNvSpPr>
-          <p:nvPr>
-            <p:ph type="sldNum" sz="quarter" idx="12"/>
-          </p:nvPr>
-        </p:nvSpPr>
-        <p:spPr/>
-        <p:txBody>
-          <a:bodyPr/>
-          <a:lstStyle/>
-          <a:p>
-            <a:fld id="{7D34BB6B-1E1A-9541-9560-488905BF54FF}" type="slidenum">
-              <a:rPr kumimoji="1" lang="ja-JP" altLang="en-US" smtClean="0"/>
-              <a:t>8</a:t>
-            </a:fld>
-            <a:endParaRPr kumimoji="1" lang="ja-JP" altLang="en-US"/>
-          </a:p>
-        </p:txBody>
-      </p:sp>
-    </p:spTree>
-    <p:extLst>
-      <p:ext uri="{BB962C8B-B14F-4D97-AF65-F5344CB8AC3E}">
-        <p14:creationId xmlns:p14="http://schemas.microsoft.com/office/powerpoint/2010/main" val="1416719639"/>
       </p:ext>
     </p:extLst>
   </p:cSld>
